--- a/DataCamp/forecasting-using-arima-models-in-python/forecasting-using-arima-models-in-python.pptx
+++ b/DataCamp/forecasting-using-arima-models-in-python/forecasting-using-arima-models-in-python.pptx
@@ -5,13 +5,16 @@
     <p:sldMasterId id="2147483648" r:id="rId1"/>
   </p:sldMasterIdLst>
   <p:sldIdLst>
-    <p:sldId id="256" r:id="rId2"/>
-    <p:sldId id="257" r:id="rId3"/>
-    <p:sldId id="258" r:id="rId4"/>
-    <p:sldId id="259" r:id="rId5"/>
-    <p:sldId id="260" r:id="rId6"/>
-    <p:sldId id="261" r:id="rId7"/>
-    <p:sldId id="262" r:id="rId8"/>
+    <p:sldId id="265" r:id="rId2"/>
+    <p:sldId id="256" r:id="rId3"/>
+    <p:sldId id="257" r:id="rId4"/>
+    <p:sldId id="260" r:id="rId5"/>
+    <p:sldId id="261" r:id="rId6"/>
+    <p:sldId id="264" r:id="rId7"/>
+    <p:sldId id="266" r:id="rId8"/>
+    <p:sldId id="263" r:id="rId9"/>
+    <p:sldId id="267" r:id="rId10"/>
+    <p:sldId id="262" r:id="rId11"/>
   </p:sldIdLst>
   <p:sldSz cx="12192000" cy="6858000"/>
   <p:notesSz cx="6858000" cy="9144000"/>
@@ -118,6 +121,1094 @@
 </p:presentation>
 </file>
 
+<file path=ppt/revisionInfo.xml><?xml version="1.0" encoding="utf-8"?>
+<p1510:revInfo xmlns:a="http://schemas.openxmlformats.org/drawingml/2006/main" xmlns:r="http://schemas.openxmlformats.org/officeDocument/2006/relationships" xmlns:p1510="http://schemas.microsoft.com/office/powerpoint/2015/10/main">
+  <p1510:revLst>
+    <p1510:client id="{18DAF76C-634E-44A4-AAC6-D5617FEEDEC0}" v="107" dt="2020-01-06T23:22:45.702"/>
+  </p1510:revLst>
+</p1510:revInfo>
+</file>
+
+<file path=ppt/changesInfos/changesInfo1.xml><?xml version="1.0" encoding="utf-8"?>
+<pc:chgInfo xmlns:a="http://schemas.openxmlformats.org/drawingml/2006/main" xmlns:r="http://schemas.openxmlformats.org/officeDocument/2006/relationships" xmlns:ac="http://schemas.microsoft.com/office/drawing/2013/main/command" xmlns:pc="http://schemas.microsoft.com/office/powerpoint/2013/main/command">
+  <pc:docChgLst>
+    <pc:chgData name="Nikhil Jathar" userId="7874bdcc0642262c" providerId="LiveId" clId="{18DAF76C-634E-44A4-AAC6-D5617FEEDEC0}"/>
+    <pc:docChg chg="undo redo custSel addSld delSld modSld sldOrd">
+      <pc:chgData name="Nikhil Jathar" userId="7874bdcc0642262c" providerId="LiveId" clId="{18DAF76C-634E-44A4-AAC6-D5617FEEDEC0}" dt="2020-01-06T23:24:03.201" v="1878" actId="692"/>
+      <pc:docMkLst>
+        <pc:docMk/>
+      </pc:docMkLst>
+      <pc:sldChg chg="addSp delSp modSp">
+        <pc:chgData name="Nikhil Jathar" userId="7874bdcc0642262c" providerId="LiveId" clId="{18DAF76C-634E-44A4-AAC6-D5617FEEDEC0}" dt="2020-01-06T03:20:26.099" v="129" actId="1076"/>
+        <pc:sldMkLst>
+          <pc:docMk/>
+          <pc:sldMk cId="374941433" sldId="256"/>
+        </pc:sldMkLst>
+        <pc:spChg chg="add mod">
+          <ac:chgData name="Nikhil Jathar" userId="7874bdcc0642262c" providerId="LiveId" clId="{18DAF76C-634E-44A4-AAC6-D5617FEEDEC0}" dt="2020-01-06T03:20:22.130" v="128" actId="164"/>
+          <ac:spMkLst>
+            <pc:docMk/>
+            <pc:sldMk cId="374941433" sldId="256"/>
+            <ac:spMk id="21" creationId="{CBE02CD0-42BE-45AB-8D50-9D36BF1541B7}"/>
+          </ac:spMkLst>
+        </pc:spChg>
+        <pc:grpChg chg="add mod">
+          <ac:chgData name="Nikhil Jathar" userId="7874bdcc0642262c" providerId="LiveId" clId="{18DAF76C-634E-44A4-AAC6-D5617FEEDEC0}" dt="2020-01-06T03:20:14.591" v="126" actId="14100"/>
+          <ac:grpSpMkLst>
+            <pc:docMk/>
+            <pc:sldMk cId="374941433" sldId="256"/>
+            <ac:grpSpMk id="2" creationId="{7029A39D-E6A5-4484-8E01-57C70CE16330}"/>
+          </ac:grpSpMkLst>
+        </pc:grpChg>
+        <pc:grpChg chg="add mod">
+          <ac:chgData name="Nikhil Jathar" userId="7874bdcc0642262c" providerId="LiveId" clId="{18DAF76C-634E-44A4-AAC6-D5617FEEDEC0}" dt="2020-01-06T03:20:26.099" v="129" actId="1076"/>
+          <ac:grpSpMkLst>
+            <pc:docMk/>
+            <pc:sldMk cId="374941433" sldId="256"/>
+            <ac:grpSpMk id="7" creationId="{30CE7A2D-3417-4A18-9396-915F3EDEE80F}"/>
+          </ac:grpSpMkLst>
+        </pc:grpChg>
+        <pc:grpChg chg="add del mod">
+          <ac:chgData name="Nikhil Jathar" userId="7874bdcc0642262c" providerId="LiveId" clId="{18DAF76C-634E-44A4-AAC6-D5617FEEDEC0}" dt="2020-01-04T14:28:50.355" v="73"/>
+          <ac:grpSpMkLst>
+            <pc:docMk/>
+            <pc:sldMk cId="374941433" sldId="256"/>
+            <ac:grpSpMk id="7" creationId="{EE18FEE6-AE5E-4922-B642-B7E3A649CC02}"/>
+          </ac:grpSpMkLst>
+        </pc:grpChg>
+        <pc:grpChg chg="add mod">
+          <ac:chgData name="Nikhil Jathar" userId="7874bdcc0642262c" providerId="LiveId" clId="{18DAF76C-634E-44A4-AAC6-D5617FEEDEC0}" dt="2020-01-06T03:20:16.999" v="127" actId="1076"/>
+          <ac:grpSpMkLst>
+            <pc:docMk/>
+            <pc:sldMk cId="374941433" sldId="256"/>
+            <ac:grpSpMk id="17" creationId="{5BFC80A5-8D25-49B8-8AA3-35D0905505CA}"/>
+          </ac:grpSpMkLst>
+        </pc:grpChg>
+        <pc:picChg chg="del mod">
+          <ac:chgData name="Nikhil Jathar" userId="7874bdcc0642262c" providerId="LiveId" clId="{18DAF76C-634E-44A4-AAC6-D5617FEEDEC0}" dt="2020-01-04T14:09:00.374" v="1" actId="478"/>
+          <ac:picMkLst>
+            <pc:docMk/>
+            <pc:sldMk cId="374941433" sldId="256"/>
+            <ac:picMk id="2" creationId="{00000000-0000-0000-0000-000000000000}"/>
+          </ac:picMkLst>
+        </pc:picChg>
+        <pc:picChg chg="mod">
+          <ac:chgData name="Nikhil Jathar" userId="7874bdcc0642262c" providerId="LiveId" clId="{18DAF76C-634E-44A4-AAC6-D5617FEEDEC0}" dt="2020-01-04T14:09:18.315" v="4" actId="14100"/>
+          <ac:picMkLst>
+            <pc:docMk/>
+            <pc:sldMk cId="374941433" sldId="256"/>
+            <ac:picMk id="3" creationId="{00000000-0000-0000-0000-000000000000}"/>
+          </ac:picMkLst>
+        </pc:picChg>
+        <pc:picChg chg="add mod">
+          <ac:chgData name="Nikhil Jathar" userId="7874bdcc0642262c" providerId="LiveId" clId="{18DAF76C-634E-44A4-AAC6-D5617FEEDEC0}" dt="2020-01-06T03:20:22.130" v="128" actId="164"/>
+          <ac:picMkLst>
+            <pc:docMk/>
+            <pc:sldMk cId="374941433" sldId="256"/>
+            <ac:picMk id="4" creationId="{3FDA25F8-6A78-4084-A6FC-B31802B0C27A}"/>
+          </ac:picMkLst>
+        </pc:picChg>
+        <pc:picChg chg="add mod">
+          <ac:chgData name="Nikhil Jathar" userId="7874bdcc0642262c" providerId="LiveId" clId="{18DAF76C-634E-44A4-AAC6-D5617FEEDEC0}" dt="2020-01-04T14:27:36.031" v="67" actId="1076"/>
+          <ac:picMkLst>
+            <pc:docMk/>
+            <pc:sldMk cId="374941433" sldId="256"/>
+            <ac:picMk id="5" creationId="{F40EA3FC-F839-4684-B8EF-A96FB6011950}"/>
+          </ac:picMkLst>
+        </pc:picChg>
+        <pc:picChg chg="add mod">
+          <ac:chgData name="Nikhil Jathar" userId="7874bdcc0642262c" providerId="LiveId" clId="{18DAF76C-634E-44A4-AAC6-D5617FEEDEC0}" dt="2020-01-04T14:27:36.031" v="67" actId="1076"/>
+          <ac:picMkLst>
+            <pc:docMk/>
+            <pc:sldMk cId="374941433" sldId="256"/>
+            <ac:picMk id="6" creationId="{DA60892B-A6BD-4796-9F19-A9CB7355A353}"/>
+          </ac:picMkLst>
+        </pc:picChg>
+        <pc:picChg chg="add mod">
+          <ac:chgData name="Nikhil Jathar" userId="7874bdcc0642262c" providerId="LiveId" clId="{18DAF76C-634E-44A4-AAC6-D5617FEEDEC0}" dt="2020-01-06T03:20:05.302" v="123" actId="164"/>
+          <ac:picMkLst>
+            <pc:docMk/>
+            <pc:sldMk cId="374941433" sldId="256"/>
+            <ac:picMk id="8" creationId="{8BF257F8-26C0-4867-B5C6-4836D7D9ACE8}"/>
+          </ac:picMkLst>
+        </pc:picChg>
+        <pc:picChg chg="mod">
+          <ac:chgData name="Nikhil Jathar" userId="7874bdcc0642262c" providerId="LiveId" clId="{18DAF76C-634E-44A4-AAC6-D5617FEEDEC0}" dt="2020-01-04T14:09:22.425" v="5" actId="1076"/>
+          <ac:picMkLst>
+            <pc:docMk/>
+            <pc:sldMk cId="374941433" sldId="256"/>
+            <ac:picMk id="11" creationId="{00000000-0000-0000-0000-000000000000}"/>
+          </ac:picMkLst>
+        </pc:picChg>
+        <pc:picChg chg="mod">
+          <ac:chgData name="Nikhil Jathar" userId="7874bdcc0642262c" providerId="LiveId" clId="{18DAF76C-634E-44A4-AAC6-D5617FEEDEC0}" dt="2020-01-04T14:09:31.392" v="6" actId="1076"/>
+          <ac:picMkLst>
+            <pc:docMk/>
+            <pc:sldMk cId="374941433" sldId="256"/>
+            <ac:picMk id="12" creationId="{00000000-0000-0000-0000-000000000000}"/>
+          </ac:picMkLst>
+        </pc:picChg>
+        <pc:picChg chg="mod modCrop">
+          <ac:chgData name="Nikhil Jathar" userId="7874bdcc0642262c" providerId="LiveId" clId="{18DAF76C-634E-44A4-AAC6-D5617FEEDEC0}" dt="2020-01-06T03:20:22.130" v="128" actId="164"/>
+          <ac:picMkLst>
+            <pc:docMk/>
+            <pc:sldMk cId="374941433" sldId="256"/>
+            <ac:picMk id="13" creationId="{00000000-0000-0000-0000-000000000000}"/>
+          </ac:picMkLst>
+        </pc:picChg>
+        <pc:picChg chg="mod modCrop">
+          <ac:chgData name="Nikhil Jathar" userId="7874bdcc0642262c" providerId="LiveId" clId="{18DAF76C-634E-44A4-AAC6-D5617FEEDEC0}" dt="2020-01-04T14:27:36.031" v="67" actId="1076"/>
+          <ac:picMkLst>
+            <pc:docMk/>
+            <pc:sldMk cId="374941433" sldId="256"/>
+            <ac:picMk id="14" creationId="{00000000-0000-0000-0000-000000000000}"/>
+          </ac:picMkLst>
+        </pc:picChg>
+        <pc:picChg chg="mod modCrop">
+          <ac:chgData name="Nikhil Jathar" userId="7874bdcc0642262c" providerId="LiveId" clId="{18DAF76C-634E-44A4-AAC6-D5617FEEDEC0}" dt="2020-01-04T14:27:36.031" v="67" actId="1076"/>
+          <ac:picMkLst>
+            <pc:docMk/>
+            <pc:sldMk cId="374941433" sldId="256"/>
+            <ac:picMk id="15" creationId="{00000000-0000-0000-0000-000000000000}"/>
+          </ac:picMkLst>
+        </pc:picChg>
+        <pc:picChg chg="mod">
+          <ac:chgData name="Nikhil Jathar" userId="7874bdcc0642262c" providerId="LiveId" clId="{18DAF76C-634E-44A4-AAC6-D5617FEEDEC0}" dt="2020-01-04T14:27:36.031" v="67" actId="1076"/>
+          <ac:picMkLst>
+            <pc:docMk/>
+            <pc:sldMk cId="374941433" sldId="256"/>
+            <ac:picMk id="16" creationId="{00000000-0000-0000-0000-000000000000}"/>
+          </ac:picMkLst>
+        </pc:picChg>
+        <pc:picChg chg="mod modCrop">
+          <ac:chgData name="Nikhil Jathar" userId="7874bdcc0642262c" providerId="LiveId" clId="{18DAF76C-634E-44A4-AAC6-D5617FEEDEC0}" dt="2020-01-04T14:28:48.038" v="72" actId="164"/>
+          <ac:picMkLst>
+            <pc:docMk/>
+            <pc:sldMk cId="374941433" sldId="256"/>
+            <ac:picMk id="17" creationId="{00000000-0000-0000-0000-000000000000}"/>
+          </ac:picMkLst>
+        </pc:picChg>
+        <pc:picChg chg="mod modCrop">
+          <ac:chgData name="Nikhil Jathar" userId="7874bdcc0642262c" providerId="LiveId" clId="{18DAF76C-634E-44A4-AAC6-D5617FEEDEC0}" dt="2020-01-04T14:28:48.038" v="72" actId="164"/>
+          <ac:picMkLst>
+            <pc:docMk/>
+            <pc:sldMk cId="374941433" sldId="256"/>
+            <ac:picMk id="18" creationId="{00000000-0000-0000-0000-000000000000}"/>
+          </ac:picMkLst>
+        </pc:picChg>
+        <pc:picChg chg="mod">
+          <ac:chgData name="Nikhil Jathar" userId="7874bdcc0642262c" providerId="LiveId" clId="{18DAF76C-634E-44A4-AAC6-D5617FEEDEC0}" dt="2020-01-04T14:28:48.038" v="72" actId="164"/>
+          <ac:picMkLst>
+            <pc:docMk/>
+            <pc:sldMk cId="374941433" sldId="256"/>
+            <ac:picMk id="19" creationId="{00000000-0000-0000-0000-000000000000}"/>
+          </ac:picMkLst>
+        </pc:picChg>
+        <pc:picChg chg="del mod">
+          <ac:chgData name="Nikhil Jathar" userId="7874bdcc0642262c" providerId="LiveId" clId="{18DAF76C-634E-44A4-AAC6-D5617FEEDEC0}" dt="2020-01-04T14:24:18.339" v="41"/>
+          <ac:picMkLst>
+            <pc:docMk/>
+            <pc:sldMk cId="374941433" sldId="256"/>
+            <ac:picMk id="20" creationId="{00000000-0000-0000-0000-000000000000}"/>
+          </ac:picMkLst>
+        </pc:picChg>
+        <pc:picChg chg="add mod">
+          <ac:chgData name="Nikhil Jathar" userId="7874bdcc0642262c" providerId="LiveId" clId="{18DAF76C-634E-44A4-AAC6-D5617FEEDEC0}" dt="2020-01-06T03:20:05.302" v="123" actId="164"/>
+          <ac:picMkLst>
+            <pc:docMk/>
+            <pc:sldMk cId="374941433" sldId="256"/>
+            <ac:picMk id="22" creationId="{BC3078BA-909B-45B5-86D4-880C9988CAFD}"/>
+          </ac:picMkLst>
+        </pc:picChg>
+        <pc:picChg chg="add mod modCrop">
+          <ac:chgData name="Nikhil Jathar" userId="7874bdcc0642262c" providerId="LiveId" clId="{18DAF76C-634E-44A4-AAC6-D5617FEEDEC0}" dt="2020-01-06T03:20:05.302" v="123" actId="164"/>
+          <ac:picMkLst>
+            <pc:docMk/>
+            <pc:sldMk cId="374941433" sldId="256"/>
+            <ac:picMk id="23" creationId="{FDD2F061-9AF2-4290-83FF-FA884DDFFADF}"/>
+          </ac:picMkLst>
+        </pc:picChg>
+      </pc:sldChg>
+      <pc:sldChg chg="addSp delSp modSp">
+        <pc:chgData name="Nikhil Jathar" userId="7874bdcc0642262c" providerId="LiveId" clId="{18DAF76C-634E-44A4-AAC6-D5617FEEDEC0}" dt="2020-01-06T21:49:45.696" v="533" actId="1076"/>
+        <pc:sldMkLst>
+          <pc:docMk/>
+          <pc:sldMk cId="679337950" sldId="257"/>
+        </pc:sldMkLst>
+        <pc:spChg chg="add del mod">
+          <ac:chgData name="Nikhil Jathar" userId="7874bdcc0642262c" providerId="LiveId" clId="{18DAF76C-634E-44A4-AAC6-D5617FEEDEC0}" dt="2020-01-06T21:49:07.016" v="528"/>
+          <ac:spMkLst>
+            <pc:docMk/>
+            <pc:sldMk cId="679337950" sldId="257"/>
+            <ac:spMk id="2" creationId="{9210A63B-9C0F-4E33-BE6E-7FF759CF044C}"/>
+          </ac:spMkLst>
+        </pc:spChg>
+        <pc:spChg chg="del">
+          <ac:chgData name="Nikhil Jathar" userId="7874bdcc0642262c" providerId="LiveId" clId="{18DAF76C-634E-44A4-AAC6-D5617FEEDEC0}" dt="2020-01-04T14:21:04.771" v="36" actId="478"/>
+          <ac:spMkLst>
+            <pc:docMk/>
+            <pc:sldMk cId="679337950" sldId="257"/>
+            <ac:spMk id="11" creationId="{00000000-0000-0000-0000-000000000000}"/>
+          </ac:spMkLst>
+        </pc:spChg>
+        <pc:spChg chg="mod">
+          <ac:chgData name="Nikhil Jathar" userId="7874bdcc0642262c" providerId="LiveId" clId="{18DAF76C-634E-44A4-AAC6-D5617FEEDEC0}" dt="2020-01-04T14:29:18.418" v="79" actId="164"/>
+          <ac:spMkLst>
+            <pc:docMk/>
+            <pc:sldMk cId="679337950" sldId="257"/>
+            <ac:spMk id="14" creationId="{00000000-0000-0000-0000-000000000000}"/>
+          </ac:spMkLst>
+        </pc:spChg>
+        <pc:spChg chg="add mod topLvl">
+          <ac:chgData name="Nikhil Jathar" userId="7874bdcc0642262c" providerId="LiveId" clId="{18DAF76C-634E-44A4-AAC6-D5617FEEDEC0}" dt="2020-01-06T18:29:04.107" v="498" actId="164"/>
+          <ac:spMkLst>
+            <pc:docMk/>
+            <pc:sldMk cId="679337950" sldId="257"/>
+            <ac:spMk id="19" creationId="{F2032010-8371-41ED-A63F-91B04FA71E9E}"/>
+          </ac:spMkLst>
+        </pc:spChg>
+        <pc:spChg chg="add mod ord topLvl">
+          <ac:chgData name="Nikhil Jathar" userId="7874bdcc0642262c" providerId="LiveId" clId="{18DAF76C-634E-44A4-AAC6-D5617FEEDEC0}" dt="2020-01-06T18:29:04.107" v="498" actId="164"/>
+          <ac:spMkLst>
+            <pc:docMk/>
+            <pc:sldMk cId="679337950" sldId="257"/>
+            <ac:spMk id="20" creationId="{B4897373-F600-4D46-ACEB-87B2A5950E7F}"/>
+          </ac:spMkLst>
+        </pc:spChg>
+        <pc:spChg chg="add mod">
+          <ac:chgData name="Nikhil Jathar" userId="7874bdcc0642262c" providerId="LiveId" clId="{18DAF76C-634E-44A4-AAC6-D5617FEEDEC0}" dt="2020-01-06T21:49:40.379" v="532" actId="1076"/>
+          <ac:spMkLst>
+            <pc:docMk/>
+            <pc:sldMk cId="679337950" sldId="257"/>
+            <ac:spMk id="28" creationId="{2DD54CF3-9584-4F1B-8038-8EFD48BC9917}"/>
+          </ac:spMkLst>
+        </pc:spChg>
+        <pc:grpChg chg="add del mod">
+          <ac:chgData name="Nikhil Jathar" userId="7874bdcc0642262c" providerId="LiveId" clId="{18DAF76C-634E-44A4-AAC6-D5617FEEDEC0}" dt="2020-01-04T14:31:41.025" v="97"/>
+          <ac:grpSpMkLst>
+            <pc:docMk/>
+            <pc:sldMk cId="679337950" sldId="257"/>
+            <ac:grpSpMk id="2" creationId="{406C6AF1-846A-4961-9952-011A4F291E23}"/>
+          </ac:grpSpMkLst>
+        </pc:grpChg>
+        <pc:grpChg chg="add del mod">
+          <ac:chgData name="Nikhil Jathar" userId="7874bdcc0642262c" providerId="LiveId" clId="{18DAF76C-634E-44A4-AAC6-D5617FEEDEC0}" dt="2020-01-06T18:28:37.217" v="496" actId="165"/>
+          <ac:grpSpMkLst>
+            <pc:docMk/>
+            <pc:sldMk cId="679337950" sldId="257"/>
+            <ac:grpSpMk id="4" creationId="{C656D4CE-86A8-4A38-83C2-ED0F273429DB}"/>
+          </ac:grpSpMkLst>
+        </pc:grpChg>
+        <pc:grpChg chg="add mod">
+          <ac:chgData name="Nikhil Jathar" userId="7874bdcc0642262c" providerId="LiveId" clId="{18DAF76C-634E-44A4-AAC6-D5617FEEDEC0}" dt="2020-01-06T21:49:02.298" v="527" actId="1076"/>
+          <ac:grpSpMkLst>
+            <pc:docMk/>
+            <pc:sldMk cId="679337950" sldId="257"/>
+            <ac:grpSpMk id="5" creationId="{A351445F-9499-43F2-89D9-2FEE02B03A00}"/>
+          </ac:grpSpMkLst>
+        </pc:grpChg>
+        <pc:grpChg chg="add mod topLvl">
+          <ac:chgData name="Nikhil Jathar" userId="7874bdcc0642262c" providerId="LiveId" clId="{18DAF76C-634E-44A4-AAC6-D5617FEEDEC0}" dt="2020-01-06T18:29:04.107" v="498" actId="164"/>
+          <ac:grpSpMkLst>
+            <pc:docMk/>
+            <pc:sldMk cId="679337950" sldId="257"/>
+            <ac:grpSpMk id="9" creationId="{BFC0093C-569D-43D5-895F-7FBA545EC2EC}"/>
+          </ac:grpSpMkLst>
+        </pc:grpChg>
+        <pc:grpChg chg="add del mod">
+          <ac:chgData name="Nikhil Jathar" userId="7874bdcc0642262c" providerId="LiveId" clId="{18DAF76C-634E-44A4-AAC6-D5617FEEDEC0}" dt="2020-01-06T03:19:46.809" v="120"/>
+          <ac:grpSpMkLst>
+            <pc:docMk/>
+            <pc:sldMk cId="679337950" sldId="257"/>
+            <ac:grpSpMk id="22" creationId="{09FB9E28-2747-4894-B8F4-C417622DD7C2}"/>
+          </ac:grpSpMkLst>
+        </pc:grpChg>
+        <pc:picChg chg="add mod">
+          <ac:chgData name="Nikhil Jathar" userId="7874bdcc0642262c" providerId="LiveId" clId="{18DAF76C-634E-44A4-AAC6-D5617FEEDEC0}" dt="2020-01-04T14:35:35.385" v="113" actId="1076"/>
+          <ac:picMkLst>
+            <pc:docMk/>
+            <pc:sldMk cId="679337950" sldId="257"/>
+            <ac:picMk id="3" creationId="{E8EE087C-544E-4907-9A3A-040E856E3F44}"/>
+          </ac:picMkLst>
+        </pc:picChg>
+        <pc:picChg chg="del">
+          <ac:chgData name="Nikhil Jathar" userId="7874bdcc0642262c" providerId="LiveId" clId="{18DAF76C-634E-44A4-AAC6-D5617FEEDEC0}" dt="2020-01-04T14:21:08.730" v="37" actId="478"/>
+          <ac:picMkLst>
+            <pc:docMk/>
+            <pc:sldMk cId="679337950" sldId="257"/>
+            <ac:picMk id="9" creationId="{00000000-0000-0000-0000-000000000000}"/>
+          </ac:picMkLst>
+        </pc:picChg>
+        <pc:picChg chg="del">
+          <ac:chgData name="Nikhil Jathar" userId="7874bdcc0642262c" providerId="LiveId" clId="{18DAF76C-634E-44A4-AAC6-D5617FEEDEC0}" dt="2020-01-04T14:21:10.839" v="38" actId="478"/>
+          <ac:picMkLst>
+            <pc:docMk/>
+            <pc:sldMk cId="679337950" sldId="257"/>
+            <ac:picMk id="10" creationId="{00000000-0000-0000-0000-000000000000}"/>
+          </ac:picMkLst>
+        </pc:picChg>
+        <pc:picChg chg="mod">
+          <ac:chgData name="Nikhil Jathar" userId="7874bdcc0642262c" providerId="LiveId" clId="{18DAF76C-634E-44A4-AAC6-D5617FEEDEC0}" dt="2020-01-04T14:29:18.418" v="79" actId="164"/>
+          <ac:picMkLst>
+            <pc:docMk/>
+            <pc:sldMk cId="679337950" sldId="257"/>
+            <ac:picMk id="12" creationId="{00000000-0000-0000-0000-000000000000}"/>
+          </ac:picMkLst>
+        </pc:picChg>
+        <pc:picChg chg="mod">
+          <ac:chgData name="Nikhil Jathar" userId="7874bdcc0642262c" providerId="LiveId" clId="{18DAF76C-634E-44A4-AAC6-D5617FEEDEC0}" dt="2020-01-04T14:29:18.418" v="79" actId="164"/>
+          <ac:picMkLst>
+            <pc:docMk/>
+            <pc:sldMk cId="679337950" sldId="257"/>
+            <ac:picMk id="13" creationId="{00000000-0000-0000-0000-000000000000}"/>
+          </ac:picMkLst>
+        </pc:picChg>
+        <pc:picChg chg="add mod topLvl">
+          <ac:chgData name="Nikhil Jathar" userId="7874bdcc0642262c" providerId="LiveId" clId="{18DAF76C-634E-44A4-AAC6-D5617FEEDEC0}" dt="2020-01-06T18:29:04.107" v="498" actId="164"/>
+          <ac:picMkLst>
+            <pc:docMk/>
+            <pc:sldMk cId="679337950" sldId="257"/>
+            <ac:picMk id="14" creationId="{448E98FA-91B0-496A-9D65-D463F3F88E4A}"/>
+          </ac:picMkLst>
+        </pc:picChg>
+        <pc:picChg chg="mod">
+          <ac:chgData name="Nikhil Jathar" userId="7874bdcc0642262c" providerId="LiveId" clId="{18DAF76C-634E-44A4-AAC6-D5617FEEDEC0}" dt="2020-01-06T03:23:45.818" v="131" actId="1076"/>
+          <ac:picMkLst>
+            <pc:docMk/>
+            <pc:sldMk cId="679337950" sldId="257"/>
+            <ac:picMk id="15" creationId="{00000000-0000-0000-0000-000000000000}"/>
+          </ac:picMkLst>
+        </pc:picChg>
+        <pc:picChg chg="mod">
+          <ac:chgData name="Nikhil Jathar" userId="7874bdcc0642262c" providerId="LiveId" clId="{18DAF76C-634E-44A4-AAC6-D5617FEEDEC0}" dt="2020-01-04T14:28:40.450" v="71" actId="1076"/>
+          <ac:picMkLst>
+            <pc:docMk/>
+            <pc:sldMk cId="679337950" sldId="257"/>
+            <ac:picMk id="16" creationId="{00000000-0000-0000-0000-000000000000}"/>
+          </ac:picMkLst>
+        </pc:picChg>
+        <pc:picChg chg="mod modCrop">
+          <ac:chgData name="Nikhil Jathar" userId="7874bdcc0642262c" providerId="LiveId" clId="{18DAF76C-634E-44A4-AAC6-D5617FEEDEC0}" dt="2020-01-04T14:35:32.643" v="112" actId="1076"/>
+          <ac:picMkLst>
+            <pc:docMk/>
+            <pc:sldMk cId="679337950" sldId="257"/>
+            <ac:picMk id="17" creationId="{00000000-0000-0000-0000-000000000000}"/>
+          </ac:picMkLst>
+        </pc:picChg>
+        <pc:picChg chg="mod">
+          <ac:chgData name="Nikhil Jathar" userId="7874bdcc0642262c" providerId="LiveId" clId="{18DAF76C-634E-44A4-AAC6-D5617FEEDEC0}" dt="2020-01-04T14:36:14.306" v="118" actId="1076"/>
+          <ac:picMkLst>
+            <pc:docMk/>
+            <pc:sldMk cId="679337950" sldId="257"/>
+            <ac:picMk id="18" creationId="{00000000-0000-0000-0000-000000000000}"/>
+          </ac:picMkLst>
+        </pc:picChg>
+        <pc:picChg chg="del">
+          <ac:chgData name="Nikhil Jathar" userId="7874bdcc0642262c" providerId="LiveId" clId="{18DAF76C-634E-44A4-AAC6-D5617FEEDEC0}" dt="2020-01-04T14:29:37.288" v="83"/>
+          <ac:picMkLst>
+            <pc:docMk/>
+            <pc:sldMk cId="679337950" sldId="257"/>
+            <ac:picMk id="19" creationId="{00000000-0000-0000-0000-000000000000}"/>
+          </ac:picMkLst>
+        </pc:picChg>
+        <pc:picChg chg="del">
+          <ac:chgData name="Nikhil Jathar" userId="7874bdcc0642262c" providerId="LiveId" clId="{18DAF76C-634E-44A4-AAC6-D5617FEEDEC0}" dt="2020-01-04T14:29:37.288" v="83"/>
+          <ac:picMkLst>
+            <pc:docMk/>
+            <pc:sldMk cId="679337950" sldId="257"/>
+            <ac:picMk id="20" creationId="{00000000-0000-0000-0000-000000000000}"/>
+          </ac:picMkLst>
+        </pc:picChg>
+        <pc:picChg chg="add del mod">
+          <ac:chgData name="Nikhil Jathar" userId="7874bdcc0642262c" providerId="LiveId" clId="{18DAF76C-634E-44A4-AAC6-D5617FEEDEC0}" dt="2020-01-04T14:31:41.025" v="97"/>
+          <ac:picMkLst>
+            <pc:docMk/>
+            <pc:sldMk cId="679337950" sldId="257"/>
+            <ac:picMk id="21" creationId="{9B5E0012-A0A6-42E8-B697-E9CD1F329576}"/>
+          </ac:picMkLst>
+        </pc:picChg>
+        <pc:picChg chg="add mod topLvl">
+          <ac:chgData name="Nikhil Jathar" userId="7874bdcc0642262c" providerId="LiveId" clId="{18DAF76C-634E-44A4-AAC6-D5617FEEDEC0}" dt="2020-01-06T18:29:04.107" v="498" actId="164"/>
+          <ac:picMkLst>
+            <pc:docMk/>
+            <pc:sldMk cId="679337950" sldId="257"/>
+            <ac:picMk id="21" creationId="{D864AC04-F7EE-4600-8E0F-DE7E2C053D51}"/>
+          </ac:picMkLst>
+        </pc:picChg>
+        <pc:picChg chg="add del">
+          <ac:chgData name="Nikhil Jathar" userId="7874bdcc0642262c" providerId="LiveId" clId="{18DAF76C-634E-44A4-AAC6-D5617FEEDEC0}" dt="2020-01-06T18:26:28.370" v="480"/>
+          <ac:picMkLst>
+            <pc:docMk/>
+            <pc:sldMk cId="679337950" sldId="257"/>
+            <ac:picMk id="22" creationId="{0DB66587-DE65-4B8B-8027-6BC410E14CE1}"/>
+          </ac:picMkLst>
+        </pc:picChg>
+        <pc:picChg chg="add del">
+          <ac:chgData name="Nikhil Jathar" userId="7874bdcc0642262c" providerId="LiveId" clId="{18DAF76C-634E-44A4-AAC6-D5617FEEDEC0}" dt="2020-01-06T18:26:27.191" v="478"/>
+          <ac:picMkLst>
+            <pc:docMk/>
+            <pc:sldMk cId="679337950" sldId="257"/>
+            <ac:picMk id="23" creationId="{10A9C3CF-BE8C-469D-9BB0-73FE13812CDF}"/>
+          </ac:picMkLst>
+        </pc:picChg>
+        <pc:picChg chg="add mod">
+          <ac:chgData name="Nikhil Jathar" userId="7874bdcc0642262c" providerId="LiveId" clId="{18DAF76C-634E-44A4-AAC6-D5617FEEDEC0}" dt="2020-01-06T21:49:26.656" v="530" actId="1076"/>
+          <ac:picMkLst>
+            <pc:docMk/>
+            <pc:sldMk cId="679337950" sldId="257"/>
+            <ac:picMk id="24" creationId="{2612378C-03A5-4B0B-9942-961FC9F6913D}"/>
+          </ac:picMkLst>
+        </pc:picChg>
+        <pc:picChg chg="add mod topLvl modCrop">
+          <ac:chgData name="Nikhil Jathar" userId="7874bdcc0642262c" providerId="LiveId" clId="{18DAF76C-634E-44A4-AAC6-D5617FEEDEC0}" dt="2020-01-06T21:49:31.002" v="531" actId="1076"/>
+          <ac:picMkLst>
+            <pc:docMk/>
+            <pc:sldMk cId="679337950" sldId="257"/>
+            <ac:picMk id="25" creationId="{8D71BFDB-EBEC-4CA4-8C20-DE82508BC2B3}"/>
+          </ac:picMkLst>
+        </pc:picChg>
+        <pc:picChg chg="add mod modCrop">
+          <ac:chgData name="Nikhil Jathar" userId="7874bdcc0642262c" providerId="LiveId" clId="{18DAF76C-634E-44A4-AAC6-D5617FEEDEC0}" dt="2020-01-04T14:36:11.682" v="117" actId="1076"/>
+          <ac:picMkLst>
+            <pc:docMk/>
+            <pc:sldMk cId="679337950" sldId="257"/>
+            <ac:picMk id="26" creationId="{D39771E1-4D0D-48D6-9BDD-C3C0ACF27D25}"/>
+          </ac:picMkLst>
+        </pc:picChg>
+        <pc:picChg chg="add mod">
+          <ac:chgData name="Nikhil Jathar" userId="7874bdcc0642262c" providerId="LiveId" clId="{18DAF76C-634E-44A4-AAC6-D5617FEEDEC0}" dt="2020-01-06T21:49:45.696" v="533" actId="1076"/>
+          <ac:picMkLst>
+            <pc:docMk/>
+            <pc:sldMk cId="679337950" sldId="257"/>
+            <ac:picMk id="27" creationId="{5A48173A-17A8-4904-A972-66D9A4BAE6CC}"/>
+          </ac:picMkLst>
+        </pc:picChg>
+        <pc:picChg chg="add del">
+          <ac:chgData name="Nikhil Jathar" userId="7874bdcc0642262c" providerId="LiveId" clId="{18DAF76C-634E-44A4-AAC6-D5617FEEDEC0}" dt="2020-01-04T14:35:02.131" v="105"/>
+          <ac:picMkLst>
+            <pc:docMk/>
+            <pc:sldMk cId="679337950" sldId="257"/>
+            <ac:picMk id="27" creationId="{E3A7B009-7DEC-4666-82B1-139685699122}"/>
+          </ac:picMkLst>
+        </pc:picChg>
+      </pc:sldChg>
+      <pc:sldChg chg="addSp delSp modSp del ord">
+        <pc:chgData name="Nikhil Jathar" userId="7874bdcc0642262c" providerId="LiveId" clId="{18DAF76C-634E-44A4-AAC6-D5617FEEDEC0}" dt="2020-01-06T18:38:10.634" v="522" actId="2696"/>
+        <pc:sldMkLst>
+          <pc:docMk/>
+          <pc:sldMk cId="3853846536" sldId="258"/>
+        </pc:sldMkLst>
+        <pc:spChg chg="del mod">
+          <ac:chgData name="Nikhil Jathar" userId="7874bdcc0642262c" providerId="LiveId" clId="{18DAF76C-634E-44A4-AAC6-D5617FEEDEC0}" dt="2020-01-06T18:24:00.372" v="455"/>
+          <ac:spMkLst>
+            <pc:docMk/>
+            <pc:sldMk cId="3853846536" sldId="258"/>
+            <ac:spMk id="9" creationId="{00000000-0000-0000-0000-000000000000}"/>
+          </ac:spMkLst>
+        </pc:spChg>
+        <pc:spChg chg="del mod">
+          <ac:chgData name="Nikhil Jathar" userId="7874bdcc0642262c" providerId="LiveId" clId="{18DAF76C-634E-44A4-AAC6-D5617FEEDEC0}" dt="2020-01-06T18:24:00.372" v="455"/>
+          <ac:spMkLst>
+            <pc:docMk/>
+            <pc:sldMk cId="3853846536" sldId="258"/>
+            <ac:spMk id="10" creationId="{00000000-0000-0000-0000-000000000000}"/>
+          </ac:spMkLst>
+        </pc:spChg>
+        <pc:grpChg chg="add mod">
+          <ac:chgData name="Nikhil Jathar" userId="7874bdcc0642262c" providerId="LiveId" clId="{18DAF76C-634E-44A4-AAC6-D5617FEEDEC0}" dt="2020-01-06T18:23:34.350" v="450" actId="164"/>
+          <ac:grpSpMkLst>
+            <pc:docMk/>
+            <pc:sldMk cId="3853846536" sldId="258"/>
+            <ac:grpSpMk id="6" creationId="{2572E0E6-3597-44EE-B336-01157720F939}"/>
+          </ac:grpSpMkLst>
+        </pc:grpChg>
+        <pc:grpChg chg="add del mod">
+          <ac:chgData name="Nikhil Jathar" userId="7874bdcc0642262c" providerId="LiveId" clId="{18DAF76C-634E-44A4-AAC6-D5617FEEDEC0}" dt="2020-01-06T18:23:36.802" v="451"/>
+          <ac:grpSpMkLst>
+            <pc:docMk/>
+            <pc:sldMk cId="3853846536" sldId="258"/>
+            <ac:grpSpMk id="16" creationId="{5E3145CC-EF3A-4DBF-958E-97320467A8D3}"/>
+          </ac:grpSpMkLst>
+        </pc:grpChg>
+        <pc:picChg chg="add mod">
+          <ac:chgData name="Nikhil Jathar" userId="7874bdcc0642262c" providerId="LiveId" clId="{18DAF76C-634E-44A4-AAC6-D5617FEEDEC0}" dt="2020-01-06T18:23:24.871" v="449" actId="164"/>
+          <ac:picMkLst>
+            <pc:docMk/>
+            <pc:sldMk cId="3853846536" sldId="258"/>
+            <ac:picMk id="2" creationId="{27C1B07B-8A86-4287-8240-1B81DBDE240C}"/>
+          </ac:picMkLst>
+        </pc:picChg>
+        <pc:picChg chg="add mod">
+          <ac:chgData name="Nikhil Jathar" userId="7874bdcc0642262c" providerId="LiveId" clId="{18DAF76C-634E-44A4-AAC6-D5617FEEDEC0}" dt="2020-01-06T18:23:24.871" v="449" actId="164"/>
+          <ac:picMkLst>
+            <pc:docMk/>
+            <pc:sldMk cId="3853846536" sldId="258"/>
+            <ac:picMk id="3" creationId="{7CD72C5E-E0C5-49D5-B2E5-A0812BAB400D}"/>
+          </ac:picMkLst>
+        </pc:picChg>
+        <pc:picChg chg="add del mod">
+          <ac:chgData name="Nikhil Jathar" userId="7874bdcc0642262c" providerId="LiveId" clId="{18DAF76C-634E-44A4-AAC6-D5617FEEDEC0}" dt="2020-01-06T18:24:00.372" v="455"/>
+          <ac:picMkLst>
+            <pc:docMk/>
+            <pc:sldMk cId="3853846536" sldId="258"/>
+            <ac:picMk id="4" creationId="{B79986A1-D0EC-4F47-80A6-46AAC381F98C}"/>
+          </ac:picMkLst>
+        </pc:picChg>
+        <pc:picChg chg="mod modCrop">
+          <ac:chgData name="Nikhil Jathar" userId="7874bdcc0642262c" providerId="LiveId" clId="{18DAF76C-634E-44A4-AAC6-D5617FEEDEC0}" dt="2020-01-06T18:23:34.350" v="450" actId="164"/>
+          <ac:picMkLst>
+            <pc:docMk/>
+            <pc:sldMk cId="3853846536" sldId="258"/>
+            <ac:picMk id="5" creationId="{00000000-0000-0000-0000-000000000000}"/>
+          </ac:picMkLst>
+        </pc:picChg>
+        <pc:picChg chg="del mod">
+          <ac:chgData name="Nikhil Jathar" userId="7874bdcc0642262c" providerId="LiveId" clId="{18DAF76C-634E-44A4-AAC6-D5617FEEDEC0}" dt="2020-01-06T18:24:00.372" v="455"/>
+          <ac:picMkLst>
+            <pc:docMk/>
+            <pc:sldMk cId="3853846536" sldId="258"/>
+            <ac:picMk id="7" creationId="{00000000-0000-0000-0000-000000000000}"/>
+          </ac:picMkLst>
+        </pc:picChg>
+        <pc:picChg chg="del mod">
+          <ac:chgData name="Nikhil Jathar" userId="7874bdcc0642262c" providerId="LiveId" clId="{18DAF76C-634E-44A4-AAC6-D5617FEEDEC0}" dt="2020-01-06T16:06:23.586" v="444" actId="478"/>
+          <ac:picMkLst>
+            <pc:docMk/>
+            <pc:sldMk cId="3853846536" sldId="258"/>
+            <ac:picMk id="8" creationId="{00000000-0000-0000-0000-000000000000}"/>
+          </ac:picMkLst>
+        </pc:picChg>
+        <pc:picChg chg="add del">
+          <ac:chgData name="Nikhil Jathar" userId="7874bdcc0642262c" providerId="LiveId" clId="{18DAF76C-634E-44A4-AAC6-D5617FEEDEC0}" dt="2020-01-06T18:26:33.207" v="482"/>
+          <ac:picMkLst>
+            <pc:docMk/>
+            <pc:sldMk cId="3853846536" sldId="258"/>
+            <ac:picMk id="11" creationId="{00000000-0000-0000-0000-000000000000}"/>
+          </ac:picMkLst>
+        </pc:picChg>
+        <pc:picChg chg="add del">
+          <ac:chgData name="Nikhil Jathar" userId="7874bdcc0642262c" providerId="LiveId" clId="{18DAF76C-634E-44A4-AAC6-D5617FEEDEC0}" dt="2020-01-06T18:27:30.724" v="487"/>
+          <ac:picMkLst>
+            <pc:docMk/>
+            <pc:sldMk cId="3853846536" sldId="258"/>
+            <ac:picMk id="12" creationId="{00000000-0000-0000-0000-000000000000}"/>
+          </ac:picMkLst>
+        </pc:picChg>
+        <pc:picChg chg="add del">
+          <ac:chgData name="Nikhil Jathar" userId="7874bdcc0642262c" providerId="LiveId" clId="{18DAF76C-634E-44A4-AAC6-D5617FEEDEC0}" dt="2020-01-06T18:36:55.015" v="515"/>
+          <ac:picMkLst>
+            <pc:docMk/>
+            <pc:sldMk cId="3853846536" sldId="258"/>
+            <ac:picMk id="13" creationId="{00000000-0000-0000-0000-000000000000}"/>
+          </ac:picMkLst>
+        </pc:picChg>
+        <pc:picChg chg="add del mod">
+          <ac:chgData name="Nikhil Jathar" userId="7874bdcc0642262c" providerId="LiveId" clId="{18DAF76C-634E-44A4-AAC6-D5617FEEDEC0}" dt="2020-01-06T16:05:59.910" v="440" actId="478"/>
+          <ac:picMkLst>
+            <pc:docMk/>
+            <pc:sldMk cId="3853846536" sldId="258"/>
+            <ac:picMk id="15" creationId="{638D5B7F-16F9-4275-AD0D-89FB63A5AD8C}"/>
+          </ac:picMkLst>
+        </pc:picChg>
+      </pc:sldChg>
+      <pc:sldChg chg="del ord">
+        <pc:chgData name="Nikhil Jathar" userId="7874bdcc0642262c" providerId="LiveId" clId="{18DAF76C-634E-44A4-AAC6-D5617FEEDEC0}" dt="2020-01-06T21:48:25.509" v="525" actId="2696"/>
+        <pc:sldMkLst>
+          <pc:docMk/>
+          <pc:sldMk cId="4119522830" sldId="259"/>
+        </pc:sldMkLst>
+      </pc:sldChg>
+      <pc:sldChg chg="modSp ord">
+        <pc:chgData name="Nikhil Jathar" userId="7874bdcc0642262c" providerId="LiveId" clId="{18DAF76C-634E-44A4-AAC6-D5617FEEDEC0}" dt="2020-01-06T23:15:41.523" v="1849" actId="1076"/>
+        <pc:sldMkLst>
+          <pc:docMk/>
+          <pc:sldMk cId="777337194" sldId="260"/>
+        </pc:sldMkLst>
+        <pc:spChg chg="mod">
+          <ac:chgData name="Nikhil Jathar" userId="7874bdcc0642262c" providerId="LiveId" clId="{18DAF76C-634E-44A4-AAC6-D5617FEEDEC0}" dt="2020-01-06T23:15:41.523" v="1849" actId="1076"/>
+          <ac:spMkLst>
+            <pc:docMk/>
+            <pc:sldMk cId="777337194" sldId="260"/>
+            <ac:spMk id="11" creationId="{00000000-0000-0000-0000-000000000000}"/>
+          </ac:spMkLst>
+        </pc:spChg>
+        <pc:picChg chg="mod">
+          <ac:chgData name="Nikhil Jathar" userId="7874bdcc0642262c" providerId="LiveId" clId="{18DAF76C-634E-44A4-AAC6-D5617FEEDEC0}" dt="2020-01-06T21:51:51.149" v="534" actId="1076"/>
+          <ac:picMkLst>
+            <pc:docMk/>
+            <pc:sldMk cId="777337194" sldId="260"/>
+            <ac:picMk id="8" creationId="{00000000-0000-0000-0000-000000000000}"/>
+          </ac:picMkLst>
+        </pc:picChg>
+        <pc:picChg chg="mod">
+          <ac:chgData name="Nikhil Jathar" userId="7874bdcc0642262c" providerId="LiveId" clId="{18DAF76C-634E-44A4-AAC6-D5617FEEDEC0}" dt="2020-01-06T21:52:02.724" v="537" actId="1076"/>
+          <ac:picMkLst>
+            <pc:docMk/>
+            <pc:sldMk cId="777337194" sldId="260"/>
+            <ac:picMk id="10" creationId="{00000000-0000-0000-0000-000000000000}"/>
+          </ac:picMkLst>
+        </pc:picChg>
+      </pc:sldChg>
+      <pc:sldChg chg="addSp delSp modSp ord">
+        <pc:chgData name="Nikhil Jathar" userId="7874bdcc0642262c" providerId="LiveId" clId="{18DAF76C-634E-44A4-AAC6-D5617FEEDEC0}" dt="2020-01-06T22:47:48.142" v="1548" actId="1076"/>
+        <pc:sldMkLst>
+          <pc:docMk/>
+          <pc:sldMk cId="476539964" sldId="261"/>
+        </pc:sldMkLst>
+        <pc:spChg chg="mod">
+          <ac:chgData name="Nikhil Jathar" userId="7874bdcc0642262c" providerId="LiveId" clId="{18DAF76C-634E-44A4-AAC6-D5617FEEDEC0}" dt="2020-01-06T22:07:29.016" v="589" actId="1076"/>
+          <ac:spMkLst>
+            <pc:docMk/>
+            <pc:sldMk cId="476539964" sldId="261"/>
+            <ac:spMk id="10" creationId="{00000000-0000-0000-0000-000000000000}"/>
+          </ac:spMkLst>
+        </pc:spChg>
+        <pc:spChg chg="del mod">
+          <ac:chgData name="Nikhil Jathar" userId="7874bdcc0642262c" providerId="LiveId" clId="{18DAF76C-634E-44A4-AAC6-D5617FEEDEC0}" dt="2020-01-06T22:07:10.233" v="585" actId="478"/>
+          <ac:spMkLst>
+            <pc:docMk/>
+            <pc:sldMk cId="476539964" sldId="261"/>
+            <ac:spMk id="11" creationId="{00000000-0000-0000-0000-000000000000}"/>
+          </ac:spMkLst>
+        </pc:spChg>
+        <pc:spChg chg="del">
+          <ac:chgData name="Nikhil Jathar" userId="7874bdcc0642262c" providerId="LiveId" clId="{18DAF76C-634E-44A4-AAC6-D5617FEEDEC0}" dt="2020-01-06T22:12:57.593" v="624" actId="478"/>
+          <ac:spMkLst>
+            <pc:docMk/>
+            <pc:sldMk cId="476539964" sldId="261"/>
+            <ac:spMk id="14" creationId="{00000000-0000-0000-0000-000000000000}"/>
+          </ac:spMkLst>
+        </pc:spChg>
+        <pc:spChg chg="add mod">
+          <ac:chgData name="Nikhil Jathar" userId="7874bdcc0642262c" providerId="LiveId" clId="{18DAF76C-634E-44A4-AAC6-D5617FEEDEC0}" dt="2020-01-06T22:07:23.708" v="588" actId="1076"/>
+          <ac:spMkLst>
+            <pc:docMk/>
+            <pc:sldMk cId="476539964" sldId="261"/>
+            <ac:spMk id="17" creationId="{6C975972-67CD-43DD-8E29-9A92107EB23B}"/>
+          </ac:spMkLst>
+        </pc:spChg>
+        <pc:spChg chg="add del mod">
+          <ac:chgData name="Nikhil Jathar" userId="7874bdcc0642262c" providerId="LiveId" clId="{18DAF76C-634E-44A4-AAC6-D5617FEEDEC0}" dt="2020-01-06T22:47:09.099" v="1538" actId="478"/>
+          <ac:spMkLst>
+            <pc:docMk/>
+            <pc:sldMk cId="476539964" sldId="261"/>
+            <ac:spMk id="21" creationId="{0BE8DDB7-7F67-4557-8CB7-7ADAD5FCB29A}"/>
+          </ac:spMkLst>
+        </pc:spChg>
+        <pc:spChg chg="add mod">
+          <ac:chgData name="Nikhil Jathar" userId="7874bdcc0642262c" providerId="LiveId" clId="{18DAF76C-634E-44A4-AAC6-D5617FEEDEC0}" dt="2020-01-06T22:47:38.333" v="1546" actId="1076"/>
+          <ac:spMkLst>
+            <pc:docMk/>
+            <pc:sldMk cId="476539964" sldId="261"/>
+            <ac:spMk id="22" creationId="{2B17BA47-75E3-4747-B5B0-BE936FAEE3B1}"/>
+          </ac:spMkLst>
+        </pc:spChg>
+        <pc:grpChg chg="add mod">
+          <ac:chgData name="Nikhil Jathar" userId="7874bdcc0642262c" providerId="LiveId" clId="{18DAF76C-634E-44A4-AAC6-D5617FEEDEC0}" dt="2020-01-06T22:05:25.297" v="566" actId="164"/>
+          <ac:grpSpMkLst>
+            <pc:docMk/>
+            <pc:sldMk cId="476539964" sldId="261"/>
+            <ac:grpSpMk id="5" creationId="{61F3620C-F26A-4EE8-89CD-6EB84783E344}"/>
+          </ac:grpSpMkLst>
+        </pc:grpChg>
+        <pc:grpChg chg="add mod">
+          <ac:chgData name="Nikhil Jathar" userId="7874bdcc0642262c" providerId="LiveId" clId="{18DAF76C-634E-44A4-AAC6-D5617FEEDEC0}" dt="2020-01-06T22:05:25.297" v="566" actId="164"/>
+          <ac:grpSpMkLst>
+            <pc:docMk/>
+            <pc:sldMk cId="476539964" sldId="261"/>
+            <ac:grpSpMk id="15" creationId="{BA3BB78C-4111-43D4-851F-1BA4C79DB942}"/>
+          </ac:grpSpMkLst>
+        </pc:grpChg>
+        <pc:grpChg chg="add mod">
+          <ac:chgData name="Nikhil Jathar" userId="7874bdcc0642262c" providerId="LiveId" clId="{18DAF76C-634E-44A4-AAC6-D5617FEEDEC0}" dt="2020-01-06T22:06:56.418" v="581" actId="1076"/>
+          <ac:grpSpMkLst>
+            <pc:docMk/>
+            <pc:sldMk cId="476539964" sldId="261"/>
+            <ac:grpSpMk id="16" creationId="{F25EEF77-3E47-483E-8121-56A9FDACC93D}"/>
+          </ac:grpSpMkLst>
+        </pc:grpChg>
+        <pc:grpChg chg="add mod">
+          <ac:chgData name="Nikhil Jathar" userId="7874bdcc0642262c" providerId="LiveId" clId="{18DAF76C-634E-44A4-AAC6-D5617FEEDEC0}" dt="2020-01-06T22:10:10.633" v="602" actId="1076"/>
+          <ac:grpSpMkLst>
+            <pc:docMk/>
+            <pc:sldMk cId="476539964" sldId="261"/>
+            <ac:grpSpMk id="20" creationId="{49E46F4C-45D4-4AB5-83A4-1046B88E7CB1}"/>
+          </ac:grpSpMkLst>
+        </pc:grpChg>
+        <pc:picChg chg="add mod modCrop">
+          <ac:chgData name="Nikhil Jathar" userId="7874bdcc0642262c" providerId="LiveId" clId="{18DAF76C-634E-44A4-AAC6-D5617FEEDEC0}" dt="2020-01-06T22:06:11.178" v="574" actId="1076"/>
+          <ac:picMkLst>
+            <pc:docMk/>
+            <pc:sldMk cId="476539964" sldId="261"/>
+            <ac:picMk id="2" creationId="{E86AB13A-C67B-4570-AD9A-68ECFA3BD5B4}"/>
+          </ac:picMkLst>
+        </pc:picChg>
+        <pc:picChg chg="add mod">
+          <ac:chgData name="Nikhil Jathar" userId="7874bdcc0642262c" providerId="LiveId" clId="{18DAF76C-634E-44A4-AAC6-D5617FEEDEC0}" dt="2020-01-06T22:05:13.402" v="564" actId="164"/>
+          <ac:picMkLst>
+            <pc:docMk/>
+            <pc:sldMk cId="476539964" sldId="261"/>
+            <ac:picMk id="3" creationId="{B6A47090-8528-4678-AB26-AEBB8DC5CA0A}"/>
+          </ac:picMkLst>
+        </pc:picChg>
+        <pc:picChg chg="add mod">
+          <ac:chgData name="Nikhil Jathar" userId="7874bdcc0642262c" providerId="LiveId" clId="{18DAF76C-634E-44A4-AAC6-D5617FEEDEC0}" dt="2020-01-06T22:05:30.905" v="567" actId="164"/>
+          <ac:picMkLst>
+            <pc:docMk/>
+            <pc:sldMk cId="476539964" sldId="261"/>
+            <ac:picMk id="4" creationId="{10A2BF83-6F04-42E4-83DE-DABEDBC2D3D4}"/>
+          </ac:picMkLst>
+        </pc:picChg>
+        <pc:picChg chg="mod modCrop">
+          <ac:chgData name="Nikhil Jathar" userId="7874bdcc0642262c" providerId="LiveId" clId="{18DAF76C-634E-44A4-AAC6-D5617FEEDEC0}" dt="2020-01-06T22:05:25.297" v="566" actId="164"/>
+          <ac:picMkLst>
+            <pc:docMk/>
+            <pc:sldMk cId="476539964" sldId="261"/>
+            <ac:picMk id="6" creationId="{00000000-0000-0000-0000-000000000000}"/>
+          </ac:picMkLst>
+        </pc:picChg>
+        <pc:picChg chg="mod modCrop">
+          <ac:chgData name="Nikhil Jathar" userId="7874bdcc0642262c" providerId="LiveId" clId="{18DAF76C-634E-44A4-AAC6-D5617FEEDEC0}" dt="2020-01-06T22:05:13.402" v="564" actId="164"/>
+          <ac:picMkLst>
+            <pc:docMk/>
+            <pc:sldMk cId="476539964" sldId="261"/>
+            <ac:picMk id="7" creationId="{00000000-0000-0000-0000-000000000000}"/>
+          </ac:picMkLst>
+        </pc:picChg>
+        <pc:picChg chg="mod modCrop">
+          <ac:chgData name="Nikhil Jathar" userId="7874bdcc0642262c" providerId="LiveId" clId="{18DAF76C-634E-44A4-AAC6-D5617FEEDEC0}" dt="2020-01-06T22:05:30.905" v="567" actId="164"/>
+          <ac:picMkLst>
+            <pc:docMk/>
+            <pc:sldMk cId="476539964" sldId="261"/>
+            <ac:picMk id="8" creationId="{00000000-0000-0000-0000-000000000000}"/>
+          </ac:picMkLst>
+        </pc:picChg>
+        <pc:picChg chg="mod modCrop">
+          <ac:chgData name="Nikhil Jathar" userId="7874bdcc0642262c" providerId="LiveId" clId="{18DAF76C-634E-44A4-AAC6-D5617FEEDEC0}" dt="2020-01-06T22:09:58.864" v="600" actId="164"/>
+          <ac:picMkLst>
+            <pc:docMk/>
+            <pc:sldMk cId="476539964" sldId="261"/>
+            <ac:picMk id="9" creationId="{00000000-0000-0000-0000-000000000000}"/>
+          </ac:picMkLst>
+        </pc:picChg>
+        <pc:picChg chg="del mod">
+          <ac:chgData name="Nikhil Jathar" userId="7874bdcc0642262c" providerId="LiveId" clId="{18DAF76C-634E-44A4-AAC6-D5617FEEDEC0}" dt="2020-01-06T22:46:18.730" v="1532"/>
+          <ac:picMkLst>
+            <pc:docMk/>
+            <pc:sldMk cId="476539964" sldId="261"/>
+            <ac:picMk id="12" creationId="{00000000-0000-0000-0000-000000000000}"/>
+          </ac:picMkLst>
+        </pc:picChg>
+        <pc:picChg chg="mod">
+          <ac:chgData name="Nikhil Jathar" userId="7874bdcc0642262c" providerId="LiveId" clId="{18DAF76C-634E-44A4-AAC6-D5617FEEDEC0}" dt="2020-01-06T22:47:48.142" v="1548" actId="1076"/>
+          <ac:picMkLst>
+            <pc:docMk/>
+            <pc:sldMk cId="476539964" sldId="261"/>
+            <ac:picMk id="13" creationId="{00000000-0000-0000-0000-000000000000}"/>
+          </ac:picMkLst>
+        </pc:picChg>
+        <pc:picChg chg="add mod modCrop">
+          <ac:chgData name="Nikhil Jathar" userId="7874bdcc0642262c" providerId="LiveId" clId="{18DAF76C-634E-44A4-AAC6-D5617FEEDEC0}" dt="2020-01-06T22:09:58.864" v="600" actId="164"/>
+          <ac:picMkLst>
+            <pc:docMk/>
+            <pc:sldMk cId="476539964" sldId="261"/>
+            <ac:picMk id="18" creationId="{D2515374-9D42-4F50-A33E-FAD9935B913A}"/>
+          </ac:picMkLst>
+        </pc:picChg>
+        <pc:picChg chg="add mod">
+          <ac:chgData name="Nikhil Jathar" userId="7874bdcc0642262c" providerId="LiveId" clId="{18DAF76C-634E-44A4-AAC6-D5617FEEDEC0}" dt="2020-01-06T22:09:58.864" v="600" actId="164"/>
+          <ac:picMkLst>
+            <pc:docMk/>
+            <pc:sldMk cId="476539964" sldId="261"/>
+            <ac:picMk id="19" creationId="{F4200C83-D369-4546-9ED0-EBF30C26CD2F}"/>
+          </ac:picMkLst>
+        </pc:picChg>
+      </pc:sldChg>
+      <pc:sldChg chg="addSp delSp modSp ord">
+        <pc:chgData name="Nikhil Jathar" userId="7874bdcc0642262c" providerId="LiveId" clId="{18DAF76C-634E-44A4-AAC6-D5617FEEDEC0}" dt="2020-01-06T23:24:03.201" v="1878" actId="692"/>
+        <pc:sldMkLst>
+          <pc:docMk/>
+          <pc:sldMk cId="3824427701" sldId="262"/>
+        </pc:sldMkLst>
+        <pc:spChg chg="del mod">
+          <ac:chgData name="Nikhil Jathar" userId="7874bdcc0642262c" providerId="LiveId" clId="{18DAF76C-634E-44A4-AAC6-D5617FEEDEC0}" dt="2020-01-06T23:09:12.115" v="1771" actId="478"/>
+          <ac:spMkLst>
+            <pc:docMk/>
+            <pc:sldMk cId="3824427701" sldId="262"/>
+            <ac:spMk id="4" creationId="{00000000-0000-0000-0000-000000000000}"/>
+          </ac:spMkLst>
+        </pc:spChg>
+        <pc:spChg chg="del">
+          <ac:chgData name="Nikhil Jathar" userId="7874bdcc0642262c" providerId="LiveId" clId="{18DAF76C-634E-44A4-AAC6-D5617FEEDEC0}" dt="2020-01-06T23:09:13.261" v="1772" actId="478"/>
+          <ac:spMkLst>
+            <pc:docMk/>
+            <pc:sldMk cId="3824427701" sldId="262"/>
+            <ac:spMk id="8" creationId="{00000000-0000-0000-0000-000000000000}"/>
+          </ac:spMkLst>
+        </pc:spChg>
+        <pc:spChg chg="add mod">
+          <ac:chgData name="Nikhil Jathar" userId="7874bdcc0642262c" providerId="LiveId" clId="{18DAF76C-634E-44A4-AAC6-D5617FEEDEC0}" dt="2020-01-06T23:15:53.561" v="1851" actId="1076"/>
+          <ac:spMkLst>
+            <pc:docMk/>
+            <pc:sldMk cId="3824427701" sldId="262"/>
+            <ac:spMk id="14" creationId="{0393D70A-D275-4054-92E6-3ED1443882EF}"/>
+          </ac:spMkLst>
+        </pc:spChg>
+        <pc:spChg chg="add mod">
+          <ac:chgData name="Nikhil Jathar" userId="7874bdcc0642262c" providerId="LiveId" clId="{18DAF76C-634E-44A4-AAC6-D5617FEEDEC0}" dt="2020-01-06T23:20:07.360" v="1864" actId="571"/>
+          <ac:spMkLst>
+            <pc:docMk/>
+            <pc:sldMk cId="3824427701" sldId="262"/>
+            <ac:spMk id="17" creationId="{DC1AC316-2C31-4423-87EA-454DEAFE518C}"/>
+          </ac:spMkLst>
+        </pc:spChg>
+        <pc:spChg chg="add mod">
+          <ac:chgData name="Nikhil Jathar" userId="7874bdcc0642262c" providerId="LiveId" clId="{18DAF76C-634E-44A4-AAC6-D5617FEEDEC0}" dt="2020-01-06T23:21:33.509" v="1865" actId="11529"/>
+          <ac:spMkLst>
+            <pc:docMk/>
+            <pc:sldMk cId="3824427701" sldId="262"/>
+            <ac:spMk id="18" creationId="{45249D82-280B-44CA-A812-261049C9F13B}"/>
+          </ac:spMkLst>
+        </pc:spChg>
+        <pc:spChg chg="add mod">
+          <ac:chgData name="Nikhil Jathar" userId="7874bdcc0642262c" providerId="LiveId" clId="{18DAF76C-634E-44A4-AAC6-D5617FEEDEC0}" dt="2020-01-06T23:22:29.529" v="1870" actId="14100"/>
+          <ac:spMkLst>
+            <pc:docMk/>
+            <pc:sldMk cId="3824427701" sldId="262"/>
+            <ac:spMk id="19" creationId="{60A4B2BE-25D8-46A7-87CF-9D241D1DA877}"/>
+          </ac:spMkLst>
+        </pc:spChg>
+        <pc:picChg chg="del mod">
+          <ac:chgData name="Nikhil Jathar" userId="7874bdcc0642262c" providerId="LiveId" clId="{18DAF76C-634E-44A4-AAC6-D5617FEEDEC0}" dt="2020-01-06T23:08:59.380" v="1768" actId="478"/>
+          <ac:picMkLst>
+            <pc:docMk/>
+            <pc:sldMk cId="3824427701" sldId="262"/>
+            <ac:picMk id="2" creationId="{00000000-0000-0000-0000-000000000000}"/>
+          </ac:picMkLst>
+        </pc:picChg>
+        <pc:picChg chg="add del mod">
+          <ac:chgData name="Nikhil Jathar" userId="7874bdcc0642262c" providerId="LiveId" clId="{18DAF76C-634E-44A4-AAC6-D5617FEEDEC0}" dt="2020-01-06T23:13:26.447" v="1782" actId="478"/>
+          <ac:picMkLst>
+            <pc:docMk/>
+            <pc:sldMk cId="3824427701" sldId="262"/>
+            <ac:picMk id="3" creationId="{00000000-0000-0000-0000-000000000000}"/>
+          </ac:picMkLst>
+        </pc:picChg>
+        <pc:picChg chg="mod">
+          <ac:chgData name="Nikhil Jathar" userId="7874bdcc0642262c" providerId="LiveId" clId="{18DAF76C-634E-44A4-AAC6-D5617FEEDEC0}" dt="2020-01-06T23:13:26.863" v="1783" actId="1076"/>
+          <ac:picMkLst>
+            <pc:docMk/>
+            <pc:sldMk cId="3824427701" sldId="262"/>
+            <ac:picMk id="5" creationId="{00000000-0000-0000-0000-000000000000}"/>
+          </ac:picMkLst>
+        </pc:picChg>
+        <pc:picChg chg="del mod">
+          <ac:chgData name="Nikhil Jathar" userId="7874bdcc0642262c" providerId="LiveId" clId="{18DAF76C-634E-44A4-AAC6-D5617FEEDEC0}" dt="2020-01-06T23:14:09.961" v="1785" actId="478"/>
+          <ac:picMkLst>
+            <pc:docMk/>
+            <pc:sldMk cId="3824427701" sldId="262"/>
+            <ac:picMk id="6" creationId="{00000000-0000-0000-0000-000000000000}"/>
+          </ac:picMkLst>
+        </pc:picChg>
+        <pc:picChg chg="add del">
+          <ac:chgData name="Nikhil Jathar" userId="7874bdcc0642262c" providerId="LiveId" clId="{18DAF76C-634E-44A4-AAC6-D5617FEEDEC0}" dt="2020-01-06T23:13:26.043" v="1781" actId="478"/>
+          <ac:picMkLst>
+            <pc:docMk/>
+            <pc:sldMk cId="3824427701" sldId="262"/>
+            <ac:picMk id="7" creationId="{00000000-0000-0000-0000-000000000000}"/>
+          </ac:picMkLst>
+        </pc:picChg>
+        <pc:picChg chg="add mod">
+          <ac:chgData name="Nikhil Jathar" userId="7874bdcc0642262c" providerId="LiveId" clId="{18DAF76C-634E-44A4-AAC6-D5617FEEDEC0}" dt="2020-01-06T23:14:33.994" v="1844" actId="1076"/>
+          <ac:picMkLst>
+            <pc:docMk/>
+            <pc:sldMk cId="3824427701" sldId="262"/>
+            <ac:picMk id="9" creationId="{A3C77751-EB15-4535-BEAC-52C7B081BAE7}"/>
+          </ac:picMkLst>
+        </pc:picChg>
+        <pc:picChg chg="del mod">
+          <ac:chgData name="Nikhil Jathar" userId="7874bdcc0642262c" providerId="LiveId" clId="{18DAF76C-634E-44A4-AAC6-D5617FEEDEC0}" dt="2020-01-06T23:18:46.601" v="1858" actId="478"/>
+          <ac:picMkLst>
+            <pc:docMk/>
+            <pc:sldMk cId="3824427701" sldId="262"/>
+            <ac:picMk id="10" creationId="{00000000-0000-0000-0000-000000000000}"/>
+          </ac:picMkLst>
+        </pc:picChg>
+        <pc:picChg chg="del mod">
+          <ac:chgData name="Nikhil Jathar" userId="7874bdcc0642262c" providerId="LiveId" clId="{18DAF76C-634E-44A4-AAC6-D5617FEEDEC0}" dt="2020-01-06T23:18:48.345" v="1859" actId="478"/>
+          <ac:picMkLst>
+            <pc:docMk/>
+            <pc:sldMk cId="3824427701" sldId="262"/>
+            <ac:picMk id="11" creationId="{00000000-0000-0000-0000-000000000000}"/>
+          </ac:picMkLst>
+        </pc:picChg>
+        <pc:picChg chg="add mod">
+          <ac:chgData name="Nikhil Jathar" userId="7874bdcc0642262c" providerId="LiveId" clId="{18DAF76C-634E-44A4-AAC6-D5617FEEDEC0}" dt="2020-01-06T23:05:13.116" v="1764" actId="14100"/>
+          <ac:picMkLst>
+            <pc:docMk/>
+            <pc:sldMk cId="3824427701" sldId="262"/>
+            <ac:picMk id="12" creationId="{CE531BFC-9C1D-4CB9-945E-1C1599F12A76}"/>
+          </ac:picMkLst>
+        </pc:picChg>
+        <pc:picChg chg="add mod">
+          <ac:chgData name="Nikhil Jathar" userId="7874bdcc0642262c" providerId="LiveId" clId="{18DAF76C-634E-44A4-AAC6-D5617FEEDEC0}" dt="2020-01-06T23:15:56.412" v="1852" actId="1076"/>
+          <ac:picMkLst>
+            <pc:docMk/>
+            <pc:sldMk cId="3824427701" sldId="262"/>
+            <ac:picMk id="13" creationId="{40348E1C-6309-49D3-AF64-CF77FAE18798}"/>
+          </ac:picMkLst>
+        </pc:picChg>
+        <pc:picChg chg="add mod">
+          <ac:chgData name="Nikhil Jathar" userId="7874bdcc0642262c" providerId="LiveId" clId="{18DAF76C-634E-44A4-AAC6-D5617FEEDEC0}" dt="2020-01-06T23:19:56.448" v="1862" actId="1076"/>
+          <ac:picMkLst>
+            <pc:docMk/>
+            <pc:sldMk cId="3824427701" sldId="262"/>
+            <ac:picMk id="15" creationId="{EDADF6C1-26C2-449F-937E-F0DC042E52E9}"/>
+          </ac:picMkLst>
+        </pc:picChg>
+        <pc:picChg chg="add mod">
+          <ac:chgData name="Nikhil Jathar" userId="7874bdcc0642262c" providerId="LiveId" clId="{18DAF76C-634E-44A4-AAC6-D5617FEEDEC0}" dt="2020-01-06T23:20:00.032" v="1863" actId="1076"/>
+          <ac:picMkLst>
+            <pc:docMk/>
+            <pc:sldMk cId="3824427701" sldId="262"/>
+            <ac:picMk id="16" creationId="{0782D713-173E-4DA7-90A5-34C25B876358}"/>
+          </ac:picMkLst>
+        </pc:picChg>
+        <pc:cxnChg chg="add mod">
+          <ac:chgData name="Nikhil Jathar" userId="7874bdcc0642262c" providerId="LiveId" clId="{18DAF76C-634E-44A4-AAC6-D5617FEEDEC0}" dt="2020-01-06T23:24:03.201" v="1878" actId="692"/>
+          <ac:cxnSpMkLst>
+            <pc:docMk/>
+            <pc:sldMk cId="3824427701" sldId="262"/>
+            <ac:cxnSpMk id="21" creationId="{F7FB4C02-50CB-478C-ABDA-6CD1D1804B14}"/>
+          </ac:cxnSpMkLst>
+        </pc:cxnChg>
+      </pc:sldChg>
+      <pc:sldChg chg="addSp delSp modSp add ord">
+        <pc:chgData name="Nikhil Jathar" userId="7874bdcc0642262c" providerId="LiveId" clId="{18DAF76C-634E-44A4-AAC6-D5617FEEDEC0}" dt="2020-01-06T22:36:52.042" v="1345" actId="478"/>
+        <pc:sldMkLst>
+          <pc:docMk/>
+          <pc:sldMk cId="2880202069" sldId="263"/>
+        </pc:sldMkLst>
+        <pc:spChg chg="add del">
+          <ac:chgData name="Nikhil Jathar" userId="7874bdcc0642262c" providerId="LiveId" clId="{18DAF76C-634E-44A4-AAC6-D5617FEEDEC0}" dt="2020-01-06T22:36:52.042" v="1345" actId="478"/>
+          <ac:spMkLst>
+            <pc:docMk/>
+            <pc:sldMk cId="2880202069" sldId="263"/>
+            <ac:spMk id="7" creationId="{3A3B3A14-66A1-4A85-8B1D-796A4119BAC0}"/>
+          </ac:spMkLst>
+        </pc:spChg>
+        <pc:grpChg chg="add mod">
+          <ac:chgData name="Nikhil Jathar" userId="7874bdcc0642262c" providerId="LiveId" clId="{18DAF76C-634E-44A4-AAC6-D5617FEEDEC0}" dt="2020-01-04T14:31:49.408" v="99" actId="1076"/>
+          <ac:grpSpMkLst>
+            <pc:docMk/>
+            <pc:sldMk cId="2880202069" sldId="263"/>
+            <ac:grpSpMk id="2" creationId="{F31607D5-88DF-4F9D-8C6B-274CD1649B05}"/>
+          </ac:grpSpMkLst>
+        </pc:grpChg>
+        <pc:picChg chg="add mod">
+          <ac:chgData name="Nikhil Jathar" userId="7874bdcc0642262c" providerId="LiveId" clId="{18DAF76C-634E-44A4-AAC6-D5617FEEDEC0}" dt="2020-01-04T14:31:52.011" v="100" actId="1076"/>
+          <ac:picMkLst>
+            <pc:docMk/>
+            <pc:sldMk cId="2880202069" sldId="263"/>
+            <ac:picMk id="6" creationId="{89B2B560-D032-4515-A5D0-6B7B9B4E0E46}"/>
+          </ac:picMkLst>
+        </pc:picChg>
+      </pc:sldChg>
+      <pc:sldChg chg="modSp add ord">
+        <pc:chgData name="Nikhil Jathar" userId="7874bdcc0642262c" providerId="LiveId" clId="{18DAF76C-634E-44A4-AAC6-D5617FEEDEC0}" dt="2020-01-06T22:53:44" v="1663" actId="5793"/>
+        <pc:sldMkLst>
+          <pc:docMk/>
+          <pc:sldMk cId="1680492806" sldId="264"/>
+        </pc:sldMkLst>
+        <pc:spChg chg="mod">
+          <ac:chgData name="Nikhil Jathar" userId="7874bdcc0642262c" providerId="LiveId" clId="{18DAF76C-634E-44A4-AAC6-D5617FEEDEC0}" dt="2020-01-06T22:18:26.734" v="698" actId="113"/>
+          <ac:spMkLst>
+            <pc:docMk/>
+            <pc:sldMk cId="1680492806" sldId="264"/>
+            <ac:spMk id="2" creationId="{D21888E8-500D-4455-AD35-F4DC714207B6}"/>
+          </ac:spMkLst>
+        </pc:spChg>
+        <pc:spChg chg="mod">
+          <ac:chgData name="Nikhil Jathar" userId="7874bdcc0642262c" providerId="LiveId" clId="{18DAF76C-634E-44A4-AAC6-D5617FEEDEC0}" dt="2020-01-06T22:53:44" v="1663" actId="5793"/>
+          <ac:spMkLst>
+            <pc:docMk/>
+            <pc:sldMk cId="1680492806" sldId="264"/>
+            <ac:spMk id="3" creationId="{CF9F60B2-44C3-45C6-9DDB-1780F73DD7C5}"/>
+          </ac:spMkLst>
+        </pc:spChg>
+      </pc:sldChg>
+      <pc:sldChg chg="add del">
+        <pc:chgData name="Nikhil Jathar" userId="7874bdcc0642262c" providerId="LiveId" clId="{18DAF76C-634E-44A4-AAC6-D5617FEEDEC0}" dt="2020-01-06T18:36:46.862" v="511"/>
+        <pc:sldMkLst>
+          <pc:docMk/>
+          <pc:sldMk cId="1721928755" sldId="264"/>
+        </pc:sldMkLst>
+      </pc:sldChg>
+      <pc:sldChg chg="add del">
+        <pc:chgData name="Nikhil Jathar" userId="7874bdcc0642262c" providerId="LiveId" clId="{18DAF76C-634E-44A4-AAC6-D5617FEEDEC0}" dt="2020-01-06T18:36:46.328" v="510"/>
+        <pc:sldMkLst>
+          <pc:docMk/>
+          <pc:sldMk cId="25999768" sldId="265"/>
+        </pc:sldMkLst>
+      </pc:sldChg>
+      <pc:sldChg chg="modSp add ord">
+        <pc:chgData name="Nikhil Jathar" userId="7874bdcc0642262c" providerId="LiveId" clId="{18DAF76C-634E-44A4-AAC6-D5617FEEDEC0}" dt="2020-01-06T22:59:17.618" v="1719" actId="404"/>
+        <pc:sldMkLst>
+          <pc:docMk/>
+          <pc:sldMk cId="52507820" sldId="265"/>
+        </pc:sldMkLst>
+        <pc:spChg chg="mod">
+          <ac:chgData name="Nikhil Jathar" userId="7874bdcc0642262c" providerId="LiveId" clId="{18DAF76C-634E-44A4-AAC6-D5617FEEDEC0}" dt="2020-01-06T22:59:17.618" v="1719" actId="404"/>
+          <ac:spMkLst>
+            <pc:docMk/>
+            <pc:sldMk cId="52507820" sldId="265"/>
+            <ac:spMk id="2" creationId="{B4A4D2FB-994A-4081-AAB3-1BF22E8841B0}"/>
+          </ac:spMkLst>
+        </pc:spChg>
+        <pc:spChg chg="mod">
+          <ac:chgData name="Nikhil Jathar" userId="7874bdcc0642262c" providerId="LiveId" clId="{18DAF76C-634E-44A4-AAC6-D5617FEEDEC0}" dt="2020-01-06T22:59:08.463" v="1716" actId="20577"/>
+          <ac:spMkLst>
+            <pc:docMk/>
+            <pc:sldMk cId="52507820" sldId="265"/>
+            <ac:spMk id="3" creationId="{C730F032-0C60-43A0-80D0-215C7FF04611}"/>
+          </ac:spMkLst>
+        </pc:spChg>
+      </pc:sldChg>
+      <pc:sldChg chg="modSp add ord">
+        <pc:chgData name="Nikhil Jathar" userId="7874bdcc0642262c" providerId="LiveId" clId="{18DAF76C-634E-44A4-AAC6-D5617FEEDEC0}" dt="2020-01-06T22:59:53.279" v="1739" actId="20577"/>
+        <pc:sldMkLst>
+          <pc:docMk/>
+          <pc:sldMk cId="1961006015" sldId="266"/>
+        </pc:sldMkLst>
+        <pc:spChg chg="mod">
+          <ac:chgData name="Nikhil Jathar" userId="7874bdcc0642262c" providerId="LiveId" clId="{18DAF76C-634E-44A4-AAC6-D5617FEEDEC0}" dt="2020-01-06T22:59:53.279" v="1739" actId="20577"/>
+          <ac:spMkLst>
+            <pc:docMk/>
+            <pc:sldMk cId="1961006015" sldId="266"/>
+            <ac:spMk id="3" creationId="{C730F032-0C60-43A0-80D0-215C7FF04611}"/>
+          </ac:spMkLst>
+        </pc:spChg>
+      </pc:sldChg>
+      <pc:sldChg chg="modSp add ord">
+        <pc:chgData name="Nikhil Jathar" userId="7874bdcc0642262c" providerId="LiveId" clId="{18DAF76C-634E-44A4-AAC6-D5617FEEDEC0}" dt="2020-01-06T23:02:16.911" v="1760" actId="20577"/>
+        <pc:sldMkLst>
+          <pc:docMk/>
+          <pc:sldMk cId="1264629652" sldId="267"/>
+        </pc:sldMkLst>
+        <pc:spChg chg="mod">
+          <ac:chgData name="Nikhil Jathar" userId="7874bdcc0642262c" providerId="LiveId" clId="{18DAF76C-634E-44A4-AAC6-D5617FEEDEC0}" dt="2020-01-06T23:02:16.911" v="1760" actId="20577"/>
+          <ac:spMkLst>
+            <pc:docMk/>
+            <pc:sldMk cId="1264629652" sldId="267"/>
+            <ac:spMk id="3" creationId="{C730F032-0C60-43A0-80D0-215C7FF04611}"/>
+          </ac:spMkLst>
+        </pc:spChg>
+      </pc:sldChg>
+    </pc:docChg>
+  </pc:docChgLst>
+</pc:chgInfo>
+</file>
+
 <file path=ppt/slideLayouts/slideLayout1.xml><?xml version="1.0" encoding="utf-8"?>
 <p:sldLayout xmlns:a="http://schemas.openxmlformats.org/drawingml/2006/main" xmlns:r="http://schemas.openxmlformats.org/officeDocument/2006/relationships" xmlns:p="http://schemas.openxmlformats.org/presentationml/2006/main" type="title" preserve="1">
   <p:cSld name="Title Slide">
@@ -160,10 +1251,9 @@
           </a:lstStyle>
           <a:p>
             <a:r>
-              <a:rPr lang="en-US" smtClean="0"/>
+              <a:rPr lang="en-US"/>
               <a:t>Click to edit Master title style</a:t>
             </a:r>
-            <a:endParaRPr lang="en-US"/>
           </a:p>
         </p:txBody>
       </p:sp>
@@ -225,10 +1315,9 @@
           </a:lstStyle>
           <a:p>
             <a:r>
-              <a:rPr lang="en-US" smtClean="0"/>
+              <a:rPr lang="en-US"/>
               <a:t>Click to edit Master subtitle style</a:t>
             </a:r>
-            <a:endParaRPr lang="en-US"/>
           </a:p>
         </p:txBody>
       </p:sp>
@@ -249,7 +1338,7 @@
           <a:p>
             <a:fld id="{52B7C267-AE6F-400E-833A-3F1AAF069A4D}" type="datetimeFigureOut">
               <a:rPr lang="en-US" smtClean="0"/>
-              <a:t>1/3/2020</a:t>
+              <a:t>1/6/2020</a:t>
             </a:fld>
             <a:endParaRPr lang="en-US"/>
           </a:p>
@@ -343,10 +1432,9 @@
           <a:lstStyle/>
           <a:p>
             <a:r>
-              <a:rPr lang="en-US" smtClean="0"/>
+              <a:rPr lang="en-US"/>
               <a:t>Click to edit Master title style</a:t>
             </a:r>
-            <a:endParaRPr lang="en-US"/>
           </a:p>
         </p:txBody>
       </p:sp>
@@ -367,38 +1455,37 @@
           <a:p>
             <a:pPr lvl="0"/>
             <a:r>
-              <a:rPr lang="en-US" smtClean="0"/>
+              <a:rPr lang="en-US"/>
               <a:t>Edit Master text styles</a:t>
             </a:r>
           </a:p>
           <a:p>
             <a:pPr lvl="1"/>
             <a:r>
-              <a:rPr lang="en-US" smtClean="0"/>
+              <a:rPr lang="en-US"/>
               <a:t>Second level</a:t>
             </a:r>
           </a:p>
           <a:p>
             <a:pPr lvl="2"/>
             <a:r>
-              <a:rPr lang="en-US" smtClean="0"/>
+              <a:rPr lang="en-US"/>
               <a:t>Third level</a:t>
             </a:r>
           </a:p>
           <a:p>
             <a:pPr lvl="3"/>
             <a:r>
-              <a:rPr lang="en-US" smtClean="0"/>
+              <a:rPr lang="en-US"/>
               <a:t>Fourth level</a:t>
             </a:r>
           </a:p>
           <a:p>
             <a:pPr lvl="4"/>
             <a:r>
-              <a:rPr lang="en-US" smtClean="0"/>
+              <a:rPr lang="en-US"/>
               <a:t>Fifth level</a:t>
             </a:r>
-            <a:endParaRPr lang="en-US"/>
           </a:p>
         </p:txBody>
       </p:sp>
@@ -419,7 +1506,7 @@
           <a:p>
             <a:fld id="{52B7C267-AE6F-400E-833A-3F1AAF069A4D}" type="datetimeFigureOut">
               <a:rPr lang="en-US" smtClean="0"/>
-              <a:t>1/3/2020</a:t>
+              <a:t>1/6/2020</a:t>
             </a:fld>
             <a:endParaRPr lang="en-US"/>
           </a:p>
@@ -518,10 +1605,9 @@
           <a:lstStyle/>
           <a:p>
             <a:r>
-              <a:rPr lang="en-US" smtClean="0"/>
+              <a:rPr lang="en-US"/>
               <a:t>Click to edit Master title style</a:t>
             </a:r>
-            <a:endParaRPr lang="en-US"/>
           </a:p>
         </p:txBody>
       </p:sp>
@@ -547,38 +1633,37 @@
           <a:p>
             <a:pPr lvl="0"/>
             <a:r>
-              <a:rPr lang="en-US" smtClean="0"/>
+              <a:rPr lang="en-US"/>
               <a:t>Edit Master text styles</a:t>
             </a:r>
           </a:p>
           <a:p>
             <a:pPr lvl="1"/>
             <a:r>
-              <a:rPr lang="en-US" smtClean="0"/>
+              <a:rPr lang="en-US"/>
               <a:t>Second level</a:t>
             </a:r>
           </a:p>
           <a:p>
             <a:pPr lvl="2"/>
             <a:r>
-              <a:rPr lang="en-US" smtClean="0"/>
+              <a:rPr lang="en-US"/>
               <a:t>Third level</a:t>
             </a:r>
           </a:p>
           <a:p>
             <a:pPr lvl="3"/>
             <a:r>
-              <a:rPr lang="en-US" smtClean="0"/>
+              <a:rPr lang="en-US"/>
               <a:t>Fourth level</a:t>
             </a:r>
           </a:p>
           <a:p>
             <a:pPr lvl="4"/>
             <a:r>
-              <a:rPr lang="en-US" smtClean="0"/>
+              <a:rPr lang="en-US"/>
               <a:t>Fifth level</a:t>
             </a:r>
-            <a:endParaRPr lang="en-US"/>
           </a:p>
         </p:txBody>
       </p:sp>
@@ -599,7 +1684,7 @@
           <a:p>
             <a:fld id="{52B7C267-AE6F-400E-833A-3F1AAF069A4D}" type="datetimeFigureOut">
               <a:rPr lang="en-US" smtClean="0"/>
-              <a:t>1/3/2020</a:t>
+              <a:t>1/6/2020</a:t>
             </a:fld>
             <a:endParaRPr lang="en-US"/>
           </a:p>
@@ -693,10 +1778,9 @@
           <a:lstStyle/>
           <a:p>
             <a:r>
-              <a:rPr lang="en-US" smtClean="0"/>
+              <a:rPr lang="en-US"/>
               <a:t>Click to edit Master title style</a:t>
             </a:r>
-            <a:endParaRPr lang="en-US"/>
           </a:p>
         </p:txBody>
       </p:sp>
@@ -717,38 +1801,37 @@
           <a:p>
             <a:pPr lvl="0"/>
             <a:r>
-              <a:rPr lang="en-US" smtClean="0"/>
+              <a:rPr lang="en-US"/>
               <a:t>Edit Master text styles</a:t>
             </a:r>
           </a:p>
           <a:p>
             <a:pPr lvl="1"/>
             <a:r>
-              <a:rPr lang="en-US" smtClean="0"/>
+              <a:rPr lang="en-US"/>
               <a:t>Second level</a:t>
             </a:r>
           </a:p>
           <a:p>
             <a:pPr lvl="2"/>
             <a:r>
-              <a:rPr lang="en-US" smtClean="0"/>
+              <a:rPr lang="en-US"/>
               <a:t>Third level</a:t>
             </a:r>
           </a:p>
           <a:p>
             <a:pPr lvl="3"/>
             <a:r>
-              <a:rPr lang="en-US" smtClean="0"/>
+              <a:rPr lang="en-US"/>
               <a:t>Fourth level</a:t>
             </a:r>
           </a:p>
           <a:p>
             <a:pPr lvl="4"/>
             <a:r>
-              <a:rPr lang="en-US" smtClean="0"/>
+              <a:rPr lang="en-US"/>
               <a:t>Fifth level</a:t>
             </a:r>
-            <a:endParaRPr lang="en-US"/>
           </a:p>
         </p:txBody>
       </p:sp>
@@ -769,7 +1852,7 @@
           <a:p>
             <a:fld id="{52B7C267-AE6F-400E-833A-3F1AAF069A4D}" type="datetimeFigureOut">
               <a:rPr lang="en-US" smtClean="0"/>
-              <a:t>1/3/2020</a:t>
+              <a:t>1/6/2020</a:t>
             </a:fld>
             <a:endParaRPr lang="en-US"/>
           </a:p>
@@ -872,10 +1955,9 @@
           </a:lstStyle>
           <a:p>
             <a:r>
-              <a:rPr lang="en-US" smtClean="0"/>
+              <a:rPr lang="en-US"/>
               <a:t>Click to edit Master title style</a:t>
             </a:r>
-            <a:endParaRPr lang="en-US"/>
           </a:p>
         </p:txBody>
       </p:sp>
@@ -992,7 +2074,7 @@
           <a:p>
             <a:pPr lvl="0"/>
             <a:r>
-              <a:rPr lang="en-US" smtClean="0"/>
+              <a:rPr lang="en-US"/>
               <a:t>Edit Master text styles</a:t>
             </a:r>
           </a:p>
@@ -1015,7 +2097,7 @@
           <a:p>
             <a:fld id="{52B7C267-AE6F-400E-833A-3F1AAF069A4D}" type="datetimeFigureOut">
               <a:rPr lang="en-US" smtClean="0"/>
-              <a:t>1/3/2020</a:t>
+              <a:t>1/6/2020</a:t>
             </a:fld>
             <a:endParaRPr lang="en-US"/>
           </a:p>
@@ -1109,10 +2191,9 @@
           <a:lstStyle/>
           <a:p>
             <a:r>
-              <a:rPr lang="en-US" smtClean="0"/>
+              <a:rPr lang="en-US"/>
               <a:t>Click to edit Master title style</a:t>
             </a:r>
-            <a:endParaRPr lang="en-US"/>
           </a:p>
         </p:txBody>
       </p:sp>
@@ -1138,38 +2219,37 @@
           <a:p>
             <a:pPr lvl="0"/>
             <a:r>
-              <a:rPr lang="en-US" smtClean="0"/>
+              <a:rPr lang="en-US"/>
               <a:t>Edit Master text styles</a:t>
             </a:r>
           </a:p>
           <a:p>
             <a:pPr lvl="1"/>
             <a:r>
-              <a:rPr lang="en-US" smtClean="0"/>
+              <a:rPr lang="en-US"/>
               <a:t>Second level</a:t>
             </a:r>
           </a:p>
           <a:p>
             <a:pPr lvl="2"/>
             <a:r>
-              <a:rPr lang="en-US" smtClean="0"/>
+              <a:rPr lang="en-US"/>
               <a:t>Third level</a:t>
             </a:r>
           </a:p>
           <a:p>
             <a:pPr lvl="3"/>
             <a:r>
-              <a:rPr lang="en-US" smtClean="0"/>
+              <a:rPr lang="en-US"/>
               <a:t>Fourth level</a:t>
             </a:r>
           </a:p>
           <a:p>
             <a:pPr lvl="4"/>
             <a:r>
-              <a:rPr lang="en-US" smtClean="0"/>
+              <a:rPr lang="en-US"/>
               <a:t>Fifth level</a:t>
             </a:r>
-            <a:endParaRPr lang="en-US"/>
           </a:p>
         </p:txBody>
       </p:sp>
@@ -1195,38 +2275,37 @@
           <a:p>
             <a:pPr lvl="0"/>
             <a:r>
-              <a:rPr lang="en-US" smtClean="0"/>
+              <a:rPr lang="en-US"/>
               <a:t>Edit Master text styles</a:t>
             </a:r>
           </a:p>
           <a:p>
             <a:pPr lvl="1"/>
             <a:r>
-              <a:rPr lang="en-US" smtClean="0"/>
+              <a:rPr lang="en-US"/>
               <a:t>Second level</a:t>
             </a:r>
           </a:p>
           <a:p>
             <a:pPr lvl="2"/>
             <a:r>
-              <a:rPr lang="en-US" smtClean="0"/>
+              <a:rPr lang="en-US"/>
               <a:t>Third level</a:t>
             </a:r>
           </a:p>
           <a:p>
             <a:pPr lvl="3"/>
             <a:r>
-              <a:rPr lang="en-US" smtClean="0"/>
+              <a:rPr lang="en-US"/>
               <a:t>Fourth level</a:t>
             </a:r>
           </a:p>
           <a:p>
             <a:pPr lvl="4"/>
             <a:r>
-              <a:rPr lang="en-US" smtClean="0"/>
+              <a:rPr lang="en-US"/>
               <a:t>Fifth level</a:t>
             </a:r>
-            <a:endParaRPr lang="en-US"/>
           </a:p>
         </p:txBody>
       </p:sp>
@@ -1247,7 +2326,7 @@
           <a:p>
             <a:fld id="{52B7C267-AE6F-400E-833A-3F1AAF069A4D}" type="datetimeFigureOut">
               <a:rPr lang="en-US" smtClean="0"/>
-              <a:t>1/3/2020</a:t>
+              <a:t>1/6/2020</a:t>
             </a:fld>
             <a:endParaRPr lang="en-US"/>
           </a:p>
@@ -1346,10 +2425,9 @@
           <a:lstStyle/>
           <a:p>
             <a:r>
-              <a:rPr lang="en-US" smtClean="0"/>
+              <a:rPr lang="en-US"/>
               <a:t>Click to edit Master title style</a:t>
             </a:r>
-            <a:endParaRPr lang="en-US"/>
           </a:p>
         </p:txBody>
       </p:sp>
@@ -1412,7 +2490,7 @@
           <a:p>
             <a:pPr lvl="0"/>
             <a:r>
-              <a:rPr lang="en-US" smtClean="0"/>
+              <a:rPr lang="en-US"/>
               <a:t>Edit Master text styles</a:t>
             </a:r>
           </a:p>
@@ -1440,38 +2518,37 @@
           <a:p>
             <a:pPr lvl="0"/>
             <a:r>
-              <a:rPr lang="en-US" smtClean="0"/>
+              <a:rPr lang="en-US"/>
               <a:t>Edit Master text styles</a:t>
             </a:r>
           </a:p>
           <a:p>
             <a:pPr lvl="1"/>
             <a:r>
-              <a:rPr lang="en-US" smtClean="0"/>
+              <a:rPr lang="en-US"/>
               <a:t>Second level</a:t>
             </a:r>
           </a:p>
           <a:p>
             <a:pPr lvl="2"/>
             <a:r>
-              <a:rPr lang="en-US" smtClean="0"/>
+              <a:rPr lang="en-US"/>
               <a:t>Third level</a:t>
             </a:r>
           </a:p>
           <a:p>
             <a:pPr lvl="3"/>
             <a:r>
-              <a:rPr lang="en-US" smtClean="0"/>
+              <a:rPr lang="en-US"/>
               <a:t>Fourth level</a:t>
             </a:r>
           </a:p>
           <a:p>
             <a:pPr lvl="4"/>
             <a:r>
-              <a:rPr lang="en-US" smtClean="0"/>
+              <a:rPr lang="en-US"/>
               <a:t>Fifth level</a:t>
             </a:r>
-            <a:endParaRPr lang="en-US"/>
           </a:p>
         </p:txBody>
       </p:sp>
@@ -1534,7 +2611,7 @@
           <a:p>
             <a:pPr lvl="0"/>
             <a:r>
-              <a:rPr lang="en-US" smtClean="0"/>
+              <a:rPr lang="en-US"/>
               <a:t>Edit Master text styles</a:t>
             </a:r>
           </a:p>
@@ -1562,38 +2639,37 @@
           <a:p>
             <a:pPr lvl="0"/>
             <a:r>
-              <a:rPr lang="en-US" smtClean="0"/>
+              <a:rPr lang="en-US"/>
               <a:t>Edit Master text styles</a:t>
             </a:r>
           </a:p>
           <a:p>
             <a:pPr lvl="1"/>
             <a:r>
-              <a:rPr lang="en-US" smtClean="0"/>
+              <a:rPr lang="en-US"/>
               <a:t>Second level</a:t>
             </a:r>
           </a:p>
           <a:p>
             <a:pPr lvl="2"/>
             <a:r>
-              <a:rPr lang="en-US" smtClean="0"/>
+              <a:rPr lang="en-US"/>
               <a:t>Third level</a:t>
             </a:r>
           </a:p>
           <a:p>
             <a:pPr lvl="3"/>
             <a:r>
-              <a:rPr lang="en-US" smtClean="0"/>
+              <a:rPr lang="en-US"/>
               <a:t>Fourth level</a:t>
             </a:r>
           </a:p>
           <a:p>
             <a:pPr lvl="4"/>
             <a:r>
-              <a:rPr lang="en-US" smtClean="0"/>
+              <a:rPr lang="en-US"/>
               <a:t>Fifth level</a:t>
             </a:r>
-            <a:endParaRPr lang="en-US"/>
           </a:p>
         </p:txBody>
       </p:sp>
@@ -1614,7 +2690,7 @@
           <a:p>
             <a:fld id="{52B7C267-AE6F-400E-833A-3F1AAF069A4D}" type="datetimeFigureOut">
               <a:rPr lang="en-US" smtClean="0"/>
-              <a:t>1/3/2020</a:t>
+              <a:t>1/6/2020</a:t>
             </a:fld>
             <a:endParaRPr lang="en-US"/>
           </a:p>
@@ -1708,10 +2784,9 @@
           <a:lstStyle/>
           <a:p>
             <a:r>
-              <a:rPr lang="en-US" smtClean="0"/>
+              <a:rPr lang="en-US"/>
               <a:t>Click to edit Master title style</a:t>
             </a:r>
-            <a:endParaRPr lang="en-US"/>
           </a:p>
         </p:txBody>
       </p:sp>
@@ -1732,7 +2807,7 @@
           <a:p>
             <a:fld id="{52B7C267-AE6F-400E-833A-3F1AAF069A4D}" type="datetimeFigureOut">
               <a:rPr lang="en-US" smtClean="0"/>
-              <a:t>1/3/2020</a:t>
+              <a:t>1/6/2020</a:t>
             </a:fld>
             <a:endParaRPr lang="en-US"/>
           </a:p>
@@ -1827,7 +2902,7 @@
           <a:p>
             <a:fld id="{52B7C267-AE6F-400E-833A-3F1AAF069A4D}" type="datetimeFigureOut">
               <a:rPr lang="en-US" smtClean="0"/>
-              <a:t>1/3/2020</a:t>
+              <a:t>1/6/2020</a:t>
             </a:fld>
             <a:endParaRPr lang="en-US"/>
           </a:p>
@@ -1930,10 +3005,9 @@
           </a:lstStyle>
           <a:p>
             <a:r>
-              <a:rPr lang="en-US" smtClean="0"/>
+              <a:rPr lang="en-US"/>
               <a:t>Click to edit Master title style</a:t>
             </a:r>
-            <a:endParaRPr lang="en-US"/>
           </a:p>
         </p:txBody>
       </p:sp>
@@ -1987,38 +3061,37 @@
           <a:p>
             <a:pPr lvl="0"/>
             <a:r>
-              <a:rPr lang="en-US" smtClean="0"/>
+              <a:rPr lang="en-US"/>
               <a:t>Edit Master text styles</a:t>
             </a:r>
           </a:p>
           <a:p>
             <a:pPr lvl="1"/>
             <a:r>
-              <a:rPr lang="en-US" smtClean="0"/>
+              <a:rPr lang="en-US"/>
               <a:t>Second level</a:t>
             </a:r>
           </a:p>
           <a:p>
             <a:pPr lvl="2"/>
             <a:r>
-              <a:rPr lang="en-US" smtClean="0"/>
+              <a:rPr lang="en-US"/>
               <a:t>Third level</a:t>
             </a:r>
           </a:p>
           <a:p>
             <a:pPr lvl="3"/>
             <a:r>
-              <a:rPr lang="en-US" smtClean="0"/>
+              <a:rPr lang="en-US"/>
               <a:t>Fourth level</a:t>
             </a:r>
           </a:p>
           <a:p>
             <a:pPr lvl="4"/>
             <a:r>
-              <a:rPr lang="en-US" smtClean="0"/>
+              <a:rPr lang="en-US"/>
               <a:t>Fifth level</a:t>
             </a:r>
-            <a:endParaRPr lang="en-US"/>
           </a:p>
         </p:txBody>
       </p:sp>
@@ -2081,7 +3154,7 @@
           <a:p>
             <a:pPr lvl="0"/>
             <a:r>
-              <a:rPr lang="en-US" smtClean="0"/>
+              <a:rPr lang="en-US"/>
               <a:t>Edit Master text styles</a:t>
             </a:r>
           </a:p>
@@ -2104,7 +3177,7 @@
           <a:p>
             <a:fld id="{52B7C267-AE6F-400E-833A-3F1AAF069A4D}" type="datetimeFigureOut">
               <a:rPr lang="en-US" smtClean="0"/>
-              <a:t>1/3/2020</a:t>
+              <a:t>1/6/2020</a:t>
             </a:fld>
             <a:endParaRPr lang="en-US"/>
           </a:p>
@@ -2207,10 +3280,9 @@
           </a:lstStyle>
           <a:p>
             <a:r>
-              <a:rPr lang="en-US" smtClean="0"/>
+              <a:rPr lang="en-US"/>
               <a:t>Click to edit Master title style</a:t>
             </a:r>
-            <a:endParaRPr lang="en-US"/>
           </a:p>
         </p:txBody>
       </p:sp>
@@ -2334,7 +3406,7 @@
           <a:p>
             <a:pPr lvl="0"/>
             <a:r>
-              <a:rPr lang="en-US" smtClean="0"/>
+              <a:rPr lang="en-US"/>
               <a:t>Edit Master text styles</a:t>
             </a:r>
           </a:p>
@@ -2357,7 +3429,7 @@
           <a:p>
             <a:fld id="{52B7C267-AE6F-400E-833A-3F1AAF069A4D}" type="datetimeFigureOut">
               <a:rPr lang="en-US" smtClean="0"/>
-              <a:t>1/3/2020</a:t>
+              <a:t>1/6/2020</a:t>
             </a:fld>
             <a:endParaRPr lang="en-US"/>
           </a:p>
@@ -2466,10 +3538,9 @@
           <a:lstStyle/>
           <a:p>
             <a:r>
-              <a:rPr lang="en-US" smtClean="0"/>
+              <a:rPr lang="en-US"/>
               <a:t>Click to edit Master title style</a:t>
             </a:r>
-            <a:endParaRPr lang="en-US"/>
           </a:p>
         </p:txBody>
       </p:sp>
@@ -2500,38 +3571,37 @@
           <a:p>
             <a:pPr lvl="0"/>
             <a:r>
-              <a:rPr lang="en-US" smtClean="0"/>
+              <a:rPr lang="en-US"/>
               <a:t>Edit Master text styles</a:t>
             </a:r>
           </a:p>
           <a:p>
             <a:pPr lvl="1"/>
             <a:r>
-              <a:rPr lang="en-US" smtClean="0"/>
+              <a:rPr lang="en-US"/>
               <a:t>Second level</a:t>
             </a:r>
           </a:p>
           <a:p>
             <a:pPr lvl="2"/>
             <a:r>
-              <a:rPr lang="en-US" smtClean="0"/>
+              <a:rPr lang="en-US"/>
               <a:t>Third level</a:t>
             </a:r>
           </a:p>
           <a:p>
             <a:pPr lvl="3"/>
             <a:r>
-              <a:rPr lang="en-US" smtClean="0"/>
+              <a:rPr lang="en-US"/>
               <a:t>Fourth level</a:t>
             </a:r>
           </a:p>
           <a:p>
             <a:pPr lvl="4"/>
             <a:r>
-              <a:rPr lang="en-US" smtClean="0"/>
+              <a:rPr lang="en-US"/>
               <a:t>Fifth level</a:t>
             </a:r>
-            <a:endParaRPr lang="en-US"/>
           </a:p>
         </p:txBody>
       </p:sp>
@@ -2570,7 +3640,7 @@
           <a:p>
             <a:fld id="{52B7C267-AE6F-400E-833A-3F1AAF069A4D}" type="datetimeFigureOut">
               <a:rPr lang="en-US" smtClean="0"/>
-              <a:t>1/3/2020</a:t>
+              <a:t>1/6/2020</a:t>
             </a:fld>
             <a:endParaRPr lang="en-US"/>
           </a:p>
@@ -2975,298 +4045,72 @@
           <a:chExt cx="0" cy="0"/>
         </a:xfrm>
       </p:grpSpPr>
-      <p:pic>
-        <p:nvPicPr>
-          <p:cNvPr id="2" name="Picture 1"/>
-          <p:cNvPicPr>
-            <a:picLocks noChangeAspect="1"/>
-          </p:cNvPicPr>
-          <p:nvPr/>
-        </p:nvPicPr>
-        <p:blipFill>
-          <a:blip r:embed="rId2"/>
-          <a:stretch>
-            <a:fillRect/>
-          </a:stretch>
-        </p:blipFill>
-        <p:spPr>
-          <a:xfrm>
-            <a:off x="424328" y="526911"/>
-            <a:ext cx="3606226" cy="1791960"/>
-          </a:xfrm>
-          <a:prstGeom prst="rect">
-            <a:avLst/>
-          </a:prstGeom>
-        </p:spPr>
-      </p:pic>
-      <p:pic>
-        <p:nvPicPr>
-          <p:cNvPr id="3" name="Picture 2"/>
-          <p:cNvPicPr>
-            <a:picLocks noChangeAspect="1"/>
-          </p:cNvPicPr>
-          <p:nvPr/>
-        </p:nvPicPr>
-        <p:blipFill>
-          <a:blip r:embed="rId3"/>
-          <a:stretch>
-            <a:fillRect/>
-          </a:stretch>
-        </p:blipFill>
-        <p:spPr>
-          <a:xfrm>
-            <a:off x="424328" y="2468282"/>
-            <a:ext cx="1027954" cy="1251149"/>
-          </a:xfrm>
-          <a:prstGeom prst="rect">
-            <a:avLst/>
-          </a:prstGeom>
-        </p:spPr>
-      </p:pic>
-      <p:pic>
-        <p:nvPicPr>
-          <p:cNvPr id="12" name="Picture 11"/>
-          <p:cNvPicPr>
-            <a:picLocks noChangeAspect="1"/>
-          </p:cNvPicPr>
-          <p:nvPr/>
-        </p:nvPicPr>
-        <p:blipFill>
-          <a:blip r:embed="rId4"/>
-          <a:stretch>
-            <a:fillRect/>
-          </a:stretch>
-        </p:blipFill>
-        <p:spPr>
-          <a:xfrm>
-            <a:off x="4696670" y="249786"/>
-            <a:ext cx="3898594" cy="1978276"/>
-          </a:xfrm>
-          <a:prstGeom prst="rect">
-            <a:avLst/>
-          </a:prstGeom>
-        </p:spPr>
-      </p:pic>
-      <p:pic>
-        <p:nvPicPr>
-          <p:cNvPr id="13" name="Picture 12"/>
-          <p:cNvPicPr>
-            <a:picLocks noChangeAspect="1"/>
-          </p:cNvPicPr>
-          <p:nvPr/>
-        </p:nvPicPr>
-        <p:blipFill>
-          <a:blip r:embed="rId5"/>
-          <a:stretch>
-            <a:fillRect/>
-          </a:stretch>
-        </p:blipFill>
-        <p:spPr>
-          <a:xfrm>
-            <a:off x="4701308" y="2346743"/>
-            <a:ext cx="3051034" cy="2182119"/>
-          </a:xfrm>
-          <a:prstGeom prst="rect">
-            <a:avLst/>
-          </a:prstGeom>
-        </p:spPr>
-      </p:pic>
-      <p:pic>
-        <p:nvPicPr>
-          <p:cNvPr id="14" name="Picture 13"/>
-          <p:cNvPicPr>
-            <a:picLocks noChangeAspect="1"/>
-          </p:cNvPicPr>
-          <p:nvPr/>
-        </p:nvPicPr>
-        <p:blipFill>
-          <a:blip r:embed="rId6"/>
-          <a:stretch>
-            <a:fillRect/>
-          </a:stretch>
-        </p:blipFill>
-        <p:spPr>
-          <a:xfrm>
-            <a:off x="8836312" y="253753"/>
-            <a:ext cx="2722587" cy="1694260"/>
-          </a:xfrm>
-          <a:prstGeom prst="rect">
-            <a:avLst/>
-          </a:prstGeom>
-        </p:spPr>
-      </p:pic>
-      <p:pic>
-        <p:nvPicPr>
-          <p:cNvPr id="15" name="Picture 14"/>
-          <p:cNvPicPr>
-            <a:picLocks noChangeAspect="1"/>
-          </p:cNvPicPr>
-          <p:nvPr/>
-        </p:nvPicPr>
-        <p:blipFill>
-          <a:blip r:embed="rId7"/>
-          <a:stretch>
-            <a:fillRect/>
-          </a:stretch>
-        </p:blipFill>
-        <p:spPr>
-          <a:xfrm>
-            <a:off x="8836312" y="2228062"/>
-            <a:ext cx="2327828" cy="1438635"/>
-          </a:xfrm>
-          <a:prstGeom prst="rect">
-            <a:avLst/>
-          </a:prstGeom>
-        </p:spPr>
-      </p:pic>
-      <p:pic>
-        <p:nvPicPr>
-          <p:cNvPr id="16" name="Picture 15"/>
-          <p:cNvPicPr>
-            <a:picLocks noChangeAspect="1"/>
-          </p:cNvPicPr>
-          <p:nvPr/>
-        </p:nvPicPr>
-        <p:blipFill>
-          <a:blip r:embed="rId8"/>
-          <a:stretch>
-            <a:fillRect/>
-          </a:stretch>
-        </p:blipFill>
-        <p:spPr>
-          <a:xfrm>
-            <a:off x="8836312" y="3902571"/>
-            <a:ext cx="1746830" cy="744972"/>
-          </a:xfrm>
-          <a:prstGeom prst="rect">
-            <a:avLst/>
-          </a:prstGeom>
-        </p:spPr>
-      </p:pic>
-      <p:pic>
-        <p:nvPicPr>
-          <p:cNvPr id="17" name="Picture 16"/>
-          <p:cNvPicPr>
-            <a:picLocks noChangeAspect="1"/>
-          </p:cNvPicPr>
-          <p:nvPr/>
-        </p:nvPicPr>
-        <p:blipFill>
-          <a:blip r:embed="rId9"/>
-          <a:stretch>
-            <a:fillRect/>
-          </a:stretch>
-        </p:blipFill>
-        <p:spPr>
-          <a:xfrm>
-            <a:off x="424328" y="3911429"/>
-            <a:ext cx="2812901" cy="1234866"/>
-          </a:xfrm>
-          <a:prstGeom prst="rect">
-            <a:avLst/>
-          </a:prstGeom>
-        </p:spPr>
-      </p:pic>
-      <p:pic>
-        <p:nvPicPr>
-          <p:cNvPr id="18" name="Picture 17"/>
-          <p:cNvPicPr>
-            <a:picLocks noChangeAspect="1"/>
-          </p:cNvPicPr>
-          <p:nvPr/>
-        </p:nvPicPr>
-        <p:blipFill>
-          <a:blip r:embed="rId10"/>
-          <a:stretch>
-            <a:fillRect/>
-          </a:stretch>
-        </p:blipFill>
-        <p:spPr>
-          <a:xfrm>
-            <a:off x="424328" y="5308509"/>
-            <a:ext cx="3211733" cy="1361529"/>
-          </a:xfrm>
-          <a:prstGeom prst="rect">
-            <a:avLst/>
-          </a:prstGeom>
-        </p:spPr>
-      </p:pic>
-      <p:pic>
-        <p:nvPicPr>
-          <p:cNvPr id="19" name="Picture 18"/>
-          <p:cNvPicPr>
-            <a:picLocks noChangeAspect="1"/>
-          </p:cNvPicPr>
-          <p:nvPr/>
-        </p:nvPicPr>
-        <p:blipFill>
-          <a:blip r:embed="rId11"/>
-          <a:stretch>
-            <a:fillRect/>
-          </a:stretch>
-        </p:blipFill>
-        <p:spPr>
-          <a:xfrm>
-            <a:off x="4065844" y="4647543"/>
-            <a:ext cx="3310420" cy="1523743"/>
-          </a:xfrm>
-          <a:prstGeom prst="rect">
-            <a:avLst/>
-          </a:prstGeom>
-        </p:spPr>
-      </p:pic>
-      <p:pic>
-        <p:nvPicPr>
-          <p:cNvPr id="11" name="Picture 10"/>
-          <p:cNvPicPr>
-            <a:picLocks noChangeAspect="1"/>
-          </p:cNvPicPr>
-          <p:nvPr/>
-        </p:nvPicPr>
-        <p:blipFill>
-          <a:blip r:embed="rId12"/>
-          <a:stretch>
-            <a:fillRect/>
-          </a:stretch>
-        </p:blipFill>
-        <p:spPr>
-          <a:xfrm>
-            <a:off x="1764373" y="2468282"/>
-            <a:ext cx="1979994" cy="1351858"/>
-          </a:xfrm>
-          <a:prstGeom prst="rect">
-            <a:avLst/>
-          </a:prstGeom>
-        </p:spPr>
-      </p:pic>
-      <p:pic>
-        <p:nvPicPr>
-          <p:cNvPr id="20" name="Picture 19"/>
-          <p:cNvPicPr>
-            <a:picLocks noChangeAspect="1"/>
-          </p:cNvPicPr>
-          <p:nvPr/>
-        </p:nvPicPr>
-        <p:blipFill>
-          <a:blip r:embed="rId13"/>
-          <a:stretch>
-            <a:fillRect/>
-          </a:stretch>
-        </p:blipFill>
-        <p:spPr>
-          <a:xfrm>
-            <a:off x="7905923" y="5005395"/>
-            <a:ext cx="3607607" cy="1599077"/>
-          </a:xfrm>
-          <a:prstGeom prst="rect">
-            <a:avLst/>
-          </a:prstGeom>
-        </p:spPr>
-      </p:pic>
+      <p:sp>
+        <p:nvSpPr>
+          <p:cNvPr id="2" name="Title 1">
+            <a:extLst>
+              <a:ext uri="{FF2B5EF4-FFF2-40B4-BE49-F238E27FC236}">
+                <a16:creationId xmlns:a16="http://schemas.microsoft.com/office/drawing/2014/main" id="{B4A4D2FB-994A-4081-AAB3-1BF22E8841B0}"/>
+              </a:ext>
+            </a:extLst>
+          </p:cNvPr>
+          <p:cNvSpPr>
+            <a:spLocks noGrp="1"/>
+          </p:cNvSpPr>
+          <p:nvPr>
+            <p:ph type="title"/>
+          </p:nvPr>
+        </p:nvSpPr>
+        <p:spPr/>
+        <p:txBody>
+          <a:bodyPr>
+            <a:normAutofit/>
+          </a:bodyPr>
+          <a:lstStyle/>
+          <a:p>
+            <a:r>
+              <a:rPr lang="en-US" sz="4400" dirty="0"/>
+              <a:t>Forecasting Using ARIMA Models in Python</a:t>
+            </a:r>
+          </a:p>
+        </p:txBody>
+      </p:sp>
+      <p:sp>
+        <p:nvSpPr>
+          <p:cNvPr id="3" name="Text Placeholder 2">
+            <a:extLst>
+              <a:ext uri="{FF2B5EF4-FFF2-40B4-BE49-F238E27FC236}">
+                <a16:creationId xmlns:a16="http://schemas.microsoft.com/office/drawing/2014/main" id="{C730F032-0C60-43A0-80D0-215C7FF04611}"/>
+              </a:ext>
+            </a:extLst>
+          </p:cNvPr>
+          <p:cNvSpPr>
+            <a:spLocks noGrp="1"/>
+          </p:cNvSpPr>
+          <p:nvPr>
+            <p:ph type="body" idx="1"/>
+          </p:nvPr>
+        </p:nvSpPr>
+        <p:spPr/>
+        <p:txBody>
+          <a:bodyPr/>
+          <a:lstStyle/>
+          <a:p>
+            <a:r>
+              <a:rPr lang="en-US" dirty="0" err="1"/>
+              <a:t>ARMA</a:t>
+            </a:r>
+            <a:r>
+              <a:rPr lang="en-US" dirty="0"/>
+              <a:t> Models</a:t>
+            </a:r>
+          </a:p>
+        </p:txBody>
+      </p:sp>
     </p:spTree>
     <p:extLst>
       <p:ext uri="{BB962C8B-B14F-4D97-AF65-F5344CB8AC3E}">
-        <p14:creationId xmlns:p14="http://schemas.microsoft.com/office/powerpoint/2010/main" val="374941433"/>
+        <p14:creationId xmlns:p14="http://schemas.microsoft.com/office/powerpoint/2010/main" val="52507820"/>
       </p:ext>
     </p:extLst>
   </p:cSld>
@@ -3276,357 +4120,7 @@
 </p:sld>
 </file>
 
-<file path=ppt/slides/slide2.xml><?xml version="1.0" encoding="utf-8"?>
-<p:sld xmlns:a="http://schemas.openxmlformats.org/drawingml/2006/main" xmlns:r="http://schemas.openxmlformats.org/officeDocument/2006/relationships" xmlns:p="http://schemas.openxmlformats.org/presentationml/2006/main">
-  <p:cSld>
-    <p:spTree>
-      <p:nvGrpSpPr>
-        <p:cNvPr id="1" name=""/>
-        <p:cNvGrpSpPr/>
-        <p:nvPr/>
-      </p:nvGrpSpPr>
-      <p:grpSpPr>
-        <a:xfrm>
-          <a:off x="0" y="0"/>
-          <a:ext cx="0" cy="0"/>
-          <a:chOff x="0" y="0"/>
-          <a:chExt cx="0" cy="0"/>
-        </a:xfrm>
-      </p:grpSpPr>
-      <p:pic>
-        <p:nvPicPr>
-          <p:cNvPr id="9" name="Picture 8"/>
-          <p:cNvPicPr>
-            <a:picLocks noChangeAspect="1"/>
-          </p:cNvPicPr>
-          <p:nvPr/>
-        </p:nvPicPr>
-        <p:blipFill>
-          <a:blip r:embed="rId2"/>
-          <a:stretch>
-            <a:fillRect/>
-          </a:stretch>
-        </p:blipFill>
-        <p:spPr>
-          <a:xfrm>
-            <a:off x="251011" y="316242"/>
-            <a:ext cx="2642515" cy="1733687"/>
-          </a:xfrm>
-          <a:prstGeom prst="rect">
-            <a:avLst/>
-          </a:prstGeom>
-        </p:spPr>
-      </p:pic>
-      <p:pic>
-        <p:nvPicPr>
-          <p:cNvPr id="10" name="Picture 9"/>
-          <p:cNvPicPr>
-            <a:picLocks noChangeAspect="1"/>
-          </p:cNvPicPr>
-          <p:nvPr/>
-        </p:nvPicPr>
-        <p:blipFill>
-          <a:blip r:embed="rId3"/>
-          <a:stretch>
-            <a:fillRect/>
-          </a:stretch>
-        </p:blipFill>
-        <p:spPr>
-          <a:xfrm>
-            <a:off x="3556001" y="179276"/>
-            <a:ext cx="2516974" cy="3044390"/>
-          </a:xfrm>
-          <a:prstGeom prst="rect">
-            <a:avLst/>
-          </a:prstGeom>
-        </p:spPr>
-      </p:pic>
-      <p:sp>
-        <p:nvSpPr>
-          <p:cNvPr id="11" name="Right Arrow 10"/>
-          <p:cNvSpPr/>
-          <p:nvPr/>
-        </p:nvSpPr>
-        <p:spPr>
-          <a:xfrm>
-            <a:off x="1996141" y="1661458"/>
-            <a:ext cx="1476188" cy="388471"/>
-          </a:xfrm>
-          <a:prstGeom prst="rightArrow">
-            <a:avLst/>
-          </a:prstGeom>
-        </p:spPr>
-        <p:style>
-          <a:lnRef idx="2">
-            <a:schemeClr val="accent1">
-              <a:shade val="50000"/>
-            </a:schemeClr>
-          </a:lnRef>
-          <a:fillRef idx="1">
-            <a:schemeClr val="accent1"/>
-          </a:fillRef>
-          <a:effectRef idx="0">
-            <a:schemeClr val="accent1"/>
-          </a:effectRef>
-          <a:fontRef idx="minor">
-            <a:schemeClr val="lt1"/>
-          </a:fontRef>
-        </p:style>
-        <p:txBody>
-          <a:bodyPr rtlCol="0" anchor="ctr"/>
-          <a:lstStyle/>
-          <a:p>
-            <a:pPr algn="ctr"/>
-            <a:endParaRPr lang="en-US"/>
-          </a:p>
-        </p:txBody>
-      </p:sp>
-      <p:pic>
-        <p:nvPicPr>
-          <p:cNvPr id="12" name="Picture 11"/>
-          <p:cNvPicPr>
-            <a:picLocks noChangeAspect="1"/>
-          </p:cNvPicPr>
-          <p:nvPr/>
-        </p:nvPicPr>
-        <p:blipFill>
-          <a:blip r:embed="rId4"/>
-          <a:stretch>
-            <a:fillRect/>
-          </a:stretch>
-        </p:blipFill>
-        <p:spPr>
-          <a:xfrm>
-            <a:off x="251011" y="4210402"/>
-            <a:ext cx="2014028" cy="1700842"/>
-          </a:xfrm>
-          <a:prstGeom prst="rect">
-            <a:avLst/>
-          </a:prstGeom>
-        </p:spPr>
-      </p:pic>
-      <p:pic>
-        <p:nvPicPr>
-          <p:cNvPr id="13" name="Picture 12"/>
-          <p:cNvPicPr>
-            <a:picLocks noChangeAspect="1"/>
-          </p:cNvPicPr>
-          <p:nvPr/>
-        </p:nvPicPr>
-        <p:blipFill>
-          <a:blip r:embed="rId5"/>
-          <a:stretch>
-            <a:fillRect/>
-          </a:stretch>
-        </p:blipFill>
-        <p:spPr>
-          <a:xfrm>
-            <a:off x="3556001" y="3639671"/>
-            <a:ext cx="2535762" cy="3088633"/>
-          </a:xfrm>
-          <a:prstGeom prst="rect">
-            <a:avLst/>
-          </a:prstGeom>
-        </p:spPr>
-      </p:pic>
-      <p:sp>
-        <p:nvSpPr>
-          <p:cNvPr id="14" name="Right Arrow 13"/>
-          <p:cNvSpPr/>
-          <p:nvPr/>
-        </p:nvSpPr>
-        <p:spPr>
-          <a:xfrm>
-            <a:off x="1996141" y="5522773"/>
-            <a:ext cx="1476188" cy="388471"/>
-          </a:xfrm>
-          <a:prstGeom prst="rightArrow">
-            <a:avLst/>
-          </a:prstGeom>
-        </p:spPr>
-        <p:style>
-          <a:lnRef idx="2">
-            <a:schemeClr val="accent1">
-              <a:shade val="50000"/>
-            </a:schemeClr>
-          </a:lnRef>
-          <a:fillRef idx="1">
-            <a:schemeClr val="accent1"/>
-          </a:fillRef>
-          <a:effectRef idx="0">
-            <a:schemeClr val="accent1"/>
-          </a:effectRef>
-          <a:fontRef idx="minor">
-            <a:schemeClr val="lt1"/>
-          </a:fontRef>
-        </p:style>
-        <p:txBody>
-          <a:bodyPr rtlCol="0" anchor="ctr"/>
-          <a:lstStyle/>
-          <a:p>
-            <a:pPr algn="ctr"/>
-            <a:endParaRPr lang="en-US"/>
-          </a:p>
-        </p:txBody>
-      </p:sp>
-      <p:pic>
-        <p:nvPicPr>
-          <p:cNvPr id="15" name="Picture 14"/>
-          <p:cNvPicPr>
-            <a:picLocks noChangeAspect="1"/>
-          </p:cNvPicPr>
-          <p:nvPr/>
-        </p:nvPicPr>
-        <p:blipFill>
-          <a:blip r:embed="rId6"/>
-          <a:stretch>
-            <a:fillRect/>
-          </a:stretch>
-        </p:blipFill>
-        <p:spPr>
-          <a:xfrm>
-            <a:off x="6505625" y="179276"/>
-            <a:ext cx="1791947" cy="748479"/>
-          </a:xfrm>
-          <a:prstGeom prst="rect">
-            <a:avLst/>
-          </a:prstGeom>
-        </p:spPr>
-      </p:pic>
-      <p:pic>
-        <p:nvPicPr>
-          <p:cNvPr id="16" name="Picture 15"/>
-          <p:cNvPicPr>
-            <a:picLocks noChangeAspect="1"/>
-          </p:cNvPicPr>
-          <p:nvPr/>
-        </p:nvPicPr>
-        <p:blipFill>
-          <a:blip r:embed="rId7"/>
-          <a:stretch>
-            <a:fillRect/>
-          </a:stretch>
-        </p:blipFill>
-        <p:spPr>
-          <a:xfrm>
-            <a:off x="8922870" y="289326"/>
-            <a:ext cx="2694415" cy="604869"/>
-          </a:xfrm>
-          <a:prstGeom prst="rect">
-            <a:avLst/>
-          </a:prstGeom>
-        </p:spPr>
-      </p:pic>
-      <p:pic>
-        <p:nvPicPr>
-          <p:cNvPr id="17" name="Picture 16"/>
-          <p:cNvPicPr>
-            <a:picLocks noChangeAspect="1"/>
-          </p:cNvPicPr>
-          <p:nvPr/>
-        </p:nvPicPr>
-        <p:blipFill>
-          <a:blip r:embed="rId8"/>
-          <a:stretch>
-            <a:fillRect/>
-          </a:stretch>
-        </p:blipFill>
-        <p:spPr>
-          <a:xfrm>
-            <a:off x="6505625" y="1264001"/>
-            <a:ext cx="2550320" cy="1814523"/>
-          </a:xfrm>
-          <a:prstGeom prst="rect">
-            <a:avLst/>
-          </a:prstGeom>
-        </p:spPr>
-      </p:pic>
-      <p:pic>
-        <p:nvPicPr>
-          <p:cNvPr id="18" name="Picture 17"/>
-          <p:cNvPicPr>
-            <a:picLocks noChangeAspect="1"/>
-          </p:cNvPicPr>
-          <p:nvPr/>
-        </p:nvPicPr>
-        <p:blipFill>
-          <a:blip r:embed="rId9"/>
-          <a:stretch>
-            <a:fillRect/>
-          </a:stretch>
-        </p:blipFill>
-        <p:spPr>
-          <a:xfrm>
-            <a:off x="6505625" y="3351503"/>
-            <a:ext cx="4370466" cy="1709320"/>
-          </a:xfrm>
-          <a:prstGeom prst="rect">
-            <a:avLst/>
-          </a:prstGeom>
-        </p:spPr>
-      </p:pic>
-      <p:pic>
-        <p:nvPicPr>
-          <p:cNvPr id="19" name="Picture 18"/>
-          <p:cNvPicPr>
-            <a:picLocks noChangeAspect="1"/>
-          </p:cNvPicPr>
-          <p:nvPr/>
-        </p:nvPicPr>
-        <p:blipFill>
-          <a:blip r:embed="rId10"/>
-          <a:stretch>
-            <a:fillRect/>
-          </a:stretch>
-        </p:blipFill>
-        <p:spPr>
-          <a:xfrm>
-            <a:off x="6356213" y="5193466"/>
-            <a:ext cx="3426254" cy="600525"/>
-          </a:xfrm>
-          <a:prstGeom prst="rect">
-            <a:avLst/>
-          </a:prstGeom>
-        </p:spPr>
-      </p:pic>
-      <p:pic>
-        <p:nvPicPr>
-          <p:cNvPr id="20" name="Picture 19"/>
-          <p:cNvPicPr>
-            <a:picLocks noChangeAspect="1"/>
-          </p:cNvPicPr>
-          <p:nvPr/>
-        </p:nvPicPr>
-        <p:blipFill>
-          <a:blip r:embed="rId11"/>
-          <a:stretch>
-            <a:fillRect/>
-          </a:stretch>
-        </p:blipFill>
-        <p:spPr>
-          <a:xfrm>
-            <a:off x="9782467" y="5232268"/>
-            <a:ext cx="2203846" cy="1357951"/>
-          </a:xfrm>
-          <a:prstGeom prst="rect">
-            <a:avLst/>
-          </a:prstGeom>
-        </p:spPr>
-      </p:pic>
-    </p:spTree>
-    <p:extLst>
-      <p:ext uri="{BB962C8B-B14F-4D97-AF65-F5344CB8AC3E}">
-        <p14:creationId xmlns:p14="http://schemas.microsoft.com/office/powerpoint/2010/main" val="679337950"/>
-      </p:ext>
-    </p:extLst>
-  </p:cSld>
-  <p:clrMapOvr>
-    <a:masterClrMapping/>
-  </p:clrMapOvr>
-</p:sld>
-</file>
-
-<file path=ppt/slides/slide3.xml><?xml version="1.0" encoding="utf-8"?>
+<file path=ppt/slides/slide10.xml><?xml version="1.0" encoding="utf-8"?>
 <p:sld xmlns:a="http://schemas.openxmlformats.org/drawingml/2006/main" xmlns:r="http://schemas.openxmlformats.org/officeDocument/2006/relationships" xmlns:p="http://schemas.openxmlformats.org/presentationml/2006/main">
   <p:cSld>
     <p:spTree>
@@ -3659,8 +4153,8 @@
         </p:blipFill>
         <p:spPr>
           <a:xfrm>
-            <a:off x="298824" y="273989"/>
-            <a:ext cx="3057046" cy="2012092"/>
+            <a:off x="205202" y="1758221"/>
+            <a:ext cx="5925620" cy="278489"/>
           </a:xfrm>
           <a:prstGeom prst="rect">
             <a:avLst/>
@@ -3669,7 +4163,13 @@
       </p:pic>
       <p:pic>
         <p:nvPicPr>
-          <p:cNvPr id="7" name="Picture 6"/>
+          <p:cNvPr id="12" name="Picture 11">
+            <a:extLst>
+              <a:ext uri="{FF2B5EF4-FFF2-40B4-BE49-F238E27FC236}">
+                <a16:creationId xmlns:a16="http://schemas.microsoft.com/office/drawing/2014/main" id="{CE531BFC-9C1D-4CB9-945E-1C1599F12A76}"/>
+              </a:ext>
+            </a:extLst>
+          </p:cNvPr>
           <p:cNvPicPr>
             <a:picLocks noChangeAspect="1"/>
           </p:cNvPicPr>
@@ -3683,8 +4183,8 @@
         </p:blipFill>
         <p:spPr>
           <a:xfrm>
-            <a:off x="4607857" y="273989"/>
-            <a:ext cx="2228531" cy="2086755"/>
+            <a:off x="205202" y="208050"/>
+            <a:ext cx="3606184" cy="1318423"/>
           </a:xfrm>
           <a:prstGeom prst="rect">
             <a:avLst/>
@@ -3693,7 +4193,13 @@
       </p:pic>
       <p:pic>
         <p:nvPicPr>
-          <p:cNvPr id="8" name="Picture 7"/>
+          <p:cNvPr id="9" name="Picture 8">
+            <a:extLst>
+              <a:ext uri="{FF2B5EF4-FFF2-40B4-BE49-F238E27FC236}">
+                <a16:creationId xmlns:a16="http://schemas.microsoft.com/office/drawing/2014/main" id="{A3C77751-EB15-4535-BEAC-52C7B081BAE7}"/>
+              </a:ext>
+            </a:extLst>
+          </p:cNvPr>
           <p:cNvPicPr>
             <a:picLocks noChangeAspect="1"/>
           </p:cNvPicPr>
@@ -3707,24 +4213,60 @@
         </p:blipFill>
         <p:spPr>
           <a:xfrm>
-            <a:off x="7996517" y="273989"/>
-            <a:ext cx="3268782" cy="2008707"/>
+            <a:off x="281329" y="2084868"/>
+            <a:ext cx="4653915" cy="2396966"/>
           </a:xfrm>
           <a:prstGeom prst="rect">
             <a:avLst/>
           </a:prstGeom>
         </p:spPr>
       </p:pic>
-      <p:sp>
-        <p:nvSpPr>
-          <p:cNvPr id="9" name="Right Arrow 8"/>
+      <p:pic>
+        <p:nvPicPr>
+          <p:cNvPr id="13" name="Picture 12">
+            <a:extLst>
+              <a:ext uri="{FF2B5EF4-FFF2-40B4-BE49-F238E27FC236}">
+                <a16:creationId xmlns:a16="http://schemas.microsoft.com/office/drawing/2014/main" id="{40348E1C-6309-49D3-AF64-CF77FAE18798}"/>
+              </a:ext>
+            </a:extLst>
+          </p:cNvPr>
+          <p:cNvPicPr>
+            <a:picLocks noChangeAspect="1"/>
+          </p:cNvPicPr>
+          <p:nvPr/>
+        </p:nvPicPr>
+        <p:blipFill>
+          <a:blip r:embed="rId5"/>
+          <a:stretch>
+            <a:fillRect/>
+          </a:stretch>
+        </p:blipFill>
+        <p:spPr>
+          <a:xfrm>
+            <a:off x="892693" y="4877585"/>
+            <a:ext cx="2918693" cy="1925920"/>
+          </a:xfrm>
+          <a:prstGeom prst="rect">
+            <a:avLst/>
+          </a:prstGeom>
+        </p:spPr>
+      </p:pic>
+      <p:sp>
+        <p:nvSpPr>
+          <p:cNvPr id="14" name="Right Arrow 10">
+            <a:extLst>
+              <a:ext uri="{FF2B5EF4-FFF2-40B4-BE49-F238E27FC236}">
+                <a16:creationId xmlns:a16="http://schemas.microsoft.com/office/drawing/2014/main" id="{0393D70A-D275-4054-92E6-3ED1443882EF}"/>
+              </a:ext>
+            </a:extLst>
+          </p:cNvPr>
           <p:cNvSpPr/>
           <p:nvPr/>
         </p:nvSpPr>
         <p:spPr>
-          <a:xfrm>
-            <a:off x="3779769" y="1123130"/>
-            <a:ext cx="496047" cy="388471"/>
+          <a:xfrm rot="5400000">
+            <a:off x="2434489" y="4509553"/>
+            <a:ext cx="347592" cy="388471"/>
           </a:xfrm>
           <a:prstGeom prst="rightArrow">
             <a:avLst/>
@@ -3755,16 +4297,82 @@
           </a:p>
         </p:txBody>
       </p:sp>
-      <p:sp>
-        <p:nvSpPr>
-          <p:cNvPr id="10" name="Right Arrow 9"/>
+      <p:pic>
+        <p:nvPicPr>
+          <p:cNvPr id="15" name="Picture 14">
+            <a:extLst>
+              <a:ext uri="{FF2B5EF4-FFF2-40B4-BE49-F238E27FC236}">
+                <a16:creationId xmlns:a16="http://schemas.microsoft.com/office/drawing/2014/main" id="{EDADF6C1-26C2-449F-937E-F0DC042E52E9}"/>
+              </a:ext>
+            </a:extLst>
+          </p:cNvPr>
+          <p:cNvPicPr>
+            <a:picLocks noChangeAspect="1"/>
+          </p:cNvPicPr>
+          <p:nvPr/>
+        </p:nvPicPr>
+        <p:blipFill>
+          <a:blip r:embed="rId6"/>
+          <a:stretch>
+            <a:fillRect/>
+          </a:stretch>
+        </p:blipFill>
+        <p:spPr>
+          <a:xfrm>
+            <a:off x="7256758" y="1380387"/>
+            <a:ext cx="3286385" cy="704481"/>
+          </a:xfrm>
+          <a:prstGeom prst="rect">
+            <a:avLst/>
+          </a:prstGeom>
+        </p:spPr>
+      </p:pic>
+      <p:pic>
+        <p:nvPicPr>
+          <p:cNvPr id="16" name="Picture 15">
+            <a:extLst>
+              <a:ext uri="{FF2B5EF4-FFF2-40B4-BE49-F238E27FC236}">
+                <a16:creationId xmlns:a16="http://schemas.microsoft.com/office/drawing/2014/main" id="{0782D713-173E-4DA7-90A5-34C25B876358}"/>
+              </a:ext>
+            </a:extLst>
+          </p:cNvPr>
+          <p:cNvPicPr>
+            <a:picLocks noChangeAspect="1"/>
+          </p:cNvPicPr>
+          <p:nvPr/>
+        </p:nvPicPr>
+        <p:blipFill>
+          <a:blip r:embed="rId7"/>
+          <a:stretch>
+            <a:fillRect/>
+          </a:stretch>
+        </p:blipFill>
+        <p:spPr>
+          <a:xfrm>
+            <a:off x="7358676" y="2672541"/>
+            <a:ext cx="3082547" cy="3965171"/>
+          </a:xfrm>
+          <a:prstGeom prst="rect">
+            <a:avLst/>
+          </a:prstGeom>
+        </p:spPr>
+      </p:pic>
+      <p:sp>
+        <p:nvSpPr>
+          <p:cNvPr id="17" name="Right Arrow 10">
+            <a:extLst>
+              <a:ext uri="{FF2B5EF4-FFF2-40B4-BE49-F238E27FC236}">
+                <a16:creationId xmlns:a16="http://schemas.microsoft.com/office/drawing/2014/main" id="{DC1AC316-2C31-4423-87EA-454DEAFE518C}"/>
+              </a:ext>
+            </a:extLst>
+          </p:cNvPr>
           <p:cNvSpPr/>
           <p:nvPr/>
         </p:nvSpPr>
         <p:spPr>
-          <a:xfrm>
-            <a:off x="7500470" y="1123130"/>
-            <a:ext cx="496047" cy="388471"/>
+          <a:xfrm rot="5400000">
+            <a:off x="8726153" y="2184468"/>
+            <a:ext cx="347592" cy="388471"/>
           </a:xfrm>
           <a:prstGeom prst="rightArrow">
             <a:avLst/>
@@ -3795,24 +4403,199 @@
           </a:p>
         </p:txBody>
       </p:sp>
+      <p:sp>
+        <p:nvSpPr>
+          <p:cNvPr id="18" name="Rectangle 17">
+            <a:extLst>
+              <a:ext uri="{FF2B5EF4-FFF2-40B4-BE49-F238E27FC236}">
+                <a16:creationId xmlns:a16="http://schemas.microsoft.com/office/drawing/2014/main" id="{45249D82-280B-44CA-A812-261049C9F13B}"/>
+              </a:ext>
+            </a:extLst>
+          </p:cNvPr>
+          <p:cNvSpPr/>
+          <p:nvPr/>
+        </p:nvSpPr>
+        <p:spPr>
+          <a:xfrm>
+            <a:off x="7843058" y="4800600"/>
+            <a:ext cx="453044" cy="623455"/>
+          </a:xfrm>
+          <a:prstGeom prst="rect">
+            <a:avLst/>
+          </a:prstGeom>
+          <a:solidFill>
+            <a:srgbClr val="5B9BD5">
+              <a:alpha val="20000"/>
+            </a:srgbClr>
+          </a:solidFill>
+        </p:spPr>
+        <p:style>
+          <a:lnRef idx="2">
+            <a:schemeClr val="accent1">
+              <a:shade val="50000"/>
+            </a:schemeClr>
+          </a:lnRef>
+          <a:fillRef idx="1">
+            <a:schemeClr val="accent1"/>
+          </a:fillRef>
+          <a:effectRef idx="0">
+            <a:schemeClr val="accent1"/>
+          </a:effectRef>
+          <a:fontRef idx="minor">
+            <a:schemeClr val="lt1"/>
+          </a:fontRef>
+        </p:style>
+        <p:txBody>
+          <a:bodyPr rtlCol="0" anchor="ctr"/>
+          <a:lstStyle/>
+          <a:p>
+            <a:pPr algn="ctr"/>
+            <a:endParaRPr lang="en-US"/>
+          </a:p>
+        </p:txBody>
+      </p:sp>
+      <p:sp>
+        <p:nvSpPr>
+          <p:cNvPr id="19" name="Rectangle 18">
+            <a:extLst>
+              <a:ext uri="{FF2B5EF4-FFF2-40B4-BE49-F238E27FC236}">
+                <a16:creationId xmlns:a16="http://schemas.microsoft.com/office/drawing/2014/main" id="{60A4B2BE-25D8-46A7-87CF-9D241D1DA877}"/>
+              </a:ext>
+            </a:extLst>
+          </p:cNvPr>
+          <p:cNvSpPr/>
+          <p:nvPr/>
+        </p:nvSpPr>
+        <p:spPr>
+          <a:xfrm>
+            <a:off x="3456709" y="1758221"/>
+            <a:ext cx="2229196" cy="278489"/>
+          </a:xfrm>
+          <a:prstGeom prst="rect">
+            <a:avLst/>
+          </a:prstGeom>
+          <a:solidFill>
+            <a:srgbClr val="5B9BD5">
+              <a:alpha val="20000"/>
+            </a:srgbClr>
+          </a:solidFill>
+        </p:spPr>
+        <p:style>
+          <a:lnRef idx="2">
+            <a:schemeClr val="accent1">
+              <a:shade val="50000"/>
+            </a:schemeClr>
+          </a:lnRef>
+          <a:fillRef idx="1">
+            <a:schemeClr val="accent1"/>
+          </a:fillRef>
+          <a:effectRef idx="0">
+            <a:schemeClr val="accent1"/>
+          </a:effectRef>
+          <a:fontRef idx="minor">
+            <a:schemeClr val="lt1"/>
+          </a:fontRef>
+        </p:style>
+        <p:txBody>
+          <a:bodyPr rtlCol="0" anchor="ctr"/>
+          <a:lstStyle/>
+          <a:p>
+            <a:pPr algn="ctr"/>
+            <a:endParaRPr lang="en-US"/>
+          </a:p>
+        </p:txBody>
+      </p:sp>
+      <p:cxnSp>
+        <p:nvCxnSpPr>
+          <p:cNvPr id="21" name="Straight Arrow Connector 20">
+            <a:extLst>
+              <a:ext uri="{FF2B5EF4-FFF2-40B4-BE49-F238E27FC236}">
+                <a16:creationId xmlns:a16="http://schemas.microsoft.com/office/drawing/2014/main" id="{F7FB4C02-50CB-478C-ABDA-6CD1D1804B14}"/>
+              </a:ext>
+            </a:extLst>
+          </p:cNvPr>
+          <p:cNvCxnSpPr>
+            <a:cxnSpLocks/>
+          </p:cNvCxnSpPr>
+          <p:nvPr/>
+        </p:nvCxnSpPr>
+        <p:spPr>
+          <a:xfrm>
+            <a:off x="5137265" y="2084868"/>
+            <a:ext cx="2743200" cy="2688265"/>
+          </a:xfrm>
+          <a:prstGeom prst="straightConnector1">
+            <a:avLst/>
+          </a:prstGeom>
+          <a:ln>
+            <a:prstDash val="sysDash"/>
+            <a:headEnd type="arrow" w="med" len="med"/>
+            <a:tailEnd type="arrow" w="med" len="med"/>
+          </a:ln>
+        </p:spPr>
+        <p:style>
+          <a:lnRef idx="3">
+            <a:schemeClr val="accent2"/>
+          </a:lnRef>
+          <a:fillRef idx="0">
+            <a:schemeClr val="accent2"/>
+          </a:fillRef>
+          <a:effectRef idx="2">
+            <a:schemeClr val="accent2"/>
+          </a:effectRef>
+          <a:fontRef idx="minor">
+            <a:schemeClr val="tx1"/>
+          </a:fontRef>
+        </p:style>
+      </p:cxnSp>
+    </p:spTree>
+    <p:extLst>
+      <p:ext uri="{BB962C8B-B14F-4D97-AF65-F5344CB8AC3E}">
+        <p14:creationId xmlns:p14="http://schemas.microsoft.com/office/powerpoint/2010/main" val="3824427701"/>
+      </p:ext>
+    </p:extLst>
+  </p:cSld>
+  <p:clrMapOvr>
+    <a:masterClrMapping/>
+  </p:clrMapOvr>
+</p:sld>
+</file>
+
+<file path=ppt/slides/slide2.xml><?xml version="1.0" encoding="utf-8"?>
+<p:sld xmlns:a="http://schemas.openxmlformats.org/drawingml/2006/main" xmlns:r="http://schemas.openxmlformats.org/officeDocument/2006/relationships" xmlns:p="http://schemas.openxmlformats.org/presentationml/2006/main">
+  <p:cSld>
+    <p:spTree>
+      <p:nvGrpSpPr>
+        <p:cNvPr id="1" name=""/>
+        <p:cNvGrpSpPr/>
+        <p:nvPr/>
+      </p:nvGrpSpPr>
+      <p:grpSpPr>
+        <a:xfrm>
+          <a:off x="0" y="0"/>
+          <a:ext cx="0" cy="0"/>
+          <a:chOff x="0" y="0"/>
+          <a:chExt cx="0" cy="0"/>
+        </a:xfrm>
+      </p:grpSpPr>
       <p:pic>
         <p:nvPicPr>
-          <p:cNvPr id="11" name="Picture 10"/>
+          <p:cNvPr id="3" name="Picture 2"/>
           <p:cNvPicPr>
             <a:picLocks noChangeAspect="1"/>
           </p:cNvPicPr>
           <p:nvPr/>
         </p:nvPicPr>
         <p:blipFill>
-          <a:blip r:embed="rId5"/>
+          <a:blip r:embed="rId2"/>
           <a:stretch>
             <a:fillRect/>
           </a:stretch>
         </p:blipFill>
         <p:spPr>
           <a:xfrm>
-            <a:off x="687296" y="2485941"/>
-            <a:ext cx="1896204" cy="1799189"/>
+            <a:off x="218697" y="199636"/>
+            <a:ext cx="1146340" cy="1395240"/>
           </a:xfrm>
           <a:prstGeom prst="rect">
             <a:avLst/>
@@ -3828,15 +4611,15 @@
           <p:nvPr/>
         </p:nvPicPr>
         <p:blipFill>
-          <a:blip r:embed="rId6"/>
+          <a:blip r:embed="rId3"/>
           <a:stretch>
             <a:fillRect/>
           </a:stretch>
         </p:blipFill>
         <p:spPr>
           <a:xfrm>
-            <a:off x="3265837" y="2624552"/>
-            <a:ext cx="3419819" cy="1982353"/>
+            <a:off x="2592238" y="187962"/>
+            <a:ext cx="3898594" cy="1978276"/>
           </a:xfrm>
           <a:prstGeom prst="rect">
             <a:avLst/>
@@ -3845,7 +4628,77 @@
       </p:pic>
       <p:pic>
         <p:nvPicPr>
-          <p:cNvPr id="13" name="Picture 12"/>
+          <p:cNvPr id="14" name="Picture 13"/>
+          <p:cNvPicPr>
+            <a:picLocks noChangeAspect="1"/>
+          </p:cNvPicPr>
+          <p:nvPr/>
+        </p:nvPicPr>
+        <p:blipFill rotWithShape="1">
+          <a:blip r:embed="rId4"/>
+          <a:srcRect r="68129" b="87621"/>
+          <a:stretch/>
+        </p:blipFill>
+        <p:spPr>
+          <a:xfrm>
+            <a:off x="1104664" y="3769549"/>
+            <a:ext cx="867704" cy="209730"/>
+          </a:xfrm>
+          <a:prstGeom prst="rect">
+            <a:avLst/>
+          </a:prstGeom>
+        </p:spPr>
+      </p:pic>
+      <p:pic>
+        <p:nvPicPr>
+          <p:cNvPr id="15" name="Picture 14"/>
+          <p:cNvPicPr>
+            <a:picLocks noChangeAspect="1"/>
+          </p:cNvPicPr>
+          <p:nvPr/>
+        </p:nvPicPr>
+        <p:blipFill rotWithShape="1">
+          <a:blip r:embed="rId5"/>
+          <a:srcRect r="69466" b="88187"/>
+          <a:stretch/>
+        </p:blipFill>
+        <p:spPr>
+          <a:xfrm>
+            <a:off x="3161644" y="3771877"/>
+            <a:ext cx="837077" cy="200129"/>
+          </a:xfrm>
+          <a:prstGeom prst="rect">
+            <a:avLst/>
+          </a:prstGeom>
+        </p:spPr>
+      </p:pic>
+      <p:pic>
+        <p:nvPicPr>
+          <p:cNvPr id="16" name="Picture 15"/>
+          <p:cNvPicPr>
+            <a:picLocks noChangeAspect="1"/>
+          </p:cNvPicPr>
+          <p:nvPr/>
+        </p:nvPicPr>
+        <p:blipFill>
+          <a:blip r:embed="rId6"/>
+          <a:stretch>
+            <a:fillRect/>
+          </a:stretch>
+        </p:blipFill>
+        <p:spPr>
+          <a:xfrm>
+            <a:off x="1964671" y="5401819"/>
+            <a:ext cx="1746830" cy="744972"/>
+          </a:xfrm>
+          <a:prstGeom prst="rect">
+            <a:avLst/>
+          </a:prstGeom>
+        </p:spPr>
+      </p:pic>
+      <p:pic>
+        <p:nvPicPr>
+          <p:cNvPr id="11" name="Picture 10"/>
           <p:cNvPicPr>
             <a:picLocks noChangeAspect="1"/>
           </p:cNvPicPr>
@@ -3859,7 +4712,983 @@
         </p:blipFill>
         <p:spPr>
           <a:xfrm>
-            <a:off x="6514352" y="3747436"/>
+            <a:off x="218697" y="1714196"/>
+            <a:ext cx="1979994" cy="1351858"/>
+          </a:xfrm>
+          <a:prstGeom prst="rect">
+            <a:avLst/>
+          </a:prstGeom>
+        </p:spPr>
+      </p:pic>
+      <p:grpSp>
+        <p:nvGrpSpPr>
+          <p:cNvPr id="7" name="Group 6">
+            <a:extLst>
+              <a:ext uri="{FF2B5EF4-FFF2-40B4-BE49-F238E27FC236}">
+                <a16:creationId xmlns:a16="http://schemas.microsoft.com/office/drawing/2014/main" id="{30CE7A2D-3417-4A18-9396-915F3EDEE80F}"/>
+              </a:ext>
+            </a:extLst>
+          </p:cNvPr>
+          <p:cNvGrpSpPr/>
+          <p:nvPr/>
+        </p:nvGrpSpPr>
+        <p:grpSpPr>
+          <a:xfrm>
+            <a:off x="2592238" y="2357222"/>
+            <a:ext cx="3999813" cy="1367521"/>
+            <a:chOff x="2592238" y="2210457"/>
+            <a:chExt cx="3999813" cy="1367521"/>
+          </a:xfrm>
+        </p:grpSpPr>
+        <p:pic>
+          <p:nvPicPr>
+            <p:cNvPr id="13" name="Picture 12"/>
+            <p:cNvPicPr>
+              <a:picLocks noChangeAspect="1"/>
+            </p:cNvPicPr>
+            <p:nvPr/>
+          </p:nvPicPr>
+          <p:blipFill rotWithShape="1">
+            <a:blip r:embed="rId8"/>
+            <a:srcRect r="50455" b="54965"/>
+            <a:stretch/>
+          </p:blipFill>
+          <p:spPr>
+            <a:xfrm>
+              <a:off x="2592238" y="2346743"/>
+              <a:ext cx="1511624" cy="982723"/>
+            </a:xfrm>
+            <a:prstGeom prst="rect">
+              <a:avLst/>
+            </a:prstGeom>
+          </p:spPr>
+        </p:pic>
+        <p:pic>
+          <p:nvPicPr>
+            <p:cNvPr id="4" name="Picture 3">
+              <a:extLst>
+                <a:ext uri="{FF2B5EF4-FFF2-40B4-BE49-F238E27FC236}">
+                  <a16:creationId xmlns:a16="http://schemas.microsoft.com/office/drawing/2014/main" id="{3FDA25F8-6A78-4084-A6FC-B31802B0C27A}"/>
+                </a:ext>
+              </a:extLst>
+            </p:cNvPr>
+            <p:cNvPicPr>
+              <a:picLocks noChangeAspect="1"/>
+            </p:cNvPicPr>
+            <p:nvPr/>
+          </p:nvPicPr>
+          <p:blipFill>
+            <a:blip r:embed="rId9"/>
+            <a:stretch>
+              <a:fillRect/>
+            </a:stretch>
+          </p:blipFill>
+          <p:spPr>
+            <a:xfrm>
+              <a:off x="4675488" y="2210457"/>
+              <a:ext cx="1916563" cy="1367521"/>
+            </a:xfrm>
+            <a:prstGeom prst="rect">
+              <a:avLst/>
+            </a:prstGeom>
+          </p:spPr>
+        </p:pic>
+        <p:sp>
+          <p:nvSpPr>
+            <p:cNvPr id="21" name="Right Arrow 10">
+              <a:extLst>
+                <a:ext uri="{FF2B5EF4-FFF2-40B4-BE49-F238E27FC236}">
+                  <a16:creationId xmlns:a16="http://schemas.microsoft.com/office/drawing/2014/main" id="{CBE02CD0-42BE-45AB-8D50-9D36BF1541B7}"/>
+                </a:ext>
+              </a:extLst>
+            </p:cNvPr>
+            <p:cNvSpPr/>
+            <p:nvPr/>
+          </p:nvSpPr>
+          <p:spPr>
+            <a:xfrm>
+              <a:off x="4157581" y="2699981"/>
+              <a:ext cx="571923" cy="388471"/>
+            </a:xfrm>
+            <a:prstGeom prst="rightArrow">
+              <a:avLst/>
+            </a:prstGeom>
+          </p:spPr>
+          <p:style>
+            <a:lnRef idx="2">
+              <a:schemeClr val="accent1">
+                <a:shade val="50000"/>
+              </a:schemeClr>
+            </a:lnRef>
+            <a:fillRef idx="1">
+              <a:schemeClr val="accent1"/>
+            </a:fillRef>
+            <a:effectRef idx="0">
+              <a:schemeClr val="accent1"/>
+            </a:effectRef>
+            <a:fontRef idx="minor">
+              <a:schemeClr val="lt1"/>
+            </a:fontRef>
+          </p:style>
+          <p:txBody>
+            <a:bodyPr rtlCol="0" anchor="ctr"/>
+            <a:lstStyle/>
+            <a:p>
+              <a:pPr algn="ctr"/>
+              <a:endParaRPr lang="en-US"/>
+            </a:p>
+          </p:txBody>
+        </p:sp>
+      </p:grpSp>
+      <p:pic>
+        <p:nvPicPr>
+          <p:cNvPr id="5" name="Picture 4">
+            <a:extLst>
+              <a:ext uri="{FF2B5EF4-FFF2-40B4-BE49-F238E27FC236}">
+                <a16:creationId xmlns:a16="http://schemas.microsoft.com/office/drawing/2014/main" id="{F40EA3FC-F839-4684-B8EF-A96FB6011950}"/>
+              </a:ext>
+            </a:extLst>
+          </p:cNvPr>
+          <p:cNvPicPr>
+            <a:picLocks noChangeAspect="1"/>
+          </p:cNvPicPr>
+          <p:nvPr/>
+        </p:nvPicPr>
+        <p:blipFill>
+          <a:blip r:embed="rId10"/>
+          <a:stretch>
+            <a:fillRect/>
+          </a:stretch>
+        </p:blipFill>
+        <p:spPr>
+          <a:xfrm>
+            <a:off x="597962" y="4003404"/>
+            <a:ext cx="1881108" cy="1272750"/>
+          </a:xfrm>
+          <a:prstGeom prst="rect">
+            <a:avLst/>
+          </a:prstGeom>
+        </p:spPr>
+      </p:pic>
+      <p:pic>
+        <p:nvPicPr>
+          <p:cNvPr id="6" name="Picture 5">
+            <a:extLst>
+              <a:ext uri="{FF2B5EF4-FFF2-40B4-BE49-F238E27FC236}">
+                <a16:creationId xmlns:a16="http://schemas.microsoft.com/office/drawing/2014/main" id="{DA60892B-A6BD-4796-9F19-A9CB7355A353}"/>
+              </a:ext>
+            </a:extLst>
+          </p:cNvPr>
+          <p:cNvPicPr>
+            <a:picLocks noChangeAspect="1"/>
+          </p:cNvPicPr>
+          <p:nvPr/>
+        </p:nvPicPr>
+        <p:blipFill>
+          <a:blip r:embed="rId11"/>
+          <a:stretch>
+            <a:fillRect/>
+          </a:stretch>
+        </p:blipFill>
+        <p:spPr>
+          <a:xfrm>
+            <a:off x="2604691" y="3972006"/>
+            <a:ext cx="1950984" cy="1335545"/>
+          </a:xfrm>
+          <a:prstGeom prst="rect">
+            <a:avLst/>
+          </a:prstGeom>
+        </p:spPr>
+      </p:pic>
+      <p:grpSp>
+        <p:nvGrpSpPr>
+          <p:cNvPr id="2" name="Group 1">
+            <a:extLst>
+              <a:ext uri="{FF2B5EF4-FFF2-40B4-BE49-F238E27FC236}">
+                <a16:creationId xmlns:a16="http://schemas.microsoft.com/office/drawing/2014/main" id="{7029A39D-E6A5-4484-8E01-57C70CE16330}"/>
+              </a:ext>
+            </a:extLst>
+          </p:cNvPr>
+          <p:cNvGrpSpPr/>
+          <p:nvPr/>
+        </p:nvGrpSpPr>
+        <p:grpSpPr>
+          <a:xfrm>
+            <a:off x="7062458" y="187962"/>
+            <a:ext cx="3025037" cy="2085569"/>
+            <a:chOff x="7062458" y="187962"/>
+            <a:chExt cx="3426254" cy="2313376"/>
+          </a:xfrm>
+        </p:grpSpPr>
+        <p:pic>
+          <p:nvPicPr>
+            <p:cNvPr id="22" name="Picture 21">
+              <a:extLst>
+                <a:ext uri="{FF2B5EF4-FFF2-40B4-BE49-F238E27FC236}">
+                  <a16:creationId xmlns:a16="http://schemas.microsoft.com/office/drawing/2014/main" id="{BC3078BA-909B-45B5-86D4-880C9988CAFD}"/>
+                </a:ext>
+              </a:extLst>
+            </p:cNvPr>
+            <p:cNvPicPr>
+              <a:picLocks noChangeAspect="1"/>
+            </p:cNvPicPr>
+            <p:nvPr/>
+          </p:nvPicPr>
+          <p:blipFill>
+            <a:blip r:embed="rId12"/>
+            <a:stretch>
+              <a:fillRect/>
+            </a:stretch>
+          </p:blipFill>
+          <p:spPr>
+            <a:xfrm>
+              <a:off x="7062458" y="187962"/>
+              <a:ext cx="3426254" cy="600525"/>
+            </a:xfrm>
+            <a:prstGeom prst="rect">
+              <a:avLst/>
+            </a:prstGeom>
+          </p:spPr>
+        </p:pic>
+        <p:pic>
+          <p:nvPicPr>
+            <p:cNvPr id="23" name="Picture 22">
+              <a:extLst>
+                <a:ext uri="{FF2B5EF4-FFF2-40B4-BE49-F238E27FC236}">
+                  <a16:creationId xmlns:a16="http://schemas.microsoft.com/office/drawing/2014/main" id="{FDD2F061-9AF2-4290-83FF-FA884DDFFADF}"/>
+                </a:ext>
+              </a:extLst>
+            </p:cNvPr>
+            <p:cNvPicPr>
+              <a:picLocks noChangeAspect="1"/>
+            </p:cNvPicPr>
+            <p:nvPr/>
+          </p:nvPicPr>
+          <p:blipFill rotWithShape="1">
+            <a:blip r:embed="rId13"/>
+            <a:srcRect b="87085"/>
+            <a:stretch/>
+          </p:blipFill>
+          <p:spPr>
+            <a:xfrm>
+              <a:off x="7062458" y="953402"/>
+              <a:ext cx="2203846" cy="175380"/>
+            </a:xfrm>
+            <a:prstGeom prst="rect">
+              <a:avLst/>
+            </a:prstGeom>
+          </p:spPr>
+        </p:pic>
+        <p:pic>
+          <p:nvPicPr>
+            <p:cNvPr id="8" name="Picture 7">
+              <a:extLst>
+                <a:ext uri="{FF2B5EF4-FFF2-40B4-BE49-F238E27FC236}">
+                  <a16:creationId xmlns:a16="http://schemas.microsoft.com/office/drawing/2014/main" id="{8BF257F8-26C0-4867-B5C6-4836D7D9ACE8}"/>
+                </a:ext>
+              </a:extLst>
+            </p:cNvPr>
+            <p:cNvPicPr>
+              <a:picLocks noChangeAspect="1"/>
+            </p:cNvPicPr>
+            <p:nvPr/>
+          </p:nvPicPr>
+          <p:blipFill>
+            <a:blip r:embed="rId14"/>
+            <a:stretch>
+              <a:fillRect/>
+            </a:stretch>
+          </p:blipFill>
+          <p:spPr>
+            <a:xfrm>
+              <a:off x="7062458" y="1095042"/>
+              <a:ext cx="1815219" cy="1406296"/>
+            </a:xfrm>
+            <a:prstGeom prst="rect">
+              <a:avLst/>
+            </a:prstGeom>
+          </p:spPr>
+        </p:pic>
+      </p:grpSp>
+      <p:grpSp>
+        <p:nvGrpSpPr>
+          <p:cNvPr id="17" name="Group 16">
+            <a:extLst>
+              <a:ext uri="{FF2B5EF4-FFF2-40B4-BE49-F238E27FC236}">
+                <a16:creationId xmlns:a16="http://schemas.microsoft.com/office/drawing/2014/main" id="{5BFC80A5-8D25-49B8-8AA3-35D0905505CA}"/>
+              </a:ext>
+            </a:extLst>
+          </p:cNvPr>
+          <p:cNvGrpSpPr/>
+          <p:nvPr/>
+        </p:nvGrpSpPr>
+        <p:grpSpPr>
+          <a:xfrm>
+            <a:off x="7062458" y="2388983"/>
+            <a:ext cx="3522895" cy="4110192"/>
+            <a:chOff x="6814146" y="187962"/>
+            <a:chExt cx="3522895" cy="4110192"/>
+          </a:xfrm>
+        </p:grpSpPr>
+        <p:pic>
+          <p:nvPicPr>
+            <p:cNvPr id="18" name="Picture 17">
+              <a:extLst>
+                <a:ext uri="{FF2B5EF4-FFF2-40B4-BE49-F238E27FC236}">
+                  <a16:creationId xmlns:a16="http://schemas.microsoft.com/office/drawing/2014/main" id="{F1F45062-9C3E-417A-8FD4-E076A27E9963}"/>
+                </a:ext>
+              </a:extLst>
+            </p:cNvPr>
+            <p:cNvPicPr>
+              <a:picLocks noChangeAspect="1"/>
+            </p:cNvPicPr>
+            <p:nvPr/>
+          </p:nvPicPr>
+          <p:blipFill rotWithShape="1">
+            <a:blip r:embed="rId15"/>
+            <a:srcRect b="12533"/>
+            <a:stretch/>
+          </p:blipFill>
+          <p:spPr>
+            <a:xfrm>
+              <a:off x="6816411" y="187962"/>
+              <a:ext cx="3520630" cy="1351857"/>
+            </a:xfrm>
+            <a:prstGeom prst="rect">
+              <a:avLst/>
+            </a:prstGeom>
+          </p:spPr>
+        </p:pic>
+        <p:pic>
+          <p:nvPicPr>
+            <p:cNvPr id="19" name="Picture 18">
+              <a:extLst>
+                <a:ext uri="{FF2B5EF4-FFF2-40B4-BE49-F238E27FC236}">
+                  <a16:creationId xmlns:a16="http://schemas.microsoft.com/office/drawing/2014/main" id="{FA381C6C-FEBD-471C-BD6C-E52A24B54688}"/>
+                </a:ext>
+              </a:extLst>
+            </p:cNvPr>
+            <p:cNvPicPr>
+              <a:picLocks noChangeAspect="1"/>
+            </p:cNvPicPr>
+            <p:nvPr/>
+          </p:nvPicPr>
+          <p:blipFill rotWithShape="1">
+            <a:blip r:embed="rId16"/>
+            <a:srcRect b="23631"/>
+            <a:stretch/>
+          </p:blipFill>
+          <p:spPr>
+            <a:xfrm>
+              <a:off x="6816411" y="1563944"/>
+              <a:ext cx="3518364" cy="1139061"/>
+            </a:xfrm>
+            <a:prstGeom prst="rect">
+              <a:avLst/>
+            </a:prstGeom>
+          </p:spPr>
+        </p:pic>
+        <p:pic>
+          <p:nvPicPr>
+            <p:cNvPr id="20" name="Picture 19">
+              <a:extLst>
+                <a:ext uri="{FF2B5EF4-FFF2-40B4-BE49-F238E27FC236}">
+                  <a16:creationId xmlns:a16="http://schemas.microsoft.com/office/drawing/2014/main" id="{6361FCC4-7DF6-42D9-A1A8-6A2FC8641E17}"/>
+                </a:ext>
+              </a:extLst>
+            </p:cNvPr>
+            <p:cNvPicPr>
+              <a:picLocks noChangeAspect="1"/>
+            </p:cNvPicPr>
+            <p:nvPr/>
+          </p:nvPicPr>
+          <p:blipFill>
+            <a:blip r:embed="rId17"/>
+            <a:stretch>
+              <a:fillRect/>
+            </a:stretch>
+          </p:blipFill>
+          <p:spPr>
+            <a:xfrm>
+              <a:off x="6814146" y="2677655"/>
+              <a:ext cx="3520629" cy="1620499"/>
+            </a:xfrm>
+            <a:prstGeom prst="rect">
+              <a:avLst/>
+            </a:prstGeom>
+          </p:spPr>
+        </p:pic>
+      </p:grpSp>
+    </p:spTree>
+    <p:extLst>
+      <p:ext uri="{BB962C8B-B14F-4D97-AF65-F5344CB8AC3E}">
+        <p14:creationId xmlns:p14="http://schemas.microsoft.com/office/powerpoint/2010/main" val="374941433"/>
+      </p:ext>
+    </p:extLst>
+  </p:cSld>
+  <p:clrMapOvr>
+    <a:masterClrMapping/>
+  </p:clrMapOvr>
+</p:sld>
+</file>
+
+<file path=ppt/slides/slide3.xml><?xml version="1.0" encoding="utf-8"?>
+<p:sld xmlns:a="http://schemas.openxmlformats.org/drawingml/2006/main" xmlns:r="http://schemas.openxmlformats.org/officeDocument/2006/relationships" xmlns:p="http://schemas.openxmlformats.org/presentationml/2006/main">
+  <p:cSld>
+    <p:spTree>
+      <p:nvGrpSpPr>
+        <p:cNvPr id="1" name=""/>
+        <p:cNvGrpSpPr/>
+        <p:nvPr/>
+      </p:nvGrpSpPr>
+      <p:grpSpPr>
+        <a:xfrm>
+          <a:off x="0" y="0"/>
+          <a:ext cx="0" cy="0"/>
+          <a:chOff x="0" y="0"/>
+          <a:chExt cx="0" cy="0"/>
+        </a:xfrm>
+      </p:grpSpPr>
+      <p:pic>
+        <p:nvPicPr>
+          <p:cNvPr id="15" name="Picture 14"/>
+          <p:cNvPicPr>
+            <a:picLocks noChangeAspect="1"/>
+          </p:cNvPicPr>
+          <p:nvPr/>
+        </p:nvPicPr>
+        <p:blipFill>
+          <a:blip r:embed="rId2"/>
+          <a:stretch>
+            <a:fillRect/>
+          </a:stretch>
+        </p:blipFill>
+        <p:spPr>
+          <a:xfrm>
+            <a:off x="251011" y="244054"/>
+            <a:ext cx="1791947" cy="748479"/>
+          </a:xfrm>
+          <a:prstGeom prst="rect">
+            <a:avLst/>
+          </a:prstGeom>
+        </p:spPr>
+      </p:pic>
+      <p:pic>
+        <p:nvPicPr>
+          <p:cNvPr id="16" name="Picture 15"/>
+          <p:cNvPicPr>
+            <a:picLocks noChangeAspect="1"/>
+          </p:cNvPicPr>
+          <p:nvPr/>
+        </p:nvPicPr>
+        <p:blipFill>
+          <a:blip r:embed="rId3"/>
+          <a:stretch>
+            <a:fillRect/>
+          </a:stretch>
+        </p:blipFill>
+        <p:spPr>
+          <a:xfrm>
+            <a:off x="251011" y="1187716"/>
+            <a:ext cx="2694415" cy="604869"/>
+          </a:xfrm>
+          <a:prstGeom prst="rect">
+            <a:avLst/>
+          </a:prstGeom>
+        </p:spPr>
+      </p:pic>
+      <p:pic>
+        <p:nvPicPr>
+          <p:cNvPr id="17" name="Picture 16"/>
+          <p:cNvPicPr>
+            <a:picLocks noChangeAspect="1"/>
+          </p:cNvPicPr>
+          <p:nvPr/>
+        </p:nvPicPr>
+        <p:blipFill rotWithShape="1">
+          <a:blip r:embed="rId4"/>
+          <a:srcRect b="87747"/>
+          <a:stretch/>
+        </p:blipFill>
+        <p:spPr>
+          <a:xfrm>
+            <a:off x="395106" y="1992598"/>
+            <a:ext cx="2550320" cy="222336"/>
+          </a:xfrm>
+          <a:prstGeom prst="rect">
+            <a:avLst/>
+          </a:prstGeom>
+        </p:spPr>
+      </p:pic>
+      <p:pic>
+        <p:nvPicPr>
+          <p:cNvPr id="18" name="Picture 17"/>
+          <p:cNvPicPr>
+            <a:picLocks noChangeAspect="1"/>
+          </p:cNvPicPr>
+          <p:nvPr/>
+        </p:nvPicPr>
+        <p:blipFill>
+          <a:blip r:embed="rId5"/>
+          <a:stretch>
+            <a:fillRect/>
+          </a:stretch>
+        </p:blipFill>
+        <p:spPr>
+          <a:xfrm>
+            <a:off x="183915" y="4541194"/>
+            <a:ext cx="4370466" cy="1709320"/>
+          </a:xfrm>
+          <a:prstGeom prst="rect">
+            <a:avLst/>
+          </a:prstGeom>
+        </p:spPr>
+      </p:pic>
+      <p:pic>
+        <p:nvPicPr>
+          <p:cNvPr id="26" name="Picture 25">
+            <a:extLst>
+              <a:ext uri="{FF2B5EF4-FFF2-40B4-BE49-F238E27FC236}">
+                <a16:creationId xmlns:a16="http://schemas.microsoft.com/office/drawing/2014/main" id="{D39771E1-4D0D-48D6-9BDD-C3C0ACF27D25}"/>
+              </a:ext>
+            </a:extLst>
+          </p:cNvPr>
+          <p:cNvPicPr>
+            <a:picLocks noChangeAspect="1"/>
+          </p:cNvPicPr>
+          <p:nvPr/>
+        </p:nvPicPr>
+        <p:blipFill rotWithShape="1">
+          <a:blip r:embed="rId4"/>
+          <a:srcRect t="69000"/>
+          <a:stretch/>
+        </p:blipFill>
+        <p:spPr>
+          <a:xfrm>
+            <a:off x="183915" y="3819053"/>
+            <a:ext cx="2550320" cy="562501"/>
+          </a:xfrm>
+          <a:prstGeom prst="rect">
+            <a:avLst/>
+          </a:prstGeom>
+        </p:spPr>
+      </p:pic>
+      <p:pic>
+        <p:nvPicPr>
+          <p:cNvPr id="3" name="Picture 2">
+            <a:extLst>
+              <a:ext uri="{FF2B5EF4-FFF2-40B4-BE49-F238E27FC236}">
+                <a16:creationId xmlns:a16="http://schemas.microsoft.com/office/drawing/2014/main" id="{E8EE087C-544E-4907-9A3A-040E856E3F44}"/>
+              </a:ext>
+            </a:extLst>
+          </p:cNvPr>
+          <p:cNvPicPr>
+            <a:picLocks noChangeAspect="1"/>
+          </p:cNvPicPr>
+          <p:nvPr/>
+        </p:nvPicPr>
+        <p:blipFill>
+          <a:blip r:embed="rId6"/>
+          <a:stretch>
+            <a:fillRect/>
+          </a:stretch>
+        </p:blipFill>
+        <p:spPr>
+          <a:xfrm>
+            <a:off x="183915" y="2214934"/>
+            <a:ext cx="2408781" cy="1576801"/>
+          </a:xfrm>
+          <a:prstGeom prst="rect">
+            <a:avLst/>
+          </a:prstGeom>
+        </p:spPr>
+      </p:pic>
+      <p:pic>
+        <p:nvPicPr>
+          <p:cNvPr id="24" name="Picture 23">
+            <a:extLst>
+              <a:ext uri="{FF2B5EF4-FFF2-40B4-BE49-F238E27FC236}">
+                <a16:creationId xmlns:a16="http://schemas.microsoft.com/office/drawing/2014/main" id="{2612378C-03A5-4B0B-9942-961FC9F6913D}"/>
+              </a:ext>
+            </a:extLst>
+          </p:cNvPr>
+          <p:cNvPicPr>
+            <a:picLocks noChangeAspect="1"/>
+          </p:cNvPicPr>
+          <p:nvPr/>
+        </p:nvPicPr>
+        <p:blipFill>
+          <a:blip r:embed="rId7"/>
+          <a:stretch>
+            <a:fillRect/>
+          </a:stretch>
+        </p:blipFill>
+        <p:spPr>
+          <a:xfrm>
+            <a:off x="8053002" y="159228"/>
+            <a:ext cx="1896204" cy="1799189"/>
+          </a:xfrm>
+          <a:prstGeom prst="rect">
+            <a:avLst/>
+          </a:prstGeom>
+        </p:spPr>
+      </p:pic>
+      <p:grpSp>
+        <p:nvGrpSpPr>
+          <p:cNvPr id="5" name="Group 4">
+            <a:extLst>
+              <a:ext uri="{FF2B5EF4-FFF2-40B4-BE49-F238E27FC236}">
+                <a16:creationId xmlns:a16="http://schemas.microsoft.com/office/drawing/2014/main" id="{A351445F-9499-43F2-89D9-2FEE02B03A00}"/>
+              </a:ext>
+            </a:extLst>
+          </p:cNvPr>
+          <p:cNvGrpSpPr/>
+          <p:nvPr/>
+        </p:nvGrpSpPr>
+        <p:grpSpPr>
+          <a:xfrm>
+            <a:off x="4620402" y="159228"/>
+            <a:ext cx="3283121" cy="6539544"/>
+            <a:chOff x="7326563" y="-606152"/>
+            <a:chExt cx="3283121" cy="6539544"/>
+          </a:xfrm>
+        </p:grpSpPr>
+        <p:grpSp>
+          <p:nvGrpSpPr>
+            <p:cNvPr id="9" name="Group 8">
+              <a:extLst>
+                <a:ext uri="{FF2B5EF4-FFF2-40B4-BE49-F238E27FC236}">
+                  <a16:creationId xmlns:a16="http://schemas.microsoft.com/office/drawing/2014/main" id="{BFC0093C-569D-43D5-895F-7FBA545EC2EC}"/>
+                </a:ext>
+              </a:extLst>
+            </p:cNvPr>
+            <p:cNvGrpSpPr/>
+            <p:nvPr/>
+          </p:nvGrpSpPr>
+          <p:grpSpPr>
+            <a:xfrm>
+              <a:off x="7534109" y="-606152"/>
+              <a:ext cx="3075575" cy="2086755"/>
+              <a:chOff x="280295" y="273989"/>
+              <a:chExt cx="3075575" cy="2086755"/>
+            </a:xfrm>
+          </p:grpSpPr>
+          <p:pic>
+            <p:nvPicPr>
+              <p:cNvPr id="10" name="Picture 9">
+                <a:extLst>
+                  <a:ext uri="{FF2B5EF4-FFF2-40B4-BE49-F238E27FC236}">
+                    <a16:creationId xmlns:a16="http://schemas.microsoft.com/office/drawing/2014/main" id="{84999472-25F0-470C-8A7E-1EF41554E030}"/>
+                  </a:ext>
+                </a:extLst>
+              </p:cNvPr>
+              <p:cNvPicPr>
+                <a:picLocks noChangeAspect="1"/>
+              </p:cNvPicPr>
+              <p:nvPr/>
+            </p:nvPicPr>
+            <p:blipFill rotWithShape="1">
+              <a:blip r:embed="rId8"/>
+              <a:srcRect b="88003"/>
+              <a:stretch/>
+            </p:blipFill>
+            <p:spPr>
+              <a:xfrm>
+                <a:off x="298824" y="273989"/>
+                <a:ext cx="3057046" cy="241400"/>
+              </a:xfrm>
+              <a:prstGeom prst="rect">
+                <a:avLst/>
+              </a:prstGeom>
+            </p:spPr>
+          </p:pic>
+          <p:grpSp>
+            <p:nvGrpSpPr>
+              <p:cNvPr id="11" name="Group 10">
+                <a:extLst>
+                  <a:ext uri="{FF2B5EF4-FFF2-40B4-BE49-F238E27FC236}">
+                    <a16:creationId xmlns:a16="http://schemas.microsoft.com/office/drawing/2014/main" id="{3823BD9F-FFDF-4165-AD28-BCB8C89356F7}"/>
+                  </a:ext>
+                </a:extLst>
+              </p:cNvPr>
+              <p:cNvGrpSpPr/>
+              <p:nvPr/>
+            </p:nvGrpSpPr>
+            <p:grpSpPr>
+              <a:xfrm>
+                <a:off x="280295" y="515389"/>
+                <a:ext cx="2228531" cy="1845355"/>
+                <a:chOff x="280295" y="515389"/>
+                <a:chExt cx="2228531" cy="1845355"/>
+              </a:xfrm>
+            </p:grpSpPr>
+            <p:pic>
+              <p:nvPicPr>
+                <p:cNvPr id="12" name="Picture 11">
+                  <a:extLst>
+                    <a:ext uri="{FF2B5EF4-FFF2-40B4-BE49-F238E27FC236}">
+                      <a16:creationId xmlns:a16="http://schemas.microsoft.com/office/drawing/2014/main" id="{114835C5-648C-4BED-9C8B-0EFBA1D94DC9}"/>
+                    </a:ext>
+                  </a:extLst>
+                </p:cNvPr>
+                <p:cNvPicPr>
+                  <a:picLocks noChangeAspect="1"/>
+                </p:cNvPicPr>
+                <p:nvPr/>
+              </p:nvPicPr>
+              <p:blipFill>
+                <a:blip r:embed="rId9"/>
+                <a:stretch>
+                  <a:fillRect/>
+                </a:stretch>
+              </p:blipFill>
+              <p:spPr>
+                <a:xfrm>
+                  <a:off x="280295" y="515389"/>
+                  <a:ext cx="2198255" cy="1532394"/>
+                </a:xfrm>
+                <a:prstGeom prst="rect">
+                  <a:avLst/>
+                </a:prstGeom>
+              </p:spPr>
+            </p:pic>
+            <p:pic>
+              <p:nvPicPr>
+                <p:cNvPr id="13" name="Picture 12">
+                  <a:extLst>
+                    <a:ext uri="{FF2B5EF4-FFF2-40B4-BE49-F238E27FC236}">
+                      <a16:creationId xmlns:a16="http://schemas.microsoft.com/office/drawing/2014/main" id="{9D6271ED-29B6-41E1-86A0-8D56118F0358}"/>
+                    </a:ext>
+                  </a:extLst>
+                </p:cNvPr>
+                <p:cNvPicPr>
+                  <a:picLocks noChangeAspect="1"/>
+                </p:cNvPicPr>
+                <p:nvPr/>
+              </p:nvPicPr>
+              <p:blipFill>
+                <a:blip r:embed="rId10"/>
+                <a:stretch>
+                  <a:fillRect/>
+                </a:stretch>
+              </p:blipFill>
+              <p:spPr>
+                <a:xfrm>
+                  <a:off x="280295" y="2023713"/>
+                  <a:ext cx="2228531" cy="337031"/>
+                </a:xfrm>
+                <a:prstGeom prst="rect">
+                  <a:avLst/>
+                </a:prstGeom>
+              </p:spPr>
+            </p:pic>
+          </p:grpSp>
+        </p:grpSp>
+        <p:pic>
+          <p:nvPicPr>
+            <p:cNvPr id="14" name="Picture 13">
+              <a:extLst>
+                <a:ext uri="{FF2B5EF4-FFF2-40B4-BE49-F238E27FC236}">
+                  <a16:creationId xmlns:a16="http://schemas.microsoft.com/office/drawing/2014/main" id="{448E98FA-91B0-496A-9D65-D463F3F88E4A}"/>
+                </a:ext>
+              </a:extLst>
+            </p:cNvPr>
+            <p:cNvPicPr>
+              <a:picLocks noChangeAspect="1"/>
+            </p:cNvPicPr>
+            <p:nvPr/>
+          </p:nvPicPr>
+          <p:blipFill>
+            <a:blip r:embed="rId11"/>
+            <a:stretch>
+              <a:fillRect/>
+            </a:stretch>
+          </p:blipFill>
+          <p:spPr>
+            <a:xfrm>
+              <a:off x="7518970" y="1796931"/>
+              <a:ext cx="2228531" cy="2086755"/>
+            </a:xfrm>
+            <a:prstGeom prst="rect">
+              <a:avLst/>
+            </a:prstGeom>
+          </p:spPr>
+        </p:pic>
+        <p:sp>
+          <p:nvSpPr>
+            <p:cNvPr id="19" name="Right Arrow 8">
+              <a:extLst>
+                <a:ext uri="{FF2B5EF4-FFF2-40B4-BE49-F238E27FC236}">
+                  <a16:creationId xmlns:a16="http://schemas.microsoft.com/office/drawing/2014/main" id="{F2032010-8371-41ED-A63F-91B04FA71E9E}"/>
+                </a:ext>
+              </a:extLst>
+            </p:cNvPr>
+            <p:cNvSpPr/>
+            <p:nvPr/>
+          </p:nvSpPr>
+          <p:spPr>
+            <a:xfrm rot="5400000">
+              <a:off x="8509603" y="1425137"/>
+              <a:ext cx="277539" cy="388471"/>
+            </a:xfrm>
+            <a:prstGeom prst="rightArrow">
+              <a:avLst/>
+            </a:prstGeom>
+          </p:spPr>
+          <p:style>
+            <a:lnRef idx="2">
+              <a:schemeClr val="accent1">
+                <a:shade val="50000"/>
+              </a:schemeClr>
+            </a:lnRef>
+            <a:fillRef idx="1">
+              <a:schemeClr val="accent1"/>
+            </a:fillRef>
+            <a:effectRef idx="0">
+              <a:schemeClr val="accent1"/>
+            </a:effectRef>
+            <a:fontRef idx="minor">
+              <a:schemeClr val="lt1"/>
+            </a:fontRef>
+          </p:style>
+          <p:txBody>
+            <a:bodyPr rtlCol="0" anchor="ctr"/>
+            <a:lstStyle/>
+            <a:p>
+              <a:pPr algn="ctr"/>
+              <a:endParaRPr lang="en-US" dirty="0"/>
+            </a:p>
+          </p:txBody>
+        </p:sp>
+        <p:pic>
+          <p:nvPicPr>
+            <p:cNvPr id="21" name="Picture 20">
+              <a:extLst>
+                <a:ext uri="{FF2B5EF4-FFF2-40B4-BE49-F238E27FC236}">
+                  <a16:creationId xmlns:a16="http://schemas.microsoft.com/office/drawing/2014/main" id="{D864AC04-F7EE-4600-8E0F-DE7E2C053D51}"/>
+                </a:ext>
+              </a:extLst>
+            </p:cNvPr>
+            <p:cNvPicPr>
+              <a:picLocks noChangeAspect="1"/>
+            </p:cNvPicPr>
+            <p:nvPr/>
+          </p:nvPicPr>
+          <p:blipFill>
+            <a:blip r:embed="rId12"/>
+            <a:stretch>
+              <a:fillRect/>
+            </a:stretch>
+          </p:blipFill>
+          <p:spPr>
+            <a:xfrm>
+              <a:off x="7326563" y="4148052"/>
+              <a:ext cx="2643618" cy="1785340"/>
+            </a:xfrm>
+            <a:prstGeom prst="rect">
+              <a:avLst/>
+            </a:prstGeom>
+          </p:spPr>
+        </p:pic>
+        <p:sp>
+          <p:nvSpPr>
+            <p:cNvPr id="20" name="Right Arrow 9">
+              <a:extLst>
+                <a:ext uri="{FF2B5EF4-FFF2-40B4-BE49-F238E27FC236}">
+                  <a16:creationId xmlns:a16="http://schemas.microsoft.com/office/drawing/2014/main" id="{B4897373-F600-4D46-ACEB-87B2A5950E7F}"/>
+                </a:ext>
+              </a:extLst>
+            </p:cNvPr>
+            <p:cNvSpPr/>
+            <p:nvPr/>
+          </p:nvSpPr>
+          <p:spPr>
+            <a:xfrm rot="5400000">
+              <a:off x="8504978" y="3910174"/>
+              <a:ext cx="286789" cy="388471"/>
+            </a:xfrm>
+            <a:prstGeom prst="rightArrow">
+              <a:avLst/>
+            </a:prstGeom>
+          </p:spPr>
+          <p:style>
+            <a:lnRef idx="2">
+              <a:schemeClr val="accent1">
+                <a:shade val="50000"/>
+              </a:schemeClr>
+            </a:lnRef>
+            <a:fillRef idx="1">
+              <a:schemeClr val="accent1"/>
+            </a:fillRef>
+            <a:effectRef idx="0">
+              <a:schemeClr val="accent1"/>
+            </a:effectRef>
+            <a:fontRef idx="minor">
+              <a:schemeClr val="lt1"/>
+            </a:fontRef>
+          </p:style>
+          <p:txBody>
+            <a:bodyPr rtlCol="0" anchor="ctr"/>
+            <a:lstStyle/>
+            <a:p>
+              <a:pPr algn="ctr"/>
+              <a:endParaRPr lang="en-US"/>
+            </a:p>
+          </p:txBody>
+        </p:sp>
+      </p:grpSp>
+      <p:pic>
+        <p:nvPicPr>
+          <p:cNvPr id="25" name="Picture 24">
+            <a:extLst>
+              <a:ext uri="{FF2B5EF4-FFF2-40B4-BE49-F238E27FC236}">
+                <a16:creationId xmlns:a16="http://schemas.microsoft.com/office/drawing/2014/main" id="{8D71BFDB-EBEC-4CA4-8C20-DE82508BC2B3}"/>
+              </a:ext>
+            </a:extLst>
+          </p:cNvPr>
+          <p:cNvPicPr>
+            <a:picLocks noChangeAspect="1"/>
+          </p:cNvPicPr>
+          <p:nvPr/>
+        </p:nvPicPr>
+        <p:blipFill rotWithShape="1">
+          <a:blip r:embed="rId13"/>
+          <a:srcRect t="20732"/>
+          <a:stretch/>
+        </p:blipFill>
+        <p:spPr>
+          <a:xfrm>
+            <a:off x="8090782" y="2189184"/>
+            <a:ext cx="3419819" cy="1571378"/>
+          </a:xfrm>
+          <a:prstGeom prst="rect">
+            <a:avLst/>
+          </a:prstGeom>
+        </p:spPr>
+      </p:pic>
+      <p:pic>
+        <p:nvPicPr>
+          <p:cNvPr id="27" name="Picture 26">
+            <a:extLst>
+              <a:ext uri="{FF2B5EF4-FFF2-40B4-BE49-F238E27FC236}">
+                <a16:creationId xmlns:a16="http://schemas.microsoft.com/office/drawing/2014/main" id="{5A48173A-17A8-4904-A972-66D9A4BAE6CC}"/>
+              </a:ext>
+            </a:extLst>
+          </p:cNvPr>
+          <p:cNvPicPr>
+            <a:picLocks noChangeAspect="1"/>
+          </p:cNvPicPr>
+          <p:nvPr/>
+        </p:nvPicPr>
+        <p:blipFill>
+          <a:blip r:embed="rId14"/>
+          <a:stretch>
+            <a:fillRect/>
+          </a:stretch>
+        </p:blipFill>
+        <p:spPr>
+          <a:xfrm>
+            <a:off x="7576897" y="4063890"/>
             <a:ext cx="4447587" cy="621109"/>
           </a:xfrm>
           <a:prstGeom prst="rect">
@@ -3869,14 +5698,20 @@
       </p:pic>
       <p:sp>
         <p:nvSpPr>
-          <p:cNvPr id="14" name="Right Arrow 13"/>
+          <p:cNvPr id="28" name="Right Arrow 8">
+            <a:extLst>
+              <a:ext uri="{FF2B5EF4-FFF2-40B4-BE49-F238E27FC236}">
+                <a16:creationId xmlns:a16="http://schemas.microsoft.com/office/drawing/2014/main" id="{2DD54CF3-9584-4F1B-8038-8EFD48BC9917}"/>
+              </a:ext>
+            </a:extLst>
+          </p:cNvPr>
           <p:cNvSpPr/>
           <p:nvPr/>
         </p:nvSpPr>
         <p:spPr>
-          <a:xfrm>
-            <a:off x="5005629" y="3863756"/>
-            <a:ext cx="1304639" cy="388471"/>
+          <a:xfrm rot="5400000">
+            <a:off x="9698142" y="3736269"/>
+            <a:ext cx="277539" cy="388471"/>
           </a:xfrm>
           <a:prstGeom prst="rightArrow">
             <a:avLst/>
@@ -3903,14 +5738,14 @@
           <a:lstStyle/>
           <a:p>
             <a:pPr algn="ctr"/>
-            <a:endParaRPr lang="en-US"/>
+            <a:endParaRPr lang="en-US" dirty="0"/>
           </a:p>
         </p:txBody>
       </p:sp>
     </p:spTree>
     <p:extLst>
       <p:ext uri="{BB962C8B-B14F-4D97-AF65-F5344CB8AC3E}">
-        <p14:creationId xmlns:p14="http://schemas.microsoft.com/office/powerpoint/2010/main" val="3853846536"/>
+        <p14:creationId xmlns:p14="http://schemas.microsoft.com/office/powerpoint/2010/main" val="679337950"/>
       </p:ext>
     </p:extLst>
   </p:cSld>
@@ -3921,372 +5756,6 @@
 </file>
 
 <file path=ppt/slides/slide4.xml><?xml version="1.0" encoding="utf-8"?>
-<p:sld xmlns:a="http://schemas.openxmlformats.org/drawingml/2006/main" xmlns:r="http://schemas.openxmlformats.org/officeDocument/2006/relationships" xmlns:p="http://schemas.openxmlformats.org/presentationml/2006/main">
-  <p:cSld>
-    <p:spTree>
-      <p:nvGrpSpPr>
-        <p:cNvPr id="1" name=""/>
-        <p:cNvGrpSpPr/>
-        <p:nvPr/>
-      </p:nvGrpSpPr>
-      <p:grpSpPr>
-        <a:xfrm>
-          <a:off x="0" y="0"/>
-          <a:ext cx="0" cy="0"/>
-          <a:chOff x="0" y="0"/>
-          <a:chExt cx="0" cy="0"/>
-        </a:xfrm>
-      </p:grpSpPr>
-      <p:pic>
-        <p:nvPicPr>
-          <p:cNvPr id="7" name="Picture 6"/>
-          <p:cNvPicPr>
-            <a:picLocks noChangeAspect="1"/>
-          </p:cNvPicPr>
-          <p:nvPr/>
-        </p:nvPicPr>
-        <p:blipFill>
-          <a:blip r:embed="rId2"/>
-          <a:stretch>
-            <a:fillRect/>
-          </a:stretch>
-        </p:blipFill>
-        <p:spPr>
-          <a:xfrm>
-            <a:off x="317027" y="388470"/>
-            <a:ext cx="2152921" cy="1893583"/>
-          </a:xfrm>
-          <a:prstGeom prst="rect">
-            <a:avLst/>
-          </a:prstGeom>
-        </p:spPr>
-      </p:pic>
-      <p:pic>
-        <p:nvPicPr>
-          <p:cNvPr id="8" name="Picture 7"/>
-          <p:cNvPicPr>
-            <a:picLocks noChangeAspect="1"/>
-          </p:cNvPicPr>
-          <p:nvPr/>
-        </p:nvPicPr>
-        <p:blipFill>
-          <a:blip r:embed="rId3"/>
-          <a:stretch>
-            <a:fillRect/>
-          </a:stretch>
-        </p:blipFill>
-        <p:spPr>
-          <a:xfrm>
-            <a:off x="2941568" y="278514"/>
-            <a:ext cx="2150518" cy="2187154"/>
-          </a:xfrm>
-          <a:prstGeom prst="rect">
-            <a:avLst/>
-          </a:prstGeom>
-        </p:spPr>
-      </p:pic>
-      <p:sp>
-        <p:nvSpPr>
-          <p:cNvPr id="9" name="Right Arrow 8"/>
-          <p:cNvSpPr/>
-          <p:nvPr/>
-        </p:nvSpPr>
-        <p:spPr>
-          <a:xfrm>
-            <a:off x="2209711" y="1439884"/>
-            <a:ext cx="496047" cy="388471"/>
-          </a:xfrm>
-          <a:prstGeom prst="rightArrow">
-            <a:avLst/>
-          </a:prstGeom>
-        </p:spPr>
-        <p:style>
-          <a:lnRef idx="2">
-            <a:schemeClr val="accent1">
-              <a:shade val="50000"/>
-            </a:schemeClr>
-          </a:lnRef>
-          <a:fillRef idx="1">
-            <a:schemeClr val="accent1"/>
-          </a:fillRef>
-          <a:effectRef idx="0">
-            <a:schemeClr val="accent1"/>
-          </a:effectRef>
-          <a:fontRef idx="minor">
-            <a:schemeClr val="lt1"/>
-          </a:fontRef>
-        </p:style>
-        <p:txBody>
-          <a:bodyPr rtlCol="0" anchor="ctr"/>
-          <a:lstStyle/>
-          <a:p>
-            <a:pPr algn="ctr"/>
-            <a:endParaRPr lang="en-US"/>
-          </a:p>
-        </p:txBody>
-      </p:sp>
-      <p:pic>
-        <p:nvPicPr>
-          <p:cNvPr id="10" name="Picture 9"/>
-          <p:cNvPicPr>
-            <a:picLocks noChangeAspect="1"/>
-          </p:cNvPicPr>
-          <p:nvPr/>
-        </p:nvPicPr>
-        <p:blipFill>
-          <a:blip r:embed="rId4"/>
-          <a:stretch>
-            <a:fillRect/>
-          </a:stretch>
-        </p:blipFill>
-        <p:spPr>
-          <a:xfrm>
-            <a:off x="3914240" y="1828355"/>
-            <a:ext cx="2221928" cy="323688"/>
-          </a:xfrm>
-          <a:prstGeom prst="rect">
-            <a:avLst/>
-          </a:prstGeom>
-        </p:spPr>
-      </p:pic>
-      <p:pic>
-        <p:nvPicPr>
-          <p:cNvPr id="2" name="Picture 1"/>
-          <p:cNvPicPr>
-            <a:picLocks noChangeAspect="1"/>
-          </p:cNvPicPr>
-          <p:nvPr/>
-        </p:nvPicPr>
-        <p:blipFill>
-          <a:blip r:embed="rId5"/>
-          <a:stretch>
-            <a:fillRect/>
-          </a:stretch>
-        </p:blipFill>
-        <p:spPr>
-          <a:xfrm>
-            <a:off x="317027" y="3088576"/>
-            <a:ext cx="2826597" cy="1653131"/>
-          </a:xfrm>
-          <a:prstGeom prst="rect">
-            <a:avLst/>
-          </a:prstGeom>
-        </p:spPr>
-      </p:pic>
-      <p:pic>
-        <p:nvPicPr>
-          <p:cNvPr id="11" name="Picture 10"/>
-          <p:cNvPicPr>
-            <a:picLocks noChangeAspect="1"/>
-          </p:cNvPicPr>
-          <p:nvPr/>
-        </p:nvPicPr>
-        <p:blipFill>
-          <a:blip r:embed="rId6"/>
-          <a:stretch>
-            <a:fillRect/>
-          </a:stretch>
-        </p:blipFill>
-        <p:spPr>
-          <a:xfrm>
-            <a:off x="3518473" y="2751857"/>
-            <a:ext cx="2812967" cy="2803575"/>
-          </a:xfrm>
-          <a:prstGeom prst="rect">
-            <a:avLst/>
-          </a:prstGeom>
-        </p:spPr>
-      </p:pic>
-      <p:sp>
-        <p:nvSpPr>
-          <p:cNvPr id="12" name="Right Arrow 11"/>
-          <p:cNvSpPr/>
-          <p:nvPr/>
-        </p:nvSpPr>
-        <p:spPr>
-          <a:xfrm>
-            <a:off x="2835001" y="4353236"/>
-            <a:ext cx="496047" cy="388471"/>
-          </a:xfrm>
-          <a:prstGeom prst="rightArrow">
-            <a:avLst/>
-          </a:prstGeom>
-        </p:spPr>
-        <p:style>
-          <a:lnRef idx="2">
-            <a:schemeClr val="accent1">
-              <a:shade val="50000"/>
-            </a:schemeClr>
-          </a:lnRef>
-          <a:fillRef idx="1">
-            <a:schemeClr val="accent1"/>
-          </a:fillRef>
-          <a:effectRef idx="0">
-            <a:schemeClr val="accent1"/>
-          </a:effectRef>
-          <a:fontRef idx="minor">
-            <a:schemeClr val="lt1"/>
-          </a:fontRef>
-        </p:style>
-        <p:txBody>
-          <a:bodyPr rtlCol="0" anchor="ctr"/>
-          <a:lstStyle/>
-          <a:p>
-            <a:pPr algn="ctr"/>
-            <a:endParaRPr lang="en-US"/>
-          </a:p>
-        </p:txBody>
-      </p:sp>
-      <p:pic>
-        <p:nvPicPr>
-          <p:cNvPr id="13" name="Picture 12"/>
-          <p:cNvPicPr>
-            <a:picLocks noChangeAspect="1"/>
-          </p:cNvPicPr>
-          <p:nvPr/>
-        </p:nvPicPr>
-        <p:blipFill>
-          <a:blip r:embed="rId7"/>
-          <a:stretch>
-            <a:fillRect/>
-          </a:stretch>
-        </p:blipFill>
-        <p:spPr>
-          <a:xfrm>
-            <a:off x="3914240" y="5705553"/>
-            <a:ext cx="2109048" cy="272135"/>
-          </a:xfrm>
-          <a:prstGeom prst="rect">
-            <a:avLst/>
-          </a:prstGeom>
-        </p:spPr>
-      </p:pic>
-      <p:pic>
-        <p:nvPicPr>
-          <p:cNvPr id="14" name="Picture 13"/>
-          <p:cNvPicPr>
-            <a:picLocks noChangeAspect="1"/>
-          </p:cNvPicPr>
-          <p:nvPr/>
-        </p:nvPicPr>
-        <p:blipFill>
-          <a:blip r:embed="rId8"/>
-          <a:stretch>
-            <a:fillRect/>
-          </a:stretch>
-        </p:blipFill>
-        <p:spPr>
-          <a:xfrm>
-            <a:off x="7410824" y="595104"/>
-            <a:ext cx="3811749" cy="2214935"/>
-          </a:xfrm>
-          <a:prstGeom prst="rect">
-            <a:avLst/>
-          </a:prstGeom>
-        </p:spPr>
-      </p:pic>
-      <p:pic>
-        <p:nvPicPr>
-          <p:cNvPr id="15" name="Picture 14"/>
-          <p:cNvPicPr>
-            <a:picLocks noChangeAspect="1"/>
-          </p:cNvPicPr>
-          <p:nvPr/>
-        </p:nvPicPr>
-        <p:blipFill>
-          <a:blip r:embed="rId9"/>
-          <a:stretch>
-            <a:fillRect/>
-          </a:stretch>
-        </p:blipFill>
-        <p:spPr>
-          <a:xfrm>
-            <a:off x="7938247" y="3346662"/>
-            <a:ext cx="2913833" cy="2913833"/>
-          </a:xfrm>
-          <a:prstGeom prst="rect">
-            <a:avLst/>
-          </a:prstGeom>
-        </p:spPr>
-      </p:pic>
-      <p:sp>
-        <p:nvSpPr>
-          <p:cNvPr id="16" name="Right Arrow 15"/>
-          <p:cNvSpPr/>
-          <p:nvPr/>
-        </p:nvSpPr>
-        <p:spPr>
-          <a:xfrm rot="5400000">
-            <a:off x="9262910" y="2904403"/>
-            <a:ext cx="496047" cy="388471"/>
-          </a:xfrm>
-          <a:prstGeom prst="rightArrow">
-            <a:avLst/>
-          </a:prstGeom>
-        </p:spPr>
-        <p:style>
-          <a:lnRef idx="2">
-            <a:schemeClr val="accent1">
-              <a:shade val="50000"/>
-            </a:schemeClr>
-          </a:lnRef>
-          <a:fillRef idx="1">
-            <a:schemeClr val="accent1"/>
-          </a:fillRef>
-          <a:effectRef idx="0">
-            <a:schemeClr val="accent1"/>
-          </a:effectRef>
-          <a:fontRef idx="minor">
-            <a:schemeClr val="lt1"/>
-          </a:fontRef>
-        </p:style>
-        <p:txBody>
-          <a:bodyPr rtlCol="0" anchor="ctr"/>
-          <a:lstStyle/>
-          <a:p>
-            <a:pPr algn="ctr"/>
-            <a:endParaRPr lang="en-US"/>
-          </a:p>
-        </p:txBody>
-      </p:sp>
-      <p:pic>
-        <p:nvPicPr>
-          <p:cNvPr id="17" name="Picture 16"/>
-          <p:cNvPicPr>
-            <a:picLocks noChangeAspect="1"/>
-          </p:cNvPicPr>
-          <p:nvPr/>
-        </p:nvPicPr>
-        <p:blipFill>
-          <a:blip r:embed="rId10"/>
-          <a:stretch>
-            <a:fillRect/>
-          </a:stretch>
-        </p:blipFill>
-        <p:spPr>
-          <a:xfrm>
-            <a:off x="8540374" y="6322955"/>
-            <a:ext cx="2184947" cy="337822"/>
-          </a:xfrm>
-          <a:prstGeom prst="rect">
-            <a:avLst/>
-          </a:prstGeom>
-        </p:spPr>
-      </p:pic>
-    </p:spTree>
-    <p:extLst>
-      <p:ext uri="{BB962C8B-B14F-4D97-AF65-F5344CB8AC3E}">
-        <p14:creationId xmlns:p14="http://schemas.microsoft.com/office/powerpoint/2010/main" val="4119522830"/>
-      </p:ext>
-    </p:extLst>
-  </p:cSld>
-  <p:clrMapOvr>
-    <a:masterClrMapping/>
-  </p:clrMapOvr>
-</p:sld>
-</file>
-
-<file path=ppt/slides/slide5.xml><?xml version="1.0" encoding="utf-8"?>
 <p:sld xmlns:a="http://schemas.openxmlformats.org/drawingml/2006/main" xmlns:r="http://schemas.openxmlformats.org/officeDocument/2006/relationships" xmlns:p="http://schemas.openxmlformats.org/presentationml/2006/main">
   <p:cSld>
     <p:spTree>
@@ -4343,7 +5812,7 @@
         </p:blipFill>
         <p:spPr>
           <a:xfrm>
-            <a:off x="1147483" y="2930258"/>
+            <a:off x="1164108" y="2522920"/>
             <a:ext cx="4234775" cy="2287535"/>
           </a:xfrm>
           <a:prstGeom prst="rect">
@@ -4367,7 +5836,7 @@
         </p:blipFill>
         <p:spPr>
           <a:xfrm>
-            <a:off x="442259" y="5932472"/>
+            <a:off x="442259" y="5250828"/>
             <a:ext cx="11096302" cy="297379"/>
           </a:xfrm>
           <a:prstGeom prst="rect">
@@ -4383,8 +5852,8 @@
         </p:nvSpPr>
         <p:spPr>
           <a:xfrm rot="5400000">
-            <a:off x="2580027" y="5326557"/>
-            <a:ext cx="605999" cy="388471"/>
+            <a:off x="3171161" y="4790017"/>
+            <a:ext cx="347592" cy="388471"/>
           </a:xfrm>
           <a:prstGeom prst="rightArrow">
             <a:avLst/>
@@ -4419,6 +5888,520 @@
     <p:extLst>
       <p:ext uri="{BB962C8B-B14F-4D97-AF65-F5344CB8AC3E}">
         <p14:creationId xmlns:p14="http://schemas.microsoft.com/office/powerpoint/2010/main" val="777337194"/>
+      </p:ext>
+    </p:extLst>
+  </p:cSld>
+  <p:clrMapOvr>
+    <a:masterClrMapping/>
+  </p:clrMapOvr>
+</p:sld>
+</file>
+
+<file path=ppt/slides/slide5.xml><?xml version="1.0" encoding="utf-8"?>
+<p:sld xmlns:a="http://schemas.openxmlformats.org/drawingml/2006/main" xmlns:r="http://schemas.openxmlformats.org/officeDocument/2006/relationships" xmlns:p="http://schemas.openxmlformats.org/presentationml/2006/main">
+  <p:cSld>
+    <p:spTree>
+      <p:nvGrpSpPr>
+        <p:cNvPr id="1" name=""/>
+        <p:cNvGrpSpPr/>
+        <p:nvPr/>
+      </p:nvGrpSpPr>
+      <p:grpSpPr>
+        <a:xfrm>
+          <a:off x="0" y="0"/>
+          <a:ext cx="0" cy="0"/>
+          <a:chOff x="0" y="0"/>
+          <a:chExt cx="0" cy="0"/>
+        </a:xfrm>
+      </p:grpSpPr>
+      <p:sp>
+        <p:nvSpPr>
+          <p:cNvPr id="10" name="Right Arrow 9"/>
+          <p:cNvSpPr/>
+          <p:nvPr/>
+        </p:nvSpPr>
+        <p:spPr>
+          <a:xfrm>
+            <a:off x="3707060" y="1376762"/>
+            <a:ext cx="503645" cy="388471"/>
+          </a:xfrm>
+          <a:prstGeom prst="rightArrow">
+            <a:avLst/>
+          </a:prstGeom>
+        </p:spPr>
+        <p:style>
+          <a:lnRef idx="2">
+            <a:schemeClr val="accent1">
+              <a:shade val="50000"/>
+            </a:schemeClr>
+          </a:lnRef>
+          <a:fillRef idx="1">
+            <a:schemeClr val="accent1"/>
+          </a:fillRef>
+          <a:effectRef idx="0">
+            <a:schemeClr val="accent1"/>
+          </a:effectRef>
+          <a:fontRef idx="minor">
+            <a:schemeClr val="lt1"/>
+          </a:fontRef>
+        </p:style>
+        <p:txBody>
+          <a:bodyPr rtlCol="0" anchor="ctr"/>
+          <a:lstStyle/>
+          <a:p>
+            <a:pPr algn="ctr"/>
+            <a:endParaRPr lang="en-US"/>
+          </a:p>
+        </p:txBody>
+      </p:sp>
+      <p:pic>
+        <p:nvPicPr>
+          <p:cNvPr id="13" name="Picture 12"/>
+          <p:cNvPicPr>
+            <a:picLocks noChangeAspect="1"/>
+          </p:cNvPicPr>
+          <p:nvPr/>
+        </p:nvPicPr>
+        <p:blipFill>
+          <a:blip r:embed="rId2"/>
+          <a:stretch>
+            <a:fillRect/>
+          </a:stretch>
+        </p:blipFill>
+        <p:spPr>
+          <a:xfrm>
+            <a:off x="7111453" y="2956996"/>
+            <a:ext cx="3182419" cy="1545509"/>
+          </a:xfrm>
+          <a:prstGeom prst="rect">
+            <a:avLst/>
+          </a:prstGeom>
+        </p:spPr>
+      </p:pic>
+      <p:pic>
+        <p:nvPicPr>
+          <p:cNvPr id="2" name="Picture 1">
+            <a:extLst>
+              <a:ext uri="{FF2B5EF4-FFF2-40B4-BE49-F238E27FC236}">
+                <a16:creationId xmlns:a16="http://schemas.microsoft.com/office/drawing/2014/main" id="{E86AB13A-C67B-4570-AD9A-68ECFA3BD5B4}"/>
+              </a:ext>
+            </a:extLst>
+          </p:cNvPr>
+          <p:cNvPicPr>
+            <a:picLocks noChangeAspect="1"/>
+          </p:cNvPicPr>
+          <p:nvPr/>
+        </p:nvPicPr>
+        <p:blipFill rotWithShape="1">
+          <a:blip r:embed="rId3"/>
+          <a:srcRect t="23865"/>
+          <a:stretch/>
+        </p:blipFill>
+        <p:spPr>
+          <a:xfrm>
+            <a:off x="578950" y="2272125"/>
+            <a:ext cx="2288424" cy="1551599"/>
+          </a:xfrm>
+          <a:prstGeom prst="rect">
+            <a:avLst/>
+          </a:prstGeom>
+        </p:spPr>
+      </p:pic>
+      <p:grpSp>
+        <p:nvGrpSpPr>
+          <p:cNvPr id="15" name="Group 14">
+            <a:extLst>
+              <a:ext uri="{FF2B5EF4-FFF2-40B4-BE49-F238E27FC236}">
+                <a16:creationId xmlns:a16="http://schemas.microsoft.com/office/drawing/2014/main" id="{BA3BB78C-4111-43D4-851F-1BA4C79DB942}"/>
+              </a:ext>
+            </a:extLst>
+          </p:cNvPr>
+          <p:cNvGrpSpPr/>
+          <p:nvPr/>
+        </p:nvGrpSpPr>
+        <p:grpSpPr>
+          <a:xfrm>
+            <a:off x="321578" y="292847"/>
+            <a:ext cx="3467290" cy="2056455"/>
+            <a:chOff x="321578" y="292847"/>
+            <a:chExt cx="3467290" cy="2056455"/>
+          </a:xfrm>
+        </p:grpSpPr>
+        <p:pic>
+          <p:nvPicPr>
+            <p:cNvPr id="6" name="Picture 5"/>
+            <p:cNvPicPr>
+              <a:picLocks noChangeAspect="1"/>
+            </p:cNvPicPr>
+            <p:nvPr/>
+          </p:nvPicPr>
+          <p:blipFill rotWithShape="1">
+            <a:blip r:embed="rId4"/>
+            <a:srcRect t="1" b="79761"/>
+            <a:stretch/>
+          </p:blipFill>
+          <p:spPr>
+            <a:xfrm>
+              <a:off x="321578" y="292847"/>
+              <a:ext cx="3467290" cy="509331"/>
+            </a:xfrm>
+            <a:prstGeom prst="rect">
+              <a:avLst/>
+            </a:prstGeom>
+          </p:spPr>
+        </p:pic>
+        <p:grpSp>
+          <p:nvGrpSpPr>
+            <p:cNvPr id="5" name="Group 4">
+              <a:extLst>
+                <a:ext uri="{FF2B5EF4-FFF2-40B4-BE49-F238E27FC236}">
+                  <a16:creationId xmlns:a16="http://schemas.microsoft.com/office/drawing/2014/main" id="{61F3620C-F26A-4EE8-89CD-6EB84783E344}"/>
+                </a:ext>
+              </a:extLst>
+            </p:cNvPr>
+            <p:cNvGrpSpPr/>
+            <p:nvPr/>
+          </p:nvGrpSpPr>
+          <p:grpSpPr>
+            <a:xfrm>
+              <a:off x="321578" y="949377"/>
+              <a:ext cx="3242784" cy="1399925"/>
+              <a:chOff x="2735209" y="242795"/>
+              <a:chExt cx="3242784" cy="1399925"/>
+            </a:xfrm>
+          </p:grpSpPr>
+          <p:pic>
+            <p:nvPicPr>
+              <p:cNvPr id="7" name="Picture 6"/>
+              <p:cNvPicPr>
+                <a:picLocks noChangeAspect="1"/>
+              </p:cNvPicPr>
+              <p:nvPr/>
+            </p:nvPicPr>
+            <p:blipFill rotWithShape="1">
+              <a:blip r:embed="rId5"/>
+              <a:srcRect r="80610"/>
+              <a:stretch/>
+            </p:blipFill>
+            <p:spPr>
+              <a:xfrm>
+                <a:off x="2735209" y="269588"/>
+                <a:ext cx="760293" cy="1373132"/>
+              </a:xfrm>
+              <a:prstGeom prst="rect">
+                <a:avLst/>
+              </a:prstGeom>
+            </p:spPr>
+          </p:pic>
+          <p:pic>
+            <p:nvPicPr>
+              <p:cNvPr id="3" name="Picture 2">
+                <a:extLst>
+                  <a:ext uri="{FF2B5EF4-FFF2-40B4-BE49-F238E27FC236}">
+                    <a16:creationId xmlns:a16="http://schemas.microsoft.com/office/drawing/2014/main" id="{B6A47090-8528-4678-AB26-AEBB8DC5CA0A}"/>
+                  </a:ext>
+                </a:extLst>
+              </p:cNvPr>
+              <p:cNvPicPr>
+                <a:picLocks noChangeAspect="1"/>
+              </p:cNvPicPr>
+              <p:nvPr/>
+            </p:nvPicPr>
+            <p:blipFill>
+              <a:blip r:embed="rId6"/>
+              <a:stretch>
+                <a:fillRect/>
+              </a:stretch>
+            </p:blipFill>
+            <p:spPr>
+              <a:xfrm>
+                <a:off x="3495502" y="242795"/>
+                <a:ext cx="2482491" cy="1243244"/>
+              </a:xfrm>
+              <a:prstGeom prst="rect">
+                <a:avLst/>
+              </a:prstGeom>
+            </p:spPr>
+          </p:pic>
+        </p:grpSp>
+      </p:grpSp>
+      <p:grpSp>
+        <p:nvGrpSpPr>
+          <p:cNvPr id="16" name="Group 15">
+            <a:extLst>
+              <a:ext uri="{FF2B5EF4-FFF2-40B4-BE49-F238E27FC236}">
+                <a16:creationId xmlns:a16="http://schemas.microsoft.com/office/drawing/2014/main" id="{F25EEF77-3E47-483E-8121-56A9FDACC93D}"/>
+              </a:ext>
+            </a:extLst>
+          </p:cNvPr>
+          <p:cNvGrpSpPr/>
+          <p:nvPr/>
+        </p:nvGrpSpPr>
+        <p:grpSpPr>
+          <a:xfrm>
+            <a:off x="8175884" y="288933"/>
+            <a:ext cx="3333738" cy="1979278"/>
+            <a:chOff x="6417742" y="292847"/>
+            <a:chExt cx="2993563" cy="1725278"/>
+          </a:xfrm>
+        </p:grpSpPr>
+        <p:pic>
+          <p:nvPicPr>
+            <p:cNvPr id="8" name="Picture 7"/>
+            <p:cNvPicPr>
+              <a:picLocks noChangeAspect="1"/>
+            </p:cNvPicPr>
+            <p:nvPr/>
+          </p:nvPicPr>
+          <p:blipFill rotWithShape="1">
+            <a:blip r:embed="rId7"/>
+            <a:srcRect r="61580" b="10212"/>
+            <a:stretch/>
+          </p:blipFill>
+          <p:spPr>
+            <a:xfrm>
+              <a:off x="6417742" y="292847"/>
+              <a:ext cx="1363622" cy="1644018"/>
+            </a:xfrm>
+            <a:prstGeom prst="rect">
+              <a:avLst/>
+            </a:prstGeom>
+          </p:spPr>
+        </p:pic>
+        <p:pic>
+          <p:nvPicPr>
+            <p:cNvPr id="4" name="Picture 3">
+              <a:extLst>
+                <a:ext uri="{FF2B5EF4-FFF2-40B4-BE49-F238E27FC236}">
+                  <a16:creationId xmlns:a16="http://schemas.microsoft.com/office/drawing/2014/main" id="{10A2BF83-6F04-42E4-83DE-DABEDBC2D3D4}"/>
+                </a:ext>
+              </a:extLst>
+            </p:cNvPr>
+            <p:cNvPicPr>
+              <a:picLocks noChangeAspect="1"/>
+            </p:cNvPicPr>
+            <p:nvPr/>
+          </p:nvPicPr>
+          <p:blipFill>
+            <a:blip r:embed="rId8"/>
+            <a:stretch>
+              <a:fillRect/>
+            </a:stretch>
+          </p:blipFill>
+          <p:spPr>
+            <a:xfrm>
+              <a:off x="7227916" y="853388"/>
+              <a:ext cx="2183389" cy="1164737"/>
+            </a:xfrm>
+            <a:prstGeom prst="rect">
+              <a:avLst/>
+            </a:prstGeom>
+          </p:spPr>
+        </p:pic>
+      </p:grpSp>
+      <p:sp>
+        <p:nvSpPr>
+          <p:cNvPr id="17" name="Right Arrow 9">
+            <a:extLst>
+              <a:ext uri="{FF2B5EF4-FFF2-40B4-BE49-F238E27FC236}">
+                <a16:creationId xmlns:a16="http://schemas.microsoft.com/office/drawing/2014/main" id="{6C975972-67CD-43DD-8E29-9A92107EB23B}"/>
+              </a:ext>
+            </a:extLst>
+          </p:cNvPr>
+          <p:cNvSpPr/>
+          <p:nvPr/>
+        </p:nvSpPr>
+        <p:spPr>
+          <a:xfrm rot="10800000">
+            <a:off x="7529541" y="1376763"/>
+            <a:ext cx="503645" cy="388471"/>
+          </a:xfrm>
+          <a:prstGeom prst="rightArrow">
+            <a:avLst/>
+          </a:prstGeom>
+        </p:spPr>
+        <p:style>
+          <a:lnRef idx="2">
+            <a:schemeClr val="accent1">
+              <a:shade val="50000"/>
+            </a:schemeClr>
+          </a:lnRef>
+          <a:fillRef idx="1">
+            <a:schemeClr val="accent1"/>
+          </a:fillRef>
+          <a:effectRef idx="0">
+            <a:schemeClr val="accent1"/>
+          </a:effectRef>
+          <a:fontRef idx="minor">
+            <a:schemeClr val="lt1"/>
+          </a:fontRef>
+        </p:style>
+        <p:txBody>
+          <a:bodyPr rtlCol="0" anchor="ctr"/>
+          <a:lstStyle/>
+          <a:p>
+            <a:pPr algn="ctr"/>
+            <a:endParaRPr lang="en-US"/>
+          </a:p>
+        </p:txBody>
+      </p:sp>
+      <p:grpSp>
+        <p:nvGrpSpPr>
+          <p:cNvPr id="20" name="Group 19">
+            <a:extLst>
+              <a:ext uri="{FF2B5EF4-FFF2-40B4-BE49-F238E27FC236}">
+                <a16:creationId xmlns:a16="http://schemas.microsoft.com/office/drawing/2014/main" id="{49E46F4C-45D4-4AB5-83A4-1046B88E7CB1}"/>
+              </a:ext>
+            </a:extLst>
+          </p:cNvPr>
+          <p:cNvGrpSpPr/>
+          <p:nvPr/>
+        </p:nvGrpSpPr>
+        <p:grpSpPr>
+          <a:xfrm>
+            <a:off x="4705900" y="569765"/>
+            <a:ext cx="2328446" cy="2002464"/>
+            <a:chOff x="4400708" y="802178"/>
+            <a:chExt cx="2328446" cy="2002464"/>
+          </a:xfrm>
+        </p:grpSpPr>
+        <p:pic>
+          <p:nvPicPr>
+            <p:cNvPr id="9" name="Picture 8"/>
+            <p:cNvPicPr>
+              <a:picLocks noChangeAspect="1"/>
+            </p:cNvPicPr>
+            <p:nvPr/>
+          </p:nvPicPr>
+          <p:blipFill rotWithShape="1">
+            <a:blip r:embed="rId9"/>
+            <a:srcRect r="27238" b="48395"/>
+            <a:stretch/>
+          </p:blipFill>
+          <p:spPr>
+            <a:xfrm>
+              <a:off x="4400708" y="802178"/>
+              <a:ext cx="2328446" cy="1009997"/>
+            </a:xfrm>
+            <a:prstGeom prst="rect">
+              <a:avLst/>
+            </a:prstGeom>
+          </p:spPr>
+        </p:pic>
+        <p:pic>
+          <p:nvPicPr>
+            <p:cNvPr id="18" name="Picture 17">
+              <a:extLst>
+                <a:ext uri="{FF2B5EF4-FFF2-40B4-BE49-F238E27FC236}">
+                  <a16:creationId xmlns:a16="http://schemas.microsoft.com/office/drawing/2014/main" id="{D2515374-9D42-4F50-A33E-FAD9935B913A}"/>
+                </a:ext>
+              </a:extLst>
+            </p:cNvPr>
+            <p:cNvPicPr>
+              <a:picLocks noChangeAspect="1"/>
+            </p:cNvPicPr>
+            <p:nvPr/>
+          </p:nvPicPr>
+          <p:blipFill rotWithShape="1">
+            <a:blip r:embed="rId9"/>
+            <a:srcRect t="66327" r="27238"/>
+            <a:stretch/>
+          </p:blipFill>
+          <p:spPr>
+            <a:xfrm>
+              <a:off x="4400708" y="2145612"/>
+              <a:ext cx="2328446" cy="659030"/>
+            </a:xfrm>
+            <a:prstGeom prst="rect">
+              <a:avLst/>
+            </a:prstGeom>
+          </p:spPr>
+        </p:pic>
+        <p:pic>
+          <p:nvPicPr>
+            <p:cNvPr id="19" name="Picture 18">
+              <a:extLst>
+                <a:ext uri="{FF2B5EF4-FFF2-40B4-BE49-F238E27FC236}">
+                  <a16:creationId xmlns:a16="http://schemas.microsoft.com/office/drawing/2014/main" id="{F4200C83-D369-4546-9ED0-EBF30C26CD2F}"/>
+                </a:ext>
+              </a:extLst>
+            </p:cNvPr>
+            <p:cNvPicPr>
+              <a:picLocks noChangeAspect="1"/>
+            </p:cNvPicPr>
+            <p:nvPr/>
+          </p:nvPicPr>
+          <p:blipFill>
+            <a:blip r:embed="rId10"/>
+            <a:stretch>
+              <a:fillRect/>
+            </a:stretch>
+          </p:blipFill>
+          <p:spPr>
+            <a:xfrm>
+              <a:off x="4709110" y="1812175"/>
+              <a:ext cx="1711642" cy="333437"/>
+            </a:xfrm>
+            <a:prstGeom prst="rect">
+              <a:avLst/>
+            </a:prstGeom>
+          </p:spPr>
+        </p:pic>
+      </p:grpSp>
+      <p:sp>
+        <p:nvSpPr>
+          <p:cNvPr id="22" name="Arrow: Bent-Up 21">
+            <a:extLst>
+              <a:ext uri="{FF2B5EF4-FFF2-40B4-BE49-F238E27FC236}">
+                <a16:creationId xmlns:a16="http://schemas.microsoft.com/office/drawing/2014/main" id="{2B17BA47-75E3-4747-B5B0-BE936FAEE3B1}"/>
+              </a:ext>
+            </a:extLst>
+          </p:cNvPr>
+          <p:cNvSpPr/>
+          <p:nvPr/>
+        </p:nvSpPr>
+        <p:spPr>
+          <a:xfrm rot="5400000">
+            <a:off x="5571276" y="2730847"/>
+            <a:ext cx="1425776" cy="1396307"/>
+          </a:xfrm>
+          <a:prstGeom prst="bentUpArrow">
+            <a:avLst>
+              <a:gd name="adj1" fmla="val 17261"/>
+              <a:gd name="adj2" fmla="val 20088"/>
+              <a:gd name="adj3" fmla="val 25893"/>
+            </a:avLst>
+          </a:prstGeom>
+        </p:spPr>
+        <p:style>
+          <a:lnRef idx="2">
+            <a:schemeClr val="accent1">
+              <a:shade val="50000"/>
+            </a:schemeClr>
+          </a:lnRef>
+          <a:fillRef idx="1">
+            <a:schemeClr val="accent1"/>
+          </a:fillRef>
+          <a:effectRef idx="0">
+            <a:schemeClr val="accent1"/>
+          </a:effectRef>
+          <a:fontRef idx="minor">
+            <a:schemeClr val="lt1"/>
+          </a:fontRef>
+        </p:style>
+        <p:txBody>
+          <a:bodyPr rtlCol="0" anchor="ctr"/>
+          <a:lstStyle/>
+          <a:p>
+            <a:pPr algn="ctr"/>
+            <a:endParaRPr lang="en-US"/>
+          </a:p>
+        </p:txBody>
+      </p:sp>
+    </p:spTree>
+    <p:extLst>
+      <p:ext uri="{BB962C8B-B14F-4D97-AF65-F5344CB8AC3E}">
+        <p14:creationId xmlns:p14="http://schemas.microsoft.com/office/powerpoint/2010/main" val="476539964"/>
       </p:ext>
     </p:extLst>
   </p:cSld>
@@ -4445,274 +6428,296 @@
           <a:chExt cx="0" cy="0"/>
         </a:xfrm>
       </p:grpSpPr>
-      <p:pic>
-        <p:nvPicPr>
-          <p:cNvPr id="6" name="Picture 5"/>
-          <p:cNvPicPr>
-            <a:picLocks noChangeAspect="1"/>
-          </p:cNvPicPr>
-          <p:nvPr/>
-        </p:nvPicPr>
-        <p:blipFill>
-          <a:blip r:embed="rId2"/>
-          <a:stretch>
-            <a:fillRect/>
-          </a:stretch>
-        </p:blipFill>
+      <p:sp>
+        <p:nvSpPr>
+          <p:cNvPr id="2" name="Title 1">
+            <a:extLst>
+              <a:ext uri="{FF2B5EF4-FFF2-40B4-BE49-F238E27FC236}">
+                <a16:creationId xmlns:a16="http://schemas.microsoft.com/office/drawing/2014/main" id="{D21888E8-500D-4455-AD35-F4DC714207B6}"/>
+              </a:ext>
+            </a:extLst>
+          </p:cNvPr>
+          <p:cNvSpPr>
+            <a:spLocks noGrp="1"/>
+          </p:cNvSpPr>
+          <p:nvPr>
+            <p:ph type="title"/>
+          </p:nvPr>
+        </p:nvSpPr>
         <p:spPr>
           <a:xfrm>
-            <a:off x="321578" y="292847"/>
-            <a:ext cx="3467290" cy="2516641"/>
+            <a:off x="838200" y="365126"/>
+            <a:ext cx="10515600" cy="557588"/>
           </a:xfrm>
-          <a:prstGeom prst="rect">
-            <a:avLst/>
-          </a:prstGeom>
         </p:spPr>
-      </p:pic>
-      <p:pic>
-        <p:nvPicPr>
-          <p:cNvPr id="7" name="Picture 6"/>
-          <p:cNvPicPr>
-            <a:picLocks noChangeAspect="1"/>
-          </p:cNvPicPr>
-          <p:nvPr/>
-        </p:nvPicPr>
-        <p:blipFill>
-          <a:blip r:embed="rId3"/>
-          <a:stretch>
-            <a:fillRect/>
-          </a:stretch>
-        </p:blipFill>
+        <p:txBody>
+          <a:bodyPr>
+            <a:normAutofit/>
+          </a:bodyPr>
+          <a:lstStyle/>
+          <a:p>
+            <a:r>
+              <a:rPr lang="en-US" sz="2800" b="1" dirty="0"/>
+              <a:t>ARIMA Model Forecasting</a:t>
+            </a:r>
+          </a:p>
+        </p:txBody>
+      </p:sp>
+      <p:sp>
+        <p:nvSpPr>
+          <p:cNvPr id="3" name="Content Placeholder 2">
+            <a:extLst>
+              <a:ext uri="{FF2B5EF4-FFF2-40B4-BE49-F238E27FC236}">
+                <a16:creationId xmlns:a16="http://schemas.microsoft.com/office/drawing/2014/main" id="{CF9F60B2-44C3-45C6-9DDB-1780F73DD7C5}"/>
+              </a:ext>
+            </a:extLst>
+          </p:cNvPr>
+          <p:cNvSpPr>
+            <a:spLocks noGrp="1"/>
+          </p:cNvSpPr>
+          <p:nvPr>
+            <p:ph idx="1"/>
+          </p:nvPr>
+        </p:nvSpPr>
         <p:spPr>
           <a:xfrm>
-            <a:off x="4260358" y="1090624"/>
-            <a:ext cx="3921053" cy="1373132"/>
+            <a:off x="838199" y="922714"/>
+            <a:ext cx="4560917" cy="5254249"/>
           </a:xfrm>
-          <a:prstGeom prst="rect">
-            <a:avLst/>
-          </a:prstGeom>
         </p:spPr>
-      </p:pic>
-      <p:pic>
-        <p:nvPicPr>
-          <p:cNvPr id="8" name="Picture 7"/>
-          <p:cNvPicPr>
-            <a:picLocks noChangeAspect="1"/>
-          </p:cNvPicPr>
-          <p:nvPr/>
-        </p:nvPicPr>
-        <p:blipFill>
-          <a:blip r:embed="rId4"/>
-          <a:stretch>
-            <a:fillRect/>
-          </a:stretch>
-        </p:blipFill>
-        <p:spPr>
-          <a:xfrm>
-            <a:off x="321578" y="2907944"/>
-            <a:ext cx="3549282" cy="1831006"/>
-          </a:xfrm>
-          <a:prstGeom prst="rect">
-            <a:avLst/>
-          </a:prstGeom>
-        </p:spPr>
-      </p:pic>
-      <p:pic>
-        <p:nvPicPr>
-          <p:cNvPr id="9" name="Picture 8"/>
-          <p:cNvPicPr>
-            <a:picLocks noChangeAspect="1"/>
-          </p:cNvPicPr>
-          <p:nvPr/>
-        </p:nvPicPr>
-        <p:blipFill>
-          <a:blip r:embed="rId5"/>
-          <a:stretch>
-            <a:fillRect/>
-          </a:stretch>
-        </p:blipFill>
-        <p:spPr>
-          <a:xfrm>
-            <a:off x="5555851" y="3465087"/>
-            <a:ext cx="3200073" cy="1957156"/>
-          </a:xfrm>
-          <a:prstGeom prst="rect">
-            <a:avLst/>
-          </a:prstGeom>
-        </p:spPr>
-      </p:pic>
-      <p:sp>
-        <p:nvSpPr>
-          <p:cNvPr id="10" name="Right Arrow 9"/>
-          <p:cNvSpPr/>
-          <p:nvPr/>
-        </p:nvSpPr>
-        <p:spPr>
-          <a:xfrm>
-            <a:off x="4043417" y="3629211"/>
-            <a:ext cx="1304639" cy="388471"/>
-          </a:xfrm>
-          <a:prstGeom prst="rightArrow">
-            <a:avLst/>
-          </a:prstGeom>
-        </p:spPr>
-        <p:style>
-          <a:lnRef idx="2">
-            <a:schemeClr val="accent1">
-              <a:shade val="50000"/>
-            </a:schemeClr>
-          </a:lnRef>
-          <a:fillRef idx="1">
-            <a:schemeClr val="accent1"/>
-          </a:fillRef>
-          <a:effectRef idx="0">
-            <a:schemeClr val="accent1"/>
-          </a:effectRef>
-          <a:fontRef idx="minor">
-            <a:schemeClr val="lt1"/>
-          </a:fontRef>
-        </p:style>
-        <p:txBody>
-          <a:bodyPr rtlCol="0" anchor="ctr"/>
+        <p:txBody>
+          <a:bodyPr>
+            <a:normAutofit/>
+          </a:bodyPr>
           <a:lstStyle/>
           <a:p>
-            <a:pPr algn="ctr"/>
-            <a:endParaRPr lang="en-US"/>
-          </a:p>
-        </p:txBody>
-      </p:sp>
-      <p:sp>
-        <p:nvSpPr>
-          <p:cNvPr id="11" name="Right Arrow 10"/>
-          <p:cNvSpPr/>
-          <p:nvPr/>
-        </p:nvSpPr>
-        <p:spPr>
-          <a:xfrm rot="5400000">
-            <a:off x="6112121" y="2870228"/>
-            <a:ext cx="605999" cy="388471"/>
-          </a:xfrm>
-          <a:prstGeom prst="rightArrow">
-            <a:avLst/>
-          </a:prstGeom>
-        </p:spPr>
-        <p:style>
-          <a:lnRef idx="2">
-            <a:schemeClr val="accent1">
-              <a:shade val="50000"/>
-            </a:schemeClr>
-          </a:lnRef>
-          <a:fillRef idx="1">
-            <a:schemeClr val="accent1"/>
-          </a:fillRef>
-          <a:effectRef idx="0">
-            <a:schemeClr val="accent1"/>
-          </a:effectRef>
-          <a:fontRef idx="minor">
-            <a:schemeClr val="lt1"/>
-          </a:fontRef>
-        </p:style>
-        <p:txBody>
-          <a:bodyPr rtlCol="0" anchor="ctr"/>
-          <a:lstStyle/>
-          <a:p>
-            <a:pPr algn="ctr"/>
-            <a:endParaRPr lang="en-US"/>
-          </a:p>
-        </p:txBody>
-      </p:sp>
-      <p:pic>
-        <p:nvPicPr>
-          <p:cNvPr id="12" name="Picture 11"/>
-          <p:cNvPicPr>
-            <a:picLocks noChangeAspect="1"/>
-          </p:cNvPicPr>
-          <p:nvPr/>
-        </p:nvPicPr>
-        <p:blipFill>
-          <a:blip r:embed="rId6"/>
-          <a:stretch>
-            <a:fillRect/>
-          </a:stretch>
-        </p:blipFill>
-        <p:spPr>
-          <a:xfrm>
-            <a:off x="321578" y="5063607"/>
-            <a:ext cx="4243969" cy="1551598"/>
-          </a:xfrm>
-          <a:prstGeom prst="rect">
-            <a:avLst/>
-          </a:prstGeom>
-        </p:spPr>
-      </p:pic>
-      <p:pic>
-        <p:nvPicPr>
-          <p:cNvPr id="13" name="Picture 12"/>
-          <p:cNvPicPr>
-            <a:picLocks noChangeAspect="1"/>
-          </p:cNvPicPr>
-          <p:nvPr/>
-        </p:nvPicPr>
-        <p:blipFill>
-          <a:blip r:embed="rId7"/>
-          <a:stretch>
-            <a:fillRect/>
-          </a:stretch>
-        </p:blipFill>
-        <p:spPr>
-          <a:xfrm>
-            <a:off x="7781364" y="5069696"/>
-            <a:ext cx="3182419" cy="1545509"/>
-          </a:xfrm>
-          <a:prstGeom prst="rect">
-            <a:avLst/>
-          </a:prstGeom>
-        </p:spPr>
-      </p:pic>
-      <p:sp>
-        <p:nvSpPr>
-          <p:cNvPr id="14" name="Right Arrow 13"/>
-          <p:cNvSpPr/>
-          <p:nvPr/>
-        </p:nvSpPr>
-        <p:spPr>
-          <a:xfrm>
-            <a:off x="4814382" y="5971988"/>
-            <a:ext cx="2799642" cy="388471"/>
-          </a:xfrm>
-          <a:prstGeom prst="rightArrow">
-            <a:avLst/>
-          </a:prstGeom>
-        </p:spPr>
-        <p:style>
-          <a:lnRef idx="2">
-            <a:schemeClr val="accent1">
-              <a:shade val="50000"/>
-            </a:schemeClr>
-          </a:lnRef>
-          <a:fillRef idx="1">
-            <a:schemeClr val="accent1"/>
-          </a:fillRef>
-          <a:effectRef idx="0">
-            <a:schemeClr val="accent1"/>
-          </a:effectRef>
-          <a:fontRef idx="minor">
-            <a:schemeClr val="lt1"/>
-          </a:fontRef>
-        </p:style>
-        <p:txBody>
-          <a:bodyPr rtlCol="0" anchor="ctr"/>
-          <a:lstStyle/>
-          <a:p>
-            <a:pPr algn="ctr"/>
-            <a:endParaRPr lang="en-US"/>
+            <a:r>
+              <a:rPr lang="en-US" sz="1800" dirty="0"/>
+              <a:t>Loading single time-series</a:t>
+            </a:r>
+          </a:p>
+          <a:p>
+            <a:r>
+              <a:rPr lang="en-US" sz="1800" dirty="0"/>
+              <a:t>Loading multiple time-series</a:t>
+            </a:r>
+          </a:p>
+          <a:p>
+            <a:r>
+              <a:rPr lang="en-US" sz="1800" dirty="0"/>
+              <a:t>Plotting time-series to observe</a:t>
+            </a:r>
+          </a:p>
+          <a:p>
+            <a:pPr lvl="1"/>
+            <a:r>
+              <a:rPr lang="en-US" sz="1100" dirty="0"/>
+              <a:t>Stationarity </a:t>
+            </a:r>
+            <a:r>
+              <a:rPr lang="en-US" sz="1100" dirty="0">
+                <a:sym typeface="Wingdings" panose="05000000000000000000" pitchFamily="2" charset="2"/>
+              </a:rPr>
+              <a:t> trend, </a:t>
+            </a:r>
+            <a:r>
+              <a:rPr lang="en-US" sz="1100" dirty="0" err="1">
+                <a:sym typeface="Wingdings" panose="05000000000000000000" pitchFamily="2" charset="2"/>
+              </a:rPr>
+              <a:t>skedasticity</a:t>
+            </a:r>
+            <a:r>
+              <a:rPr lang="en-US" sz="1100" dirty="0">
+                <a:sym typeface="Wingdings" panose="05000000000000000000" pitchFamily="2" charset="2"/>
+              </a:rPr>
+              <a:t>, autocorrelation</a:t>
+            </a:r>
+          </a:p>
+          <a:p>
+            <a:pPr lvl="1"/>
+            <a:r>
+              <a:rPr lang="en-US" sz="1100" dirty="0">
+                <a:sym typeface="Wingdings" panose="05000000000000000000" pitchFamily="2" charset="2"/>
+              </a:rPr>
+              <a:t>Periodicity  seasonality, cyclicality</a:t>
+            </a:r>
+          </a:p>
+          <a:p>
+            <a:r>
+              <a:rPr lang="en-US" sz="1500" dirty="0">
+                <a:sym typeface="Wingdings" panose="05000000000000000000" pitchFamily="2" charset="2"/>
+              </a:rPr>
+              <a:t>Augmented Dicky-Fuller test for trend stationarity – </a:t>
+            </a:r>
+            <a:r>
+              <a:rPr lang="en-US" sz="1200" i="1" dirty="0">
+                <a:sym typeface="Wingdings" panose="05000000000000000000" pitchFamily="2" charset="2"/>
+              </a:rPr>
+              <a:t>what about testing for </a:t>
+            </a:r>
+            <a:r>
+              <a:rPr lang="en-US" sz="1200" i="1" dirty="0" err="1">
+                <a:sym typeface="Wingdings" panose="05000000000000000000" pitchFamily="2" charset="2"/>
+              </a:rPr>
+              <a:t>skedasticity</a:t>
+            </a:r>
+            <a:r>
+              <a:rPr lang="en-US" sz="1200" i="1" dirty="0">
+                <a:sym typeface="Wingdings" panose="05000000000000000000" pitchFamily="2" charset="2"/>
+              </a:rPr>
+              <a:t> and autocorrelation?</a:t>
+            </a:r>
+            <a:endParaRPr lang="en-US" sz="1500" i="1" dirty="0">
+              <a:sym typeface="Wingdings" panose="05000000000000000000" pitchFamily="2" charset="2"/>
+            </a:endParaRPr>
+          </a:p>
+          <a:p>
+            <a:r>
+              <a:rPr lang="en-US" sz="1500" dirty="0">
+                <a:sym typeface="Wingdings" panose="05000000000000000000" pitchFamily="2" charset="2"/>
+              </a:rPr>
+              <a:t>Converting non-stationary TS to stationary TS –</a:t>
+            </a:r>
+            <a:br>
+              <a:rPr lang="en-US" sz="1500" dirty="0">
+                <a:sym typeface="Wingdings" panose="05000000000000000000" pitchFamily="2" charset="2"/>
+              </a:rPr>
+            </a:br>
+            <a:r>
+              <a:rPr lang="en-US" sz="1200" i="1" dirty="0">
+                <a:sym typeface="Wingdings" panose="05000000000000000000" pitchFamily="2" charset="2"/>
+              </a:rPr>
+              <a:t>how does inverse transforms work?</a:t>
+            </a:r>
+          </a:p>
+          <a:p>
+            <a:pPr lvl="1"/>
+            <a:r>
+              <a:rPr lang="en-US" sz="1100" dirty="0">
+                <a:sym typeface="Wingdings" panose="05000000000000000000" pitchFamily="2" charset="2"/>
+              </a:rPr>
+              <a:t>nth order differencing</a:t>
+            </a:r>
+          </a:p>
+          <a:p>
+            <a:pPr lvl="1"/>
+            <a:r>
+              <a:rPr lang="en-US" sz="1100" dirty="0">
+                <a:sym typeface="Wingdings" panose="05000000000000000000" pitchFamily="2" charset="2"/>
+              </a:rPr>
+              <a:t>proportional change</a:t>
+            </a:r>
+          </a:p>
+          <a:p>
+            <a:pPr lvl="1"/>
+            <a:r>
+              <a:rPr lang="en-US" sz="1100" dirty="0">
+                <a:sym typeface="Wingdings" panose="05000000000000000000" pitchFamily="2" charset="2"/>
+              </a:rPr>
+              <a:t>square root</a:t>
+            </a:r>
+          </a:p>
+          <a:p>
+            <a:pPr lvl="1"/>
+            <a:r>
+              <a:rPr lang="en-US" sz="1100" dirty="0">
+                <a:sym typeface="Wingdings" panose="05000000000000000000" pitchFamily="2" charset="2"/>
+              </a:rPr>
+              <a:t>log </a:t>
+            </a:r>
+          </a:p>
+          <a:p>
+            <a:r>
+              <a:rPr lang="en-US" sz="1500" dirty="0">
+                <a:sym typeface="Wingdings" panose="05000000000000000000" pitchFamily="2" charset="2"/>
+              </a:rPr>
+              <a:t>Retesting for stationarity</a:t>
+            </a:r>
+          </a:p>
+          <a:p>
+            <a:r>
+              <a:rPr lang="en-US" sz="1500" dirty="0">
+                <a:sym typeface="Wingdings" panose="05000000000000000000" pitchFamily="2" charset="2"/>
+              </a:rPr>
+              <a:t>Fit a preliminary </a:t>
+            </a:r>
+            <a:r>
+              <a:rPr lang="en-US" sz="1500" dirty="0" err="1">
+                <a:sym typeface="Wingdings" panose="05000000000000000000" pitchFamily="2" charset="2"/>
+              </a:rPr>
+              <a:t>ARMA</a:t>
+            </a:r>
+            <a:r>
+              <a:rPr lang="en-US" sz="1500" dirty="0">
+                <a:sym typeface="Wingdings" panose="05000000000000000000" pitchFamily="2" charset="2"/>
+              </a:rPr>
+              <a:t> model –</a:t>
+            </a:r>
+            <a:br>
+              <a:rPr lang="en-US" sz="1500" dirty="0">
+                <a:sym typeface="Wingdings" panose="05000000000000000000" pitchFamily="2" charset="2"/>
+              </a:rPr>
+            </a:br>
+            <a:r>
+              <a:rPr lang="en-US" sz="1200" i="1" dirty="0">
+                <a:sym typeface="Wingdings" panose="05000000000000000000" pitchFamily="2" charset="2"/>
+              </a:rPr>
+              <a:t>why is an MA model a moving average model?</a:t>
+            </a:r>
+            <a:br>
+              <a:rPr lang="en-US" sz="1200" i="1" dirty="0">
+                <a:sym typeface="Wingdings" panose="05000000000000000000" pitchFamily="2" charset="2"/>
+              </a:rPr>
+            </a:br>
+            <a:r>
+              <a:rPr lang="en-US" sz="1200" i="1" dirty="0">
+                <a:sym typeface="Wingdings" panose="05000000000000000000" pitchFamily="2" charset="2"/>
+              </a:rPr>
+              <a:t>from where are the shock terms in the MA model derived?</a:t>
+            </a:r>
+            <a:br>
+              <a:rPr lang="en-US" sz="1200" i="1" dirty="0">
+                <a:sym typeface="Wingdings" panose="05000000000000000000" pitchFamily="2" charset="2"/>
+              </a:rPr>
+            </a:br>
+            <a:r>
+              <a:rPr lang="en-US" sz="1200" i="1" dirty="0">
+                <a:sym typeface="Wingdings" panose="05000000000000000000" pitchFamily="2" charset="2"/>
+              </a:rPr>
+              <a:t>how are the p and q model orders chosen?</a:t>
+            </a:r>
+            <a:br>
+              <a:rPr lang="en-US" sz="1200" i="1" dirty="0">
+                <a:sym typeface="Wingdings" panose="05000000000000000000" pitchFamily="2" charset="2"/>
+              </a:rPr>
+            </a:br>
+            <a:br>
+              <a:rPr lang="en-US" sz="1500" dirty="0">
+                <a:sym typeface="Wingdings" panose="05000000000000000000" pitchFamily="2" charset="2"/>
+              </a:rPr>
+            </a:br>
+            <a:endParaRPr lang="en-US" sz="1500" dirty="0">
+              <a:sym typeface="Wingdings" panose="05000000000000000000" pitchFamily="2" charset="2"/>
+            </a:endParaRPr>
+          </a:p>
+          <a:p>
+            <a:pPr lvl="1"/>
+            <a:endParaRPr lang="en-US" sz="1100" dirty="0">
+              <a:sym typeface="Wingdings" panose="05000000000000000000" pitchFamily="2" charset="2"/>
+            </a:endParaRPr>
+          </a:p>
+          <a:p>
+            <a:endParaRPr lang="en-US" sz="1500" dirty="0"/>
+          </a:p>
+          <a:p>
+            <a:endParaRPr lang="en-US" sz="1800" dirty="0"/>
           </a:p>
         </p:txBody>
       </p:sp>
     </p:spTree>
     <p:extLst>
       <p:ext uri="{BB962C8B-B14F-4D97-AF65-F5344CB8AC3E}">
-        <p14:creationId xmlns:p14="http://schemas.microsoft.com/office/powerpoint/2010/main" val="476539964"/>
+        <p14:creationId xmlns:p14="http://schemas.microsoft.com/office/powerpoint/2010/main" val="1680492806"/>
       </p:ext>
     </p:extLst>
   </p:cSld>
@@ -4739,97 +6744,230 @@
           <a:chExt cx="0" cy="0"/>
         </a:xfrm>
       </p:grpSpPr>
+      <p:sp>
+        <p:nvSpPr>
+          <p:cNvPr id="2" name="Title 1">
+            <a:extLst>
+              <a:ext uri="{FF2B5EF4-FFF2-40B4-BE49-F238E27FC236}">
+                <a16:creationId xmlns:a16="http://schemas.microsoft.com/office/drawing/2014/main" id="{B4A4D2FB-994A-4081-AAB3-1BF22E8841B0}"/>
+              </a:ext>
+            </a:extLst>
+          </p:cNvPr>
+          <p:cNvSpPr>
+            <a:spLocks noGrp="1"/>
+          </p:cNvSpPr>
+          <p:nvPr>
+            <p:ph type="title"/>
+          </p:nvPr>
+        </p:nvSpPr>
+        <p:spPr/>
+        <p:txBody>
+          <a:bodyPr>
+            <a:normAutofit/>
+          </a:bodyPr>
+          <a:lstStyle/>
+          <a:p>
+            <a:r>
+              <a:rPr lang="en-US" sz="4400" dirty="0"/>
+              <a:t>Forecasting Using ARIMA Models in Python</a:t>
+            </a:r>
+          </a:p>
+        </p:txBody>
+      </p:sp>
+      <p:sp>
+        <p:nvSpPr>
+          <p:cNvPr id="3" name="Text Placeholder 2">
+            <a:extLst>
+              <a:ext uri="{FF2B5EF4-FFF2-40B4-BE49-F238E27FC236}">
+                <a16:creationId xmlns:a16="http://schemas.microsoft.com/office/drawing/2014/main" id="{C730F032-0C60-43A0-80D0-215C7FF04611}"/>
+              </a:ext>
+            </a:extLst>
+          </p:cNvPr>
+          <p:cNvSpPr>
+            <a:spLocks noGrp="1"/>
+          </p:cNvSpPr>
+          <p:nvPr>
+            <p:ph type="body" idx="1"/>
+          </p:nvPr>
+        </p:nvSpPr>
+        <p:spPr/>
+        <p:txBody>
+          <a:bodyPr/>
+          <a:lstStyle/>
+          <a:p>
+            <a:r>
+              <a:rPr lang="en-US" dirty="0"/>
+              <a:t>Fitting the Future</a:t>
+            </a:r>
+          </a:p>
+        </p:txBody>
+      </p:sp>
+    </p:spTree>
+    <p:extLst>
+      <p:ext uri="{BB962C8B-B14F-4D97-AF65-F5344CB8AC3E}">
+        <p14:creationId xmlns:p14="http://schemas.microsoft.com/office/powerpoint/2010/main" val="1961006015"/>
+      </p:ext>
+    </p:extLst>
+  </p:cSld>
+  <p:clrMapOvr>
+    <a:masterClrMapping/>
+  </p:clrMapOvr>
+</p:sld>
+</file>
+
+<file path=ppt/slides/slide8.xml><?xml version="1.0" encoding="utf-8"?>
+<p:sld xmlns:a="http://schemas.openxmlformats.org/drawingml/2006/main" xmlns:r="http://schemas.openxmlformats.org/officeDocument/2006/relationships" xmlns:p="http://schemas.openxmlformats.org/presentationml/2006/main">
+  <p:cSld>
+    <p:spTree>
+      <p:nvGrpSpPr>
+        <p:cNvPr id="1" name=""/>
+        <p:cNvGrpSpPr/>
+        <p:nvPr/>
+      </p:nvGrpSpPr>
+      <p:grpSpPr>
+        <a:xfrm>
+          <a:off x="0" y="0"/>
+          <a:ext cx="0" cy="0"/>
+          <a:chOff x="0" y="0"/>
+          <a:chExt cx="0" cy="0"/>
+        </a:xfrm>
+      </p:grpSpPr>
+      <p:grpSp>
+        <p:nvGrpSpPr>
+          <p:cNvPr id="2" name="Group 1">
+            <a:extLst>
+              <a:ext uri="{FF2B5EF4-FFF2-40B4-BE49-F238E27FC236}">
+                <a16:creationId xmlns:a16="http://schemas.microsoft.com/office/drawing/2014/main" id="{F31607D5-88DF-4F9D-8C6B-274CD1649B05}"/>
+              </a:ext>
+            </a:extLst>
+          </p:cNvPr>
+          <p:cNvGrpSpPr/>
+          <p:nvPr/>
+        </p:nvGrpSpPr>
+        <p:grpSpPr>
+          <a:xfrm>
+            <a:off x="1398788" y="2910579"/>
+            <a:ext cx="5757080" cy="3088633"/>
+            <a:chOff x="251011" y="3569670"/>
+            <a:chExt cx="5757080" cy="3088633"/>
+          </a:xfrm>
+        </p:grpSpPr>
+        <p:pic>
+          <p:nvPicPr>
+            <p:cNvPr id="3" name="Picture 2">
+              <a:extLst>
+                <a:ext uri="{FF2B5EF4-FFF2-40B4-BE49-F238E27FC236}">
+                  <a16:creationId xmlns:a16="http://schemas.microsoft.com/office/drawing/2014/main" id="{17AC65FD-FF09-4BCE-B98D-C28C86D5FB80}"/>
+                </a:ext>
+              </a:extLst>
+            </p:cNvPr>
+            <p:cNvPicPr>
+              <a:picLocks noChangeAspect="1"/>
+            </p:cNvPicPr>
+            <p:nvPr/>
+          </p:nvPicPr>
+          <p:blipFill>
+            <a:blip r:embed="rId2"/>
+            <a:stretch>
+              <a:fillRect/>
+            </a:stretch>
+          </p:blipFill>
+          <p:spPr>
+            <a:xfrm>
+              <a:off x="251011" y="4210402"/>
+              <a:ext cx="2014028" cy="1700842"/>
+            </a:xfrm>
+            <a:prstGeom prst="rect">
+              <a:avLst/>
+            </a:prstGeom>
+          </p:spPr>
+        </p:pic>
+        <p:pic>
+          <p:nvPicPr>
+            <p:cNvPr id="4" name="Picture 3">
+              <a:extLst>
+                <a:ext uri="{FF2B5EF4-FFF2-40B4-BE49-F238E27FC236}">
+                  <a16:creationId xmlns:a16="http://schemas.microsoft.com/office/drawing/2014/main" id="{E37D7253-A3EC-4CA8-95A6-7B798C33AF5C}"/>
+                </a:ext>
+              </a:extLst>
+            </p:cNvPr>
+            <p:cNvPicPr>
+              <a:picLocks noChangeAspect="1"/>
+            </p:cNvPicPr>
+            <p:nvPr/>
+          </p:nvPicPr>
+          <p:blipFill>
+            <a:blip r:embed="rId3"/>
+            <a:stretch>
+              <a:fillRect/>
+            </a:stretch>
+          </p:blipFill>
+          <p:spPr>
+            <a:xfrm>
+              <a:off x="3472329" y="3569670"/>
+              <a:ext cx="2535762" cy="3088633"/>
+            </a:xfrm>
+            <a:prstGeom prst="rect">
+              <a:avLst/>
+            </a:prstGeom>
+          </p:spPr>
+        </p:pic>
+        <p:sp>
+          <p:nvSpPr>
+            <p:cNvPr id="5" name="Right Arrow 13">
+              <a:extLst>
+                <a:ext uri="{FF2B5EF4-FFF2-40B4-BE49-F238E27FC236}">
+                  <a16:creationId xmlns:a16="http://schemas.microsoft.com/office/drawing/2014/main" id="{60238703-8AF8-4035-9EA7-CFFE37B40F7B}"/>
+                </a:ext>
+              </a:extLst>
+            </p:cNvPr>
+            <p:cNvSpPr/>
+            <p:nvPr/>
+          </p:nvSpPr>
+          <p:spPr>
+            <a:xfrm>
+              <a:off x="1996141" y="5522773"/>
+              <a:ext cx="1476188" cy="388471"/>
+            </a:xfrm>
+            <a:prstGeom prst="rightArrow">
+              <a:avLst/>
+            </a:prstGeom>
+          </p:spPr>
+          <p:style>
+            <a:lnRef idx="2">
+              <a:schemeClr val="accent1">
+                <a:shade val="50000"/>
+              </a:schemeClr>
+            </a:lnRef>
+            <a:fillRef idx="1">
+              <a:schemeClr val="accent1"/>
+            </a:fillRef>
+            <a:effectRef idx="0">
+              <a:schemeClr val="accent1"/>
+            </a:effectRef>
+            <a:fontRef idx="minor">
+              <a:schemeClr val="lt1"/>
+            </a:fontRef>
+          </p:style>
+          <p:txBody>
+            <a:bodyPr rtlCol="0" anchor="ctr"/>
+            <a:lstStyle/>
+            <a:p>
+              <a:pPr algn="ctr"/>
+              <a:endParaRPr lang="en-US"/>
+            </a:p>
+          </p:txBody>
+        </p:sp>
+      </p:grpSp>
       <p:pic>
         <p:nvPicPr>
-          <p:cNvPr id="2" name="Picture 1"/>
-          <p:cNvPicPr>
-            <a:picLocks noChangeAspect="1"/>
-          </p:cNvPicPr>
-          <p:nvPr/>
-        </p:nvPicPr>
-        <p:blipFill>
-          <a:blip r:embed="rId2"/>
-          <a:stretch>
-            <a:fillRect/>
-          </a:stretch>
-        </p:blipFill>
-        <p:spPr>
-          <a:xfrm>
-            <a:off x="304798" y="321278"/>
-            <a:ext cx="3441607" cy="1649358"/>
-          </a:xfrm>
-          <a:prstGeom prst="rect">
-            <a:avLst/>
-          </a:prstGeom>
-        </p:spPr>
-      </p:pic>
-      <p:pic>
-        <p:nvPicPr>
-          <p:cNvPr id="3" name="Picture 2"/>
-          <p:cNvPicPr>
-            <a:picLocks noChangeAspect="1"/>
-          </p:cNvPicPr>
-          <p:nvPr/>
-        </p:nvPicPr>
-        <p:blipFill>
-          <a:blip r:embed="rId3"/>
-          <a:stretch>
-            <a:fillRect/>
-          </a:stretch>
-        </p:blipFill>
-        <p:spPr>
-          <a:xfrm>
-            <a:off x="4467316" y="448235"/>
-            <a:ext cx="2537670" cy="2515253"/>
-          </a:xfrm>
-          <a:prstGeom prst="rect">
-            <a:avLst/>
-          </a:prstGeom>
-        </p:spPr>
-      </p:pic>
-      <p:sp>
-        <p:nvSpPr>
-          <p:cNvPr id="4" name="Right Arrow 3"/>
-          <p:cNvSpPr/>
-          <p:nvPr/>
-        </p:nvSpPr>
-        <p:spPr>
-          <a:xfrm>
-            <a:off x="1773385" y="1595085"/>
-            <a:ext cx="2517721" cy="221551"/>
-          </a:xfrm>
-          <a:prstGeom prst="rightArrow">
-            <a:avLst/>
-          </a:prstGeom>
-        </p:spPr>
-        <p:style>
-          <a:lnRef idx="2">
-            <a:schemeClr val="accent1">
-              <a:shade val="50000"/>
-            </a:schemeClr>
-          </a:lnRef>
-          <a:fillRef idx="1">
-            <a:schemeClr val="accent1"/>
-          </a:fillRef>
-          <a:effectRef idx="0">
-            <a:schemeClr val="accent1"/>
-          </a:effectRef>
-          <a:fontRef idx="minor">
-            <a:schemeClr val="lt1"/>
-          </a:fontRef>
-        </p:style>
-        <p:txBody>
-          <a:bodyPr rtlCol="0" anchor="ctr"/>
-          <a:lstStyle/>
-          <a:p>
-            <a:pPr algn="ctr"/>
-            <a:endParaRPr lang="en-US"/>
-          </a:p>
-        </p:txBody>
-      </p:sp>
-      <p:pic>
-        <p:nvPicPr>
-          <p:cNvPr id="5" name="Picture 4"/>
+          <p:cNvPr id="6" name="Picture 5">
+            <a:extLst>
+              <a:ext uri="{FF2B5EF4-FFF2-40B4-BE49-F238E27FC236}">
+                <a16:creationId xmlns:a16="http://schemas.microsoft.com/office/drawing/2014/main" id="{89B2B560-D032-4515-A5D0-6B7B9B4E0E46}"/>
+              </a:ext>
+            </a:extLst>
+          </p:cNvPr>
           <p:cNvPicPr>
             <a:picLocks noChangeAspect="1"/>
           </p:cNvPicPr>
@@ -4843,144 +6981,8 @@
         </p:blipFill>
         <p:spPr>
           <a:xfrm>
-            <a:off x="499086" y="3646169"/>
-            <a:ext cx="5925620" cy="278489"/>
-          </a:xfrm>
-          <a:prstGeom prst="rect">
-            <a:avLst/>
-          </a:prstGeom>
-        </p:spPr>
-      </p:pic>
-      <p:pic>
-        <p:nvPicPr>
-          <p:cNvPr id="6" name="Picture 5"/>
-          <p:cNvPicPr>
-            <a:picLocks noChangeAspect="1"/>
-          </p:cNvPicPr>
-          <p:nvPr/>
-        </p:nvPicPr>
-        <p:blipFill>
-          <a:blip r:embed="rId5"/>
-          <a:stretch>
-            <a:fillRect/>
-          </a:stretch>
-        </p:blipFill>
-        <p:spPr>
-          <a:xfrm>
-            <a:off x="717175" y="4056189"/>
-            <a:ext cx="4213875" cy="2049041"/>
-          </a:xfrm>
-          <a:prstGeom prst="rect">
-            <a:avLst/>
-          </a:prstGeom>
-        </p:spPr>
-      </p:pic>
-      <p:pic>
-        <p:nvPicPr>
-          <p:cNvPr id="7" name="Picture 6"/>
-          <p:cNvPicPr>
-            <a:picLocks noChangeAspect="1"/>
-          </p:cNvPicPr>
-          <p:nvPr/>
-        </p:nvPicPr>
-        <p:blipFill>
-          <a:blip r:embed="rId6"/>
-          <a:stretch>
-            <a:fillRect/>
-          </a:stretch>
-        </p:blipFill>
-        <p:spPr>
-          <a:xfrm>
-            <a:off x="5119695" y="4579655"/>
-            <a:ext cx="2044664" cy="2041071"/>
-          </a:xfrm>
-          <a:prstGeom prst="rect">
-            <a:avLst/>
-          </a:prstGeom>
-        </p:spPr>
-      </p:pic>
-      <p:sp>
-        <p:nvSpPr>
-          <p:cNvPr id="8" name="Right Arrow 7"/>
-          <p:cNvSpPr/>
-          <p:nvPr/>
-        </p:nvSpPr>
-        <p:spPr>
-          <a:xfrm>
-            <a:off x="2366098" y="5731722"/>
-            <a:ext cx="2695972" cy="221551"/>
-          </a:xfrm>
-          <a:prstGeom prst="rightArrow">
-            <a:avLst/>
-          </a:prstGeom>
-        </p:spPr>
-        <p:style>
-          <a:lnRef idx="2">
-            <a:schemeClr val="accent1">
-              <a:shade val="50000"/>
-            </a:schemeClr>
-          </a:lnRef>
-          <a:fillRef idx="1">
-            <a:schemeClr val="accent1"/>
-          </a:fillRef>
-          <a:effectRef idx="0">
-            <a:schemeClr val="accent1"/>
-          </a:effectRef>
-          <a:fontRef idx="minor">
-            <a:schemeClr val="lt1"/>
-          </a:fontRef>
-        </p:style>
-        <p:txBody>
-          <a:bodyPr rtlCol="0" anchor="ctr"/>
-          <a:lstStyle/>
-          <a:p>
-            <a:pPr algn="ctr"/>
-            <a:endParaRPr lang="en-US"/>
-          </a:p>
-        </p:txBody>
-      </p:sp>
-      <p:pic>
-        <p:nvPicPr>
-          <p:cNvPr id="10" name="Picture 9"/>
-          <p:cNvPicPr>
-            <a:picLocks noChangeAspect="1"/>
-          </p:cNvPicPr>
-          <p:nvPr/>
-        </p:nvPicPr>
-        <p:blipFill>
-          <a:blip r:embed="rId7"/>
-          <a:stretch>
-            <a:fillRect/>
-          </a:stretch>
-        </p:blipFill>
-        <p:spPr>
-          <a:xfrm>
-            <a:off x="8271435" y="263451"/>
-            <a:ext cx="2541956" cy="1245788"/>
-          </a:xfrm>
-          <a:prstGeom prst="rect">
-            <a:avLst/>
-          </a:prstGeom>
-        </p:spPr>
-      </p:pic>
-      <p:pic>
-        <p:nvPicPr>
-          <p:cNvPr id="11" name="Picture 10"/>
-          <p:cNvPicPr>
-            <a:picLocks noChangeAspect="1"/>
-          </p:cNvPicPr>
-          <p:nvPr/>
-        </p:nvPicPr>
-        <p:blipFill>
-          <a:blip r:embed="rId8"/>
-          <a:stretch>
-            <a:fillRect/>
-          </a:stretch>
-        </p:blipFill>
-        <p:spPr>
-          <a:xfrm>
-            <a:off x="7428753" y="1759648"/>
-            <a:ext cx="4512236" cy="2772071"/>
+            <a:off x="1829048" y="496510"/>
+            <a:ext cx="3607607" cy="1599077"/>
           </a:xfrm>
           <a:prstGeom prst="rect">
             <a:avLst/>
@@ -4990,7 +6992,95 @@
     </p:spTree>
     <p:extLst>
       <p:ext uri="{BB962C8B-B14F-4D97-AF65-F5344CB8AC3E}">
-        <p14:creationId xmlns:p14="http://schemas.microsoft.com/office/powerpoint/2010/main" val="3824427701"/>
+        <p14:creationId xmlns:p14="http://schemas.microsoft.com/office/powerpoint/2010/main" val="2880202069"/>
+      </p:ext>
+    </p:extLst>
+  </p:cSld>
+  <p:clrMapOvr>
+    <a:masterClrMapping/>
+  </p:clrMapOvr>
+</p:sld>
+</file>
+
+<file path=ppt/slides/slide9.xml><?xml version="1.0" encoding="utf-8"?>
+<p:sld xmlns:a="http://schemas.openxmlformats.org/drawingml/2006/main" xmlns:r="http://schemas.openxmlformats.org/officeDocument/2006/relationships" xmlns:p="http://schemas.openxmlformats.org/presentationml/2006/main">
+  <p:cSld>
+    <p:spTree>
+      <p:nvGrpSpPr>
+        <p:cNvPr id="1" name=""/>
+        <p:cNvGrpSpPr/>
+        <p:nvPr/>
+      </p:nvGrpSpPr>
+      <p:grpSpPr>
+        <a:xfrm>
+          <a:off x="0" y="0"/>
+          <a:ext cx="0" cy="0"/>
+          <a:chOff x="0" y="0"/>
+          <a:chExt cx="0" cy="0"/>
+        </a:xfrm>
+      </p:grpSpPr>
+      <p:sp>
+        <p:nvSpPr>
+          <p:cNvPr id="2" name="Title 1">
+            <a:extLst>
+              <a:ext uri="{FF2B5EF4-FFF2-40B4-BE49-F238E27FC236}">
+                <a16:creationId xmlns:a16="http://schemas.microsoft.com/office/drawing/2014/main" id="{B4A4D2FB-994A-4081-AAB3-1BF22E8841B0}"/>
+              </a:ext>
+            </a:extLst>
+          </p:cNvPr>
+          <p:cNvSpPr>
+            <a:spLocks noGrp="1"/>
+          </p:cNvSpPr>
+          <p:nvPr>
+            <p:ph type="title"/>
+          </p:nvPr>
+        </p:nvSpPr>
+        <p:spPr/>
+        <p:txBody>
+          <a:bodyPr>
+            <a:normAutofit/>
+          </a:bodyPr>
+          <a:lstStyle/>
+          <a:p>
+            <a:r>
+              <a:rPr lang="en-US" sz="4400" dirty="0"/>
+              <a:t>Forecasting Using ARIMA Models in Python</a:t>
+            </a:r>
+          </a:p>
+        </p:txBody>
+      </p:sp>
+      <p:sp>
+        <p:nvSpPr>
+          <p:cNvPr id="3" name="Text Placeholder 2">
+            <a:extLst>
+              <a:ext uri="{FF2B5EF4-FFF2-40B4-BE49-F238E27FC236}">
+                <a16:creationId xmlns:a16="http://schemas.microsoft.com/office/drawing/2014/main" id="{C730F032-0C60-43A0-80D0-215C7FF04611}"/>
+              </a:ext>
+            </a:extLst>
+          </p:cNvPr>
+          <p:cNvSpPr>
+            <a:spLocks noGrp="1"/>
+          </p:cNvSpPr>
+          <p:nvPr>
+            <p:ph type="body" idx="1"/>
+          </p:nvPr>
+        </p:nvSpPr>
+        <p:spPr/>
+        <p:txBody>
+          <a:bodyPr/>
+          <a:lstStyle/>
+          <a:p>
+            <a:r>
+              <a:rPr lang="en-US" dirty="0"/>
+              <a:t>Additional Insights</a:t>
+            </a:r>
+          </a:p>
+        </p:txBody>
+      </p:sp>
+    </p:spTree>
+    <p:extLst>
+      <p:ext uri="{BB962C8B-B14F-4D97-AF65-F5344CB8AC3E}">
+        <p14:creationId xmlns:p14="http://schemas.microsoft.com/office/powerpoint/2010/main" val="1264629652"/>
       </p:ext>
     </p:extLst>
   </p:cSld>
